--- a/ComputerVision/Lecture 02 - Image Filtering/Lecture 02 - Image Filtering.pptx
+++ b/ComputerVision/Lecture 02 - Image Filtering/Lecture 02 - Image Filtering.pptx
@@ -342,13 +342,13 @@
         <pc:chgData name="Andre Gustavo Hochuli" userId="03e47721-5546-461c-8dc6-d9f4fc638cac" providerId="ADAL" clId="{D3503B14-B72F-4545-8E19-219A304BE0C6}" dt="2022-08-02T10:00:48.754" v="1106"/>
         <pc:sldMkLst>
           <pc:docMk/>
-          <pc:sldMk cId="0" sldId="260"/>
+          <pc:sldMk cId="2855356280" sldId="260"/>
         </pc:sldMkLst>
         <pc:spChg chg="add mod">
           <ac:chgData name="Andre Gustavo Hochuli" userId="03e47721-5546-461c-8dc6-d9f4fc638cac" providerId="ADAL" clId="{D3503B14-B72F-4545-8E19-219A304BE0C6}" dt="2022-08-02T10:00:48.754" v="1106"/>
           <ac:spMkLst>
             <pc:docMk/>
-            <pc:sldMk cId="0" sldId="260"/>
+            <pc:sldMk cId="2855356280" sldId="260"/>
             <ac:spMk id="8" creationId="{D212725E-6978-106C-3DC2-9274B63ADD8C}"/>
           </ac:spMkLst>
         </pc:spChg>
@@ -356,7 +356,7 @@
           <ac:chgData name="Andre Gustavo Hochuli" userId="03e47721-5546-461c-8dc6-d9f4fc638cac" providerId="ADAL" clId="{D3503B14-B72F-4545-8E19-219A304BE0C6}" dt="2022-08-02T10:00:48.754" v="1106"/>
           <ac:spMkLst>
             <pc:docMk/>
-            <pc:sldMk cId="0" sldId="260"/>
+            <pc:sldMk cId="2855356280" sldId="260"/>
             <ac:spMk id="9" creationId="{45B2F7AF-4D1C-E634-0ADB-3CFA83E72C96}"/>
           </ac:spMkLst>
         </pc:spChg>
@@ -364,7 +364,7 @@
           <ac:chgData name="Andre Gustavo Hochuli" userId="03e47721-5546-461c-8dc6-d9f4fc638cac" providerId="ADAL" clId="{D3503B14-B72F-4545-8E19-219A304BE0C6}" dt="2022-08-02T10:00:45.514" v="1104" actId="478"/>
           <ac:spMkLst>
             <pc:docMk/>
-            <pc:sldMk cId="0" sldId="260"/>
+            <pc:sldMk cId="2855356280" sldId="260"/>
             <ac:spMk id="105" creationId="{00000000-0000-0000-0000-000000000000}"/>
           </ac:spMkLst>
         </pc:spChg>
@@ -372,7 +372,7 @@
           <ac:chgData name="Andre Gustavo Hochuli" userId="03e47721-5546-461c-8dc6-d9f4fc638cac" providerId="ADAL" clId="{D3503B14-B72F-4545-8E19-219A304BE0C6}" dt="2022-08-02T10:00:48.259" v="1105" actId="478"/>
           <ac:spMkLst>
             <pc:docMk/>
-            <pc:sldMk cId="0" sldId="260"/>
+            <pc:sldMk cId="2855356280" sldId="260"/>
             <ac:spMk id="106" creationId="{00000000-0000-0000-0000-000000000000}"/>
           </ac:spMkLst>
         </pc:spChg>
@@ -381,13 +381,13 @@
         <pc:chgData name="Andre Gustavo Hochuli" userId="03e47721-5546-461c-8dc6-d9f4fc638cac" providerId="ADAL" clId="{D3503B14-B72F-4545-8E19-219A304BE0C6}" dt="2022-08-02T10:00:54.701" v="1108"/>
         <pc:sldMkLst>
           <pc:docMk/>
-          <pc:sldMk cId="0" sldId="261"/>
+          <pc:sldMk cId="129391775" sldId="261"/>
         </pc:sldMkLst>
         <pc:spChg chg="add mod">
           <ac:chgData name="Andre Gustavo Hochuli" userId="03e47721-5546-461c-8dc6-d9f4fc638cac" providerId="ADAL" clId="{D3503B14-B72F-4545-8E19-219A304BE0C6}" dt="2022-08-02T10:00:54.701" v="1108"/>
           <ac:spMkLst>
             <pc:docMk/>
-            <pc:sldMk cId="0" sldId="261"/>
+            <pc:sldMk cId="129391775" sldId="261"/>
             <ac:spMk id="6" creationId="{34E25838-6FA0-72C1-5637-FE235A7ABB9C}"/>
           </ac:spMkLst>
         </pc:spChg>
@@ -395,7 +395,7 @@
           <ac:chgData name="Andre Gustavo Hochuli" userId="03e47721-5546-461c-8dc6-d9f4fc638cac" providerId="ADAL" clId="{D3503B14-B72F-4545-8E19-219A304BE0C6}" dt="2022-08-02T10:00:54.701" v="1108"/>
           <ac:spMkLst>
             <pc:docMk/>
-            <pc:sldMk cId="0" sldId="261"/>
+            <pc:sldMk cId="129391775" sldId="261"/>
             <ac:spMk id="7" creationId="{D6BBD8FC-7C35-3182-E0CF-8F0C7279960D}"/>
           </ac:spMkLst>
         </pc:spChg>
@@ -403,7 +403,7 @@
           <ac:chgData name="Andre Gustavo Hochuli" userId="03e47721-5546-461c-8dc6-d9f4fc638cac" providerId="ADAL" clId="{D3503B14-B72F-4545-8E19-219A304BE0C6}" dt="2022-08-02T10:00:54.291" v="1107" actId="478"/>
           <ac:spMkLst>
             <pc:docMk/>
-            <pc:sldMk cId="0" sldId="261"/>
+            <pc:sldMk cId="129391775" sldId="261"/>
             <ac:spMk id="110" creationId="{00000000-0000-0000-0000-000000000000}"/>
           </ac:spMkLst>
         </pc:spChg>
@@ -412,13 +412,13 @@
         <pc:chgData name="Andre Gustavo Hochuli" userId="03e47721-5546-461c-8dc6-d9f4fc638cac" providerId="ADAL" clId="{D3503B14-B72F-4545-8E19-219A304BE0C6}" dt="2022-08-02T10:01:03.740" v="1111"/>
         <pc:sldMkLst>
           <pc:docMk/>
-          <pc:sldMk cId="0" sldId="262"/>
+          <pc:sldMk cId="2069364982" sldId="262"/>
         </pc:sldMkLst>
         <pc:spChg chg="add mod">
           <ac:chgData name="Andre Gustavo Hochuli" userId="03e47721-5546-461c-8dc6-d9f4fc638cac" providerId="ADAL" clId="{D3503B14-B72F-4545-8E19-219A304BE0C6}" dt="2022-08-02T10:01:03.740" v="1111"/>
           <ac:spMkLst>
             <pc:docMk/>
-            <pc:sldMk cId="0" sldId="262"/>
+            <pc:sldMk cId="2069364982" sldId="262"/>
             <ac:spMk id="9" creationId="{AD3F96D6-B270-E9B4-C360-E3129CFC3FFD}"/>
           </ac:spMkLst>
         </pc:spChg>
@@ -426,7 +426,7 @@
           <ac:chgData name="Andre Gustavo Hochuli" userId="03e47721-5546-461c-8dc6-d9f4fc638cac" providerId="ADAL" clId="{D3503B14-B72F-4545-8E19-219A304BE0C6}" dt="2022-08-02T10:01:03.740" v="1111"/>
           <ac:spMkLst>
             <pc:docMk/>
-            <pc:sldMk cId="0" sldId="262"/>
+            <pc:sldMk cId="2069364982" sldId="262"/>
             <ac:spMk id="10" creationId="{25C04D3E-B4BC-DF37-4309-EAE28124C4C8}"/>
           </ac:spMkLst>
         </pc:spChg>
@@ -434,7 +434,7 @@
           <ac:chgData name="Andre Gustavo Hochuli" userId="03e47721-5546-461c-8dc6-d9f4fc638cac" providerId="ADAL" clId="{D3503B14-B72F-4545-8E19-219A304BE0C6}" dt="2022-08-02T10:01:02.574" v="1110" actId="478"/>
           <ac:spMkLst>
             <pc:docMk/>
-            <pc:sldMk cId="0" sldId="262"/>
+            <pc:sldMk cId="2069364982" sldId="262"/>
             <ac:spMk id="115" creationId="{00000000-0000-0000-0000-000000000000}"/>
           </ac:spMkLst>
         </pc:spChg>
@@ -442,7 +442,7 @@
           <ac:chgData name="Andre Gustavo Hochuli" userId="03e47721-5546-461c-8dc6-d9f4fc638cac" providerId="ADAL" clId="{D3503B14-B72F-4545-8E19-219A304BE0C6}" dt="2022-08-02T10:01:01.072" v="1109" actId="478"/>
           <ac:spMkLst>
             <pc:docMk/>
-            <pc:sldMk cId="0" sldId="262"/>
+            <pc:sldMk cId="2069364982" sldId="262"/>
             <ac:spMk id="116" creationId="{00000000-0000-0000-0000-000000000000}"/>
           </ac:spMkLst>
         </pc:spChg>
@@ -450,7 +450,7 @@
           <ac:chgData name="Andre Gustavo Hochuli" userId="03e47721-5546-461c-8dc6-d9f4fc638cac" providerId="ADAL" clId="{D3503B14-B72F-4545-8E19-219A304BE0C6}" dt="2022-08-01T17:51:03.569" v="140" actId="1076"/>
           <ac:picMkLst>
             <pc:docMk/>
-            <pc:sldMk cId="0" sldId="262"/>
+            <pc:sldMk cId="2069364982" sldId="262"/>
             <ac:picMk id="117" creationId="{00000000-0000-0000-0000-000000000000}"/>
           </ac:picMkLst>
         </pc:picChg>
@@ -459,13 +459,13 @@
         <pc:chgData name="Andre Gustavo Hochuli" userId="03e47721-5546-461c-8dc6-d9f4fc638cac" providerId="ADAL" clId="{D3503B14-B72F-4545-8E19-219A304BE0C6}" dt="2022-08-02T10:01:10.743" v="1114"/>
         <pc:sldMkLst>
           <pc:docMk/>
-          <pc:sldMk cId="0" sldId="263"/>
+          <pc:sldMk cId="1165297265" sldId="263"/>
         </pc:sldMkLst>
         <pc:spChg chg="add mod">
           <ac:chgData name="Andre Gustavo Hochuli" userId="03e47721-5546-461c-8dc6-d9f4fc638cac" providerId="ADAL" clId="{D3503B14-B72F-4545-8E19-219A304BE0C6}" dt="2022-08-02T10:01:10.743" v="1114"/>
           <ac:spMkLst>
             <pc:docMk/>
-            <pc:sldMk cId="0" sldId="263"/>
+            <pc:sldMk cId="1165297265" sldId="263"/>
             <ac:spMk id="8" creationId="{067A4880-9A2A-479C-84DF-1D162BEA0735}"/>
           </ac:spMkLst>
         </pc:spChg>
@@ -473,7 +473,7 @@
           <ac:chgData name="Andre Gustavo Hochuli" userId="03e47721-5546-461c-8dc6-d9f4fc638cac" providerId="ADAL" clId="{D3503B14-B72F-4545-8E19-219A304BE0C6}" dt="2022-08-02T10:01:10.743" v="1114"/>
           <ac:spMkLst>
             <pc:docMk/>
-            <pc:sldMk cId="0" sldId="263"/>
+            <pc:sldMk cId="1165297265" sldId="263"/>
             <ac:spMk id="9" creationId="{453DE290-2C27-AC1C-DBDA-B0B3E7D3251C}"/>
           </ac:spMkLst>
         </pc:spChg>
@@ -481,7 +481,7 @@
           <ac:chgData name="Andre Gustavo Hochuli" userId="03e47721-5546-461c-8dc6-d9f4fc638cac" providerId="ADAL" clId="{D3503B14-B72F-4545-8E19-219A304BE0C6}" dt="2022-08-01T17:48:49.861" v="119" actId="403"/>
           <ac:spMkLst>
             <pc:docMk/>
-            <pc:sldMk cId="0" sldId="263"/>
+            <pc:sldMk cId="1165297265" sldId="263"/>
             <ac:spMk id="121" creationId="{00000000-0000-0000-0000-000000000000}"/>
           </ac:spMkLst>
         </pc:spChg>
@@ -489,7 +489,7 @@
           <ac:chgData name="Andre Gustavo Hochuli" userId="03e47721-5546-461c-8dc6-d9f4fc638cac" providerId="ADAL" clId="{D3503B14-B72F-4545-8E19-219A304BE0C6}" dt="2022-08-02T10:01:08.108" v="1112" actId="478"/>
           <ac:spMkLst>
             <pc:docMk/>
-            <pc:sldMk cId="0" sldId="263"/>
+            <pc:sldMk cId="1165297265" sldId="263"/>
             <ac:spMk id="122" creationId="{00000000-0000-0000-0000-000000000000}"/>
           </ac:spMkLst>
         </pc:spChg>
@@ -497,7 +497,7 @@
           <ac:chgData name="Andre Gustavo Hochuli" userId="03e47721-5546-461c-8dc6-d9f4fc638cac" providerId="ADAL" clId="{D3503B14-B72F-4545-8E19-219A304BE0C6}" dt="2022-08-02T10:01:09.871" v="1113" actId="478"/>
           <ac:spMkLst>
             <pc:docMk/>
-            <pc:sldMk cId="0" sldId="263"/>
+            <pc:sldMk cId="1165297265" sldId="263"/>
             <ac:spMk id="123" creationId="{00000000-0000-0000-0000-000000000000}"/>
           </ac:spMkLst>
         </pc:spChg>
@@ -506,13 +506,13 @@
         <pc:chgData name="Andre Gustavo Hochuli" userId="03e47721-5546-461c-8dc6-d9f4fc638cac" providerId="ADAL" clId="{D3503B14-B72F-4545-8E19-219A304BE0C6}" dt="2022-08-02T10:01:21.356" v="1117"/>
         <pc:sldMkLst>
           <pc:docMk/>
-          <pc:sldMk cId="0" sldId="264"/>
+          <pc:sldMk cId="2825761781" sldId="264"/>
         </pc:sldMkLst>
         <pc:spChg chg="add mod">
           <ac:chgData name="Andre Gustavo Hochuli" userId="03e47721-5546-461c-8dc6-d9f4fc638cac" providerId="ADAL" clId="{D3503B14-B72F-4545-8E19-219A304BE0C6}" dt="2022-08-02T10:01:21.356" v="1117"/>
           <ac:spMkLst>
             <pc:docMk/>
-            <pc:sldMk cId="0" sldId="264"/>
+            <pc:sldMk cId="2825761781" sldId="264"/>
             <ac:spMk id="7" creationId="{8F8094B1-7CFC-95B0-39F3-0677915D3FCA}"/>
           </ac:spMkLst>
         </pc:spChg>
@@ -520,7 +520,7 @@
           <ac:chgData name="Andre Gustavo Hochuli" userId="03e47721-5546-461c-8dc6-d9f4fc638cac" providerId="ADAL" clId="{D3503B14-B72F-4545-8E19-219A304BE0C6}" dt="2022-08-02T10:01:21.356" v="1117"/>
           <ac:spMkLst>
             <pc:docMk/>
-            <pc:sldMk cId="0" sldId="264"/>
+            <pc:sldMk cId="2825761781" sldId="264"/>
             <ac:spMk id="8" creationId="{F9F5CFCC-C22D-CBCA-820A-C7FBF8FEEBD8}"/>
           </ac:spMkLst>
         </pc:spChg>
@@ -528,7 +528,7 @@
           <ac:chgData name="Andre Gustavo Hochuli" userId="03e47721-5546-461c-8dc6-d9f4fc638cac" providerId="ADAL" clId="{D3503B14-B72F-4545-8E19-219A304BE0C6}" dt="2022-08-01T17:48:37.149" v="112" actId="403"/>
           <ac:spMkLst>
             <pc:docMk/>
-            <pc:sldMk cId="0" sldId="264"/>
+            <pc:sldMk cId="2825761781" sldId="264"/>
             <ac:spMk id="127" creationId="{00000000-0000-0000-0000-000000000000}"/>
           </ac:spMkLst>
         </pc:spChg>
@@ -536,7 +536,7 @@
           <ac:chgData name="Andre Gustavo Hochuli" userId="03e47721-5546-461c-8dc6-d9f4fc638cac" providerId="ADAL" clId="{D3503B14-B72F-4545-8E19-219A304BE0C6}" dt="2022-08-02T10:01:17.869" v="1115" actId="478"/>
           <ac:spMkLst>
             <pc:docMk/>
-            <pc:sldMk cId="0" sldId="264"/>
+            <pc:sldMk cId="2825761781" sldId="264"/>
             <ac:spMk id="128" creationId="{00000000-0000-0000-0000-000000000000}"/>
           </ac:spMkLst>
         </pc:spChg>
@@ -544,7 +544,7 @@
           <ac:chgData name="Andre Gustavo Hochuli" userId="03e47721-5546-461c-8dc6-d9f4fc638cac" providerId="ADAL" clId="{D3503B14-B72F-4545-8E19-219A304BE0C6}" dt="2022-08-02T10:01:20.450" v="1116" actId="478"/>
           <ac:spMkLst>
             <pc:docMk/>
-            <pc:sldMk cId="0" sldId="264"/>
+            <pc:sldMk cId="2825761781" sldId="264"/>
             <ac:spMk id="129" creationId="{00000000-0000-0000-0000-000000000000}"/>
           </ac:spMkLst>
         </pc:spChg>
@@ -552,7 +552,7 @@
           <ac:chgData name="Andre Gustavo Hochuli" userId="03e47721-5546-461c-8dc6-d9f4fc638cac" providerId="ADAL" clId="{D3503B14-B72F-4545-8E19-219A304BE0C6}" dt="2022-08-01T17:51:18.626" v="142" actId="14100"/>
           <ac:picMkLst>
             <pc:docMk/>
-            <pc:sldMk cId="0" sldId="264"/>
+            <pc:sldMk cId="2825761781" sldId="264"/>
             <ac:picMk id="130" creationId="{00000000-0000-0000-0000-000000000000}"/>
           </ac:picMkLst>
         </pc:picChg>
@@ -561,13 +561,13 @@
         <pc:chgData name="Andre Gustavo Hochuli" userId="03e47721-5546-461c-8dc6-d9f4fc638cac" providerId="ADAL" clId="{D3503B14-B72F-4545-8E19-219A304BE0C6}" dt="2022-08-02T10:01:30.772" v="1120"/>
         <pc:sldMkLst>
           <pc:docMk/>
-          <pc:sldMk cId="0" sldId="265"/>
+          <pc:sldMk cId="3679542106" sldId="265"/>
         </pc:sldMkLst>
         <pc:spChg chg="add mod">
           <ac:chgData name="Andre Gustavo Hochuli" userId="03e47721-5546-461c-8dc6-d9f4fc638cac" providerId="ADAL" clId="{D3503B14-B72F-4545-8E19-219A304BE0C6}" dt="2022-08-02T10:01:30.772" v="1120"/>
           <ac:spMkLst>
             <pc:docMk/>
-            <pc:sldMk cId="0" sldId="265"/>
+            <pc:sldMk cId="3679542106" sldId="265"/>
             <ac:spMk id="11" creationId="{EEC11559-7D41-105D-E8BB-399466F507B3}"/>
           </ac:spMkLst>
         </pc:spChg>
@@ -575,7 +575,7 @@
           <ac:chgData name="Andre Gustavo Hochuli" userId="03e47721-5546-461c-8dc6-d9f4fc638cac" providerId="ADAL" clId="{D3503B14-B72F-4545-8E19-219A304BE0C6}" dt="2022-08-02T10:01:30.772" v="1120"/>
           <ac:spMkLst>
             <pc:docMk/>
-            <pc:sldMk cId="0" sldId="265"/>
+            <pc:sldMk cId="3679542106" sldId="265"/>
             <ac:spMk id="12" creationId="{69981A3E-6491-87E6-D008-FC95EF9D6E94}"/>
           </ac:spMkLst>
         </pc:spChg>
@@ -583,7 +583,7 @@
           <ac:chgData name="Andre Gustavo Hochuli" userId="03e47721-5546-461c-8dc6-d9f4fc638cac" providerId="ADAL" clId="{D3503B14-B72F-4545-8E19-219A304BE0C6}" dt="2022-08-01T17:48:26.637" v="102" actId="20577"/>
           <ac:spMkLst>
             <pc:docMk/>
-            <pc:sldMk cId="0" sldId="265"/>
+            <pc:sldMk cId="3679542106" sldId="265"/>
             <ac:spMk id="132" creationId="{00000000-0000-0000-0000-000000000000}"/>
           </ac:spMkLst>
         </pc:spChg>
@@ -591,7 +591,7 @@
           <ac:chgData name="Andre Gustavo Hochuli" userId="03e47721-5546-461c-8dc6-d9f4fc638cac" providerId="ADAL" clId="{D3503B14-B72F-4545-8E19-219A304BE0C6}" dt="2022-08-02T10:01:28.558" v="1118" actId="478"/>
           <ac:spMkLst>
             <pc:docMk/>
-            <pc:sldMk cId="0" sldId="265"/>
+            <pc:sldMk cId="3679542106" sldId="265"/>
             <ac:spMk id="133" creationId="{00000000-0000-0000-0000-000000000000}"/>
           </ac:spMkLst>
         </pc:spChg>
@@ -599,7 +599,7 @@
           <ac:chgData name="Andre Gustavo Hochuli" userId="03e47721-5546-461c-8dc6-d9f4fc638cac" providerId="ADAL" clId="{D3503B14-B72F-4545-8E19-219A304BE0C6}" dt="2022-08-02T10:01:29.526" v="1119" actId="478"/>
           <ac:spMkLst>
             <pc:docMk/>
-            <pc:sldMk cId="0" sldId="265"/>
+            <pc:sldMk cId="3679542106" sldId="265"/>
             <ac:spMk id="134" creationId="{00000000-0000-0000-0000-000000000000}"/>
           </ac:spMkLst>
         </pc:spChg>
@@ -7139,6 +7139,26 @@
                 <a:latin typeface="Latin Modern Sans"/>
                 <a:ea typeface="DejaVu Sans"/>
               </a:rPr>
+              <a:t>Lecture</a:t>
+            </a:r>
+            <a:r>
+              <a:rPr lang="pt-BR" sz="3200" b="1" strike="noStrike" spc="-1" dirty="0">
+                <a:solidFill>
+                  <a:srgbClr val="FFFFFF"/>
+                </a:solidFill>
+                <a:latin typeface="Latin Modern Sans"/>
+                <a:ea typeface="DejaVu Sans"/>
+              </a:rPr>
+              <a:t> 02 - </a:t>
+            </a:r>
+            <a:r>
+              <a:rPr lang="pt-BR" sz="3200" b="1" strike="noStrike" spc="-1" dirty="0" err="1">
+                <a:solidFill>
+                  <a:srgbClr val="FFFFFF"/>
+                </a:solidFill>
+                <a:latin typeface="Latin Modern Sans"/>
+                <a:ea typeface="DejaVu Sans"/>
+              </a:rPr>
               <a:t>Image</a:t>
             </a:r>
             <a:r>
@@ -7649,7 +7669,7 @@
                 <a:latin typeface="Arial"/>
                 <a:ea typeface="DejaVu Sans"/>
               </a:rPr>
-              <a:t> 01</a:t>
+              <a:t> 02</a:t>
             </a:r>
             <a:endParaRPr lang="pt-BR" sz="1800" b="0" strike="noStrike" spc="-1" dirty="0">
               <a:latin typeface="Arial"/>
@@ -7883,7 +7903,17 @@
                 <a:latin typeface="Arial"/>
                 <a:ea typeface="DejaVu Sans"/>
               </a:rPr>
-              <a:t> 01</a:t>
+              <a:t> </a:t>
+            </a:r>
+            <a:r>
+              <a:rPr lang="pt-BR" spc="-1" dirty="0">
+                <a:solidFill>
+                  <a:srgbClr val="000000"/>
+                </a:solidFill>
+                <a:latin typeface="Arial"/>
+                <a:ea typeface="DejaVu Sans"/>
+              </a:rPr>
+              <a:t>02</a:t>
             </a:r>
             <a:endParaRPr lang="pt-BR" sz="1800" b="0" strike="noStrike" spc="-1" dirty="0">
               <a:latin typeface="Arial"/>
@@ -8668,7 +8698,7 @@
                 <a:latin typeface="Arial"/>
                 <a:ea typeface="DejaVu Sans"/>
               </a:rPr>
-              <a:t> 01</a:t>
+              <a:t> 02</a:t>
             </a:r>
             <a:endParaRPr lang="pt-BR" sz="1800" b="0" strike="noStrike" spc="-1" dirty="0">
               <a:latin typeface="Arial"/>
@@ -9076,7 +9106,7 @@
                 <a:latin typeface="Arial"/>
                 <a:ea typeface="DejaVu Sans"/>
               </a:rPr>
-              <a:t> 01</a:t>
+              <a:t> 02</a:t>
             </a:r>
             <a:endParaRPr lang="pt-BR" sz="1800" b="0" strike="noStrike" spc="-1" dirty="0">
               <a:latin typeface="Arial"/>
@@ -9497,7 +9527,7 @@
                 <a:latin typeface="Arial"/>
                 <a:ea typeface="DejaVu Sans"/>
               </a:rPr>
-              <a:t> 01</a:t>
+              <a:t> 02</a:t>
             </a:r>
             <a:endParaRPr lang="pt-BR" sz="1800" b="0" strike="noStrike" spc="-1" dirty="0">
               <a:latin typeface="Arial"/>
@@ -9886,7 +9916,7 @@
                 <a:latin typeface="Arial"/>
                 <a:ea typeface="DejaVu Sans"/>
               </a:rPr>
-              <a:t> 01</a:t>
+              <a:t> 02</a:t>
             </a:r>
             <a:endParaRPr lang="pt-BR" sz="1800" b="0" strike="noStrike" spc="-1" dirty="0">
               <a:latin typeface="Arial"/>
@@ -10305,7 +10335,7 @@
                 <a:latin typeface="Arial"/>
                 <a:ea typeface="DejaVu Sans"/>
               </a:rPr>
-              <a:t> 01</a:t>
+              <a:t> 02</a:t>
             </a:r>
             <a:endParaRPr lang="pt-BR" sz="1800" b="0" strike="noStrike" spc="-1" dirty="0">
               <a:latin typeface="Arial"/>
@@ -10709,7 +10739,7 @@
                 <a:latin typeface="Arial"/>
                 <a:ea typeface="DejaVu Sans"/>
               </a:rPr>
-              <a:t> 01</a:t>
+              <a:t> 02</a:t>
             </a:r>
             <a:endParaRPr lang="pt-BR" sz="1800" b="0" strike="noStrike" spc="-1" dirty="0">
               <a:latin typeface="Arial"/>
@@ -11113,7 +11143,17 @@
                 <a:latin typeface="Arial"/>
                 <a:ea typeface="DejaVu Sans"/>
               </a:rPr>
-              <a:t> 01</a:t>
+              <a:t> </a:t>
+            </a:r>
+            <a:r>
+              <a:rPr lang="pt-BR" spc="-1" dirty="0">
+                <a:solidFill>
+                  <a:srgbClr val="000000"/>
+                </a:solidFill>
+                <a:latin typeface="Arial"/>
+                <a:ea typeface="DejaVu Sans"/>
+              </a:rPr>
+              <a:t>02</a:t>
             </a:r>
             <a:endParaRPr lang="pt-BR" sz="1800" b="0" strike="noStrike" spc="-1" dirty="0">
               <a:latin typeface="Arial"/>

--- a/ComputerVision/Lecture 02 - Image Filtering/Lecture 02 - Image Filtering.pptx
+++ b/ComputerVision/Lecture 02 - Image Filtering/Lecture 02 - Image Filtering.pptx
@@ -70,19 +70,16 @@
             <a:noAutofit/>
           </a:bodyPr>
           <a:p>
+            <a:pPr algn="ctr">
+              <a:buNone/>
+            </a:pPr>
             <a:r>
-              <a:rPr b="0" lang="pt-BR" sz="1800" spc="-1" strike="noStrike">
-                <a:solidFill>
-                  <a:srgbClr val="000000"/>
-                </a:solidFill>
+              <a:rPr b="0" lang="pt-BR" sz="4400" spc="-1" strike="noStrike">
                 <a:latin typeface="Arial"/>
               </a:rPr>
-              <a:t>Click to move the slide</a:t>
+              <a:t>Clique para mover o slide</a:t>
             </a:r>
-            <a:endParaRPr b="0" lang="pt-BR" sz="1800" spc="-1" strike="noStrike">
-              <a:solidFill>
-                <a:srgbClr val="000000"/>
-              </a:solidFill>
+            <a:endParaRPr b="0" lang="pt-BR" sz="4400" spc="-1" strike="noStrike">
               <a:latin typeface="Arial"/>
             </a:endParaRPr>
           </a:p>
@@ -120,7 +117,7 @@
               <a:rPr b="0" lang="pt-BR" sz="2000" spc="-1" strike="noStrike">
                 <a:latin typeface="Arial"/>
               </a:rPr>
-              <a:t>Click to edit the notes format</a:t>
+              <a:t>Clique para editar o formato de notas</a:t>
             </a:r>
             <a:endParaRPr b="0" lang="pt-BR" sz="2000" spc="-1" strike="noStrike">
               <a:latin typeface="Arial"/>
@@ -160,7 +157,7 @@
               <a:rPr b="0" lang="pt-BR" sz="1400" spc="-1" strike="noStrike">
                 <a:latin typeface="Times New Roman"/>
               </a:rPr>
-              <a:t>&lt;header&gt;</a:t>
+              <a:t>&lt;cabeçalho&gt;</a:t>
             </a:r>
             <a:endParaRPr b="0" lang="pt-BR" sz="1400" spc="-1" strike="noStrike">
               <a:latin typeface="Times New Roman"/>
@@ -211,7 +208,7 @@
               <a:rPr b="0" lang="pt-BR" sz="1400" spc="-1" strike="noStrike">
                 <a:latin typeface="Times New Roman"/>
               </a:rPr>
-              <a:t>&lt;date/time&gt;</a:t>
+              <a:t>&lt;data/hora&gt;</a:t>
             </a:r>
             <a:endParaRPr b="0" lang="pt-BR" sz="1400" spc="-1" strike="noStrike">
               <a:latin typeface="Times New Roman"/>
@@ -258,7 +255,7 @@
               <a:rPr b="0" lang="pt-BR" sz="1400" spc="-1" strike="noStrike">
                 <a:latin typeface="Times New Roman"/>
               </a:rPr>
-              <a:t>&lt;footer&gt;</a:t>
+              <a:t>&lt;rodapé&gt;</a:t>
             </a:r>
             <a:endParaRPr b="0" lang="pt-BR" sz="1400" spc="-1" strike="noStrike">
               <a:latin typeface="Times New Roman"/>
@@ -305,11 +302,11 @@
             <a:pPr algn="r">
               <a:buNone/>
             </a:pPr>
-            <a:fld id="{FB4BB577-A70B-4AB1-AEE2-DC4389B03ED9}" type="slidenum">
+            <a:fld id="{1F0533C5-54FD-4B18-99E4-202288A3C912}" type="slidenum">
               <a:rPr b="0" lang="pt-BR" sz="1400" spc="-1" strike="noStrike">
                 <a:latin typeface="Times New Roman"/>
               </a:rPr>
-              <a:t>&lt;number&gt;</a:t>
+              <a:t>&lt;número&gt;</a:t>
             </a:fld>
             <a:endParaRPr b="0" lang="pt-BR" sz="1400" spc="-1" strike="noStrike">
               <a:latin typeface="Times New Roman"/>
@@ -353,7 +350,7 @@
         <p:spPr>
           <a:xfrm>
             <a:off x="1376280" y="1336680"/>
-            <a:ext cx="4803480" cy="3603240"/>
+            <a:ext cx="4803120" cy="3602880"/>
           </a:xfrm>
           <a:prstGeom prst="rect">
             <a:avLst/>
@@ -376,7 +373,7 @@
         <p:spPr>
           <a:xfrm>
             <a:off x="756000" y="5145120"/>
-            <a:ext cx="6043680" cy="4205880"/>
+            <a:ext cx="6043320" cy="4205520"/>
           </a:xfrm>
           <a:prstGeom prst="rect">
             <a:avLst/>
@@ -406,7 +403,7 @@
         <p:spPr>
           <a:xfrm>
             <a:off x="0" y="10155240"/>
-            <a:ext cx="3272040" cy="532440"/>
+            <a:ext cx="3271680" cy="532080"/>
           </a:xfrm>
           <a:prstGeom prst="rect">
             <a:avLst/>
@@ -484,7 +481,7 @@
         <p:spPr>
           <a:xfrm>
             <a:off x="1376280" y="1336680"/>
-            <a:ext cx="4803480" cy="3603240"/>
+            <a:ext cx="4803120" cy="3602880"/>
           </a:xfrm>
           <a:prstGeom prst="rect">
             <a:avLst/>
@@ -507,7 +504,7 @@
         <p:spPr>
           <a:xfrm>
             <a:off x="756000" y="5145120"/>
-            <a:ext cx="6043680" cy="4205880"/>
+            <a:ext cx="6043320" cy="4205520"/>
           </a:xfrm>
           <a:prstGeom prst="rect">
             <a:avLst/>
@@ -537,7 +534,7 @@
         <p:spPr>
           <a:xfrm>
             <a:off x="0" y="10155240"/>
-            <a:ext cx="3272040" cy="532440"/>
+            <a:ext cx="3271680" cy="532080"/>
           </a:xfrm>
           <a:prstGeom prst="rect">
             <a:avLst/>
@@ -615,7 +612,7 @@
         <p:spPr>
           <a:xfrm>
             <a:off x="1376280" y="1336680"/>
-            <a:ext cx="4803480" cy="3603240"/>
+            <a:ext cx="4803120" cy="3602880"/>
           </a:xfrm>
           <a:prstGeom prst="rect">
             <a:avLst/>
@@ -638,7 +635,7 @@
         <p:spPr>
           <a:xfrm>
             <a:off x="756000" y="5145120"/>
-            <a:ext cx="6043680" cy="4205880"/>
+            <a:ext cx="6043320" cy="4205520"/>
           </a:xfrm>
           <a:prstGeom prst="rect">
             <a:avLst/>
@@ -668,7 +665,7 @@
         <p:spPr>
           <a:xfrm>
             <a:off x="0" y="10155240"/>
-            <a:ext cx="3272040" cy="532440"/>
+            <a:ext cx="3271680" cy="532080"/>
           </a:xfrm>
           <a:prstGeom prst="rect">
             <a:avLst/>
@@ -746,7 +743,7 @@
         <p:spPr>
           <a:xfrm>
             <a:off x="1376280" y="1336680"/>
-            <a:ext cx="4803480" cy="3603240"/>
+            <a:ext cx="4803120" cy="3602880"/>
           </a:xfrm>
           <a:prstGeom prst="rect">
             <a:avLst/>
@@ -769,7 +766,7 @@
         <p:spPr>
           <a:xfrm>
             <a:off x="756000" y="5145120"/>
-            <a:ext cx="6043680" cy="4205880"/>
+            <a:ext cx="6043320" cy="4205520"/>
           </a:xfrm>
           <a:prstGeom prst="rect">
             <a:avLst/>
@@ -799,7 +796,7 @@
         <p:spPr>
           <a:xfrm>
             <a:off x="0" y="10155240"/>
-            <a:ext cx="3272040" cy="532440"/>
+            <a:ext cx="3271680" cy="532080"/>
           </a:xfrm>
           <a:prstGeom prst="rect">
             <a:avLst/>
@@ -877,7 +874,7 @@
         <p:spPr>
           <a:xfrm>
             <a:off x="1376280" y="1336680"/>
-            <a:ext cx="4803480" cy="3603240"/>
+            <a:ext cx="4803120" cy="3602880"/>
           </a:xfrm>
           <a:prstGeom prst="rect">
             <a:avLst/>
@@ -900,7 +897,7 @@
         <p:spPr>
           <a:xfrm>
             <a:off x="756000" y="5145120"/>
-            <a:ext cx="6043680" cy="4205880"/>
+            <a:ext cx="6043320" cy="4205520"/>
           </a:xfrm>
           <a:prstGeom prst="rect">
             <a:avLst/>
@@ -930,7 +927,7 @@
         <p:spPr>
           <a:xfrm>
             <a:off x="0" y="10155240"/>
-            <a:ext cx="3272040" cy="532440"/>
+            <a:ext cx="3271680" cy="532080"/>
           </a:xfrm>
           <a:prstGeom prst="rect">
             <a:avLst/>
@@ -1008,7 +1005,7 @@
         <p:spPr>
           <a:xfrm>
             <a:off x="1376280" y="1336680"/>
-            <a:ext cx="4803480" cy="3603240"/>
+            <a:ext cx="4803120" cy="3602880"/>
           </a:xfrm>
           <a:prstGeom prst="rect">
             <a:avLst/>
@@ -1031,7 +1028,7 @@
         <p:spPr>
           <a:xfrm>
             <a:off x="756000" y="5145120"/>
-            <a:ext cx="6043680" cy="4205880"/>
+            <a:ext cx="6043320" cy="4205520"/>
           </a:xfrm>
           <a:prstGeom prst="rect">
             <a:avLst/>
@@ -1061,7 +1058,7 @@
         <p:spPr>
           <a:xfrm>
             <a:off x="0" y="10155240"/>
-            <a:ext cx="3272040" cy="532440"/>
+            <a:ext cx="3271680" cy="532080"/>
           </a:xfrm>
           <a:prstGeom prst="rect">
             <a:avLst/>
@@ -1139,7 +1136,7 @@
         <p:spPr>
           <a:xfrm>
             <a:off x="1376280" y="1336680"/>
-            <a:ext cx="4803480" cy="3603240"/>
+            <a:ext cx="4803120" cy="3602880"/>
           </a:xfrm>
           <a:prstGeom prst="rect">
             <a:avLst/>
@@ -1162,7 +1159,7 @@
         <p:spPr>
           <a:xfrm>
             <a:off x="756000" y="5145120"/>
-            <a:ext cx="6043680" cy="4205880"/>
+            <a:ext cx="6043320" cy="4205520"/>
           </a:xfrm>
           <a:prstGeom prst="rect">
             <a:avLst/>
@@ -1192,7 +1189,7 @@
         <p:spPr>
           <a:xfrm>
             <a:off x="0" y="10155240"/>
-            <a:ext cx="3272040" cy="532440"/>
+            <a:ext cx="3271680" cy="532080"/>
           </a:xfrm>
           <a:prstGeom prst="rect">
             <a:avLst/>
@@ -1270,7 +1267,7 @@
         <p:spPr>
           <a:xfrm>
             <a:off x="1376280" y="1336680"/>
-            <a:ext cx="4803480" cy="3603240"/>
+            <a:ext cx="4803120" cy="3602880"/>
           </a:xfrm>
           <a:prstGeom prst="rect">
             <a:avLst/>
@@ -1293,7 +1290,7 @@
         <p:spPr>
           <a:xfrm>
             <a:off x="756000" y="5145120"/>
-            <a:ext cx="6043680" cy="4205880"/>
+            <a:ext cx="6043320" cy="4205520"/>
           </a:xfrm>
           <a:prstGeom prst="rect">
             <a:avLst/>
@@ -1323,7 +1320,7 @@
         <p:spPr>
           <a:xfrm>
             <a:off x="0" y="10155240"/>
-            <a:ext cx="3272040" cy="532440"/>
+            <a:ext cx="3271680" cy="532080"/>
           </a:xfrm>
           <a:prstGeom prst="rect">
             <a:avLst/>
@@ -1401,7 +1398,7 @@
         <p:spPr>
           <a:xfrm>
             <a:off x="1376280" y="1336680"/>
-            <a:ext cx="4803480" cy="3603240"/>
+            <a:ext cx="4803120" cy="3602880"/>
           </a:xfrm>
           <a:prstGeom prst="rect">
             <a:avLst/>
@@ -1424,7 +1421,7 @@
         <p:spPr>
           <a:xfrm>
             <a:off x="756000" y="5145120"/>
-            <a:ext cx="6043680" cy="4205880"/>
+            <a:ext cx="6043320" cy="4205520"/>
           </a:xfrm>
           <a:prstGeom prst="rect">
             <a:avLst/>
@@ -1454,7 +1451,7 @@
         <p:spPr>
           <a:xfrm>
             <a:off x="0" y="10155240"/>
-            <a:ext cx="3272040" cy="532440"/>
+            <a:ext cx="3271680" cy="532080"/>
           </a:xfrm>
           <a:prstGeom prst="rect">
             <a:avLst/>
@@ -1532,7 +1529,7 @@
         <p:spPr>
           <a:xfrm>
             <a:off x="1376280" y="1336680"/>
-            <a:ext cx="4803480" cy="3603240"/>
+            <a:ext cx="4803120" cy="3602880"/>
           </a:xfrm>
           <a:prstGeom prst="rect">
             <a:avLst/>
@@ -1555,7 +1552,7 @@
         <p:spPr>
           <a:xfrm>
             <a:off x="756000" y="5145120"/>
-            <a:ext cx="6043680" cy="4205880"/>
+            <a:ext cx="6043320" cy="4205520"/>
           </a:xfrm>
           <a:prstGeom prst="rect">
             <a:avLst/>
@@ -1585,7 +1582,7 @@
         <p:spPr>
           <a:xfrm>
             <a:off x="0" y="10155240"/>
-            <a:ext cx="3272040" cy="532440"/>
+            <a:ext cx="3271680" cy="532080"/>
           </a:xfrm>
           <a:prstGeom prst="rect">
             <a:avLst/>
@@ -1700,10 +1697,10 @@
             <a:noAutofit/>
           </a:bodyPr>
           <a:p>
-            <a:endParaRPr b="0" lang="pt-BR" sz="1800" spc="-1" strike="noStrike">
-              <a:solidFill>
-                <a:srgbClr val="000000"/>
-              </a:solidFill>
+            <a:pPr algn="ctr">
+              <a:buNone/>
+            </a:pPr>
+            <a:endParaRPr b="0" lang="pt-BR" sz="4400" spc="-1" strike="noStrike">
               <a:latin typeface="Arial"/>
             </a:endParaRPr>
           </a:p>
@@ -1737,19 +1734,7 @@
             <a:normAutofit/>
           </a:bodyPr>
           <a:p>
-            <a:pPr>
-              <a:lnSpc>
-                <a:spcPct val="90000"/>
-              </a:lnSpc>
-              <a:spcBef>
-                <a:spcPts val="1417"/>
-              </a:spcBef>
-              <a:buNone/>
-            </a:pPr>
-            <a:endParaRPr b="0" lang="pt-BR" sz="2800" spc="-1" strike="noStrike">
-              <a:solidFill>
-                <a:srgbClr val="000000"/>
-              </a:solidFill>
+            <a:endParaRPr b="0" lang="pt-BR" sz="3200" spc="-1" strike="noStrike">
               <a:latin typeface="Arial"/>
             </a:endParaRPr>
           </a:p>
@@ -1783,19 +1768,7 @@
             <a:normAutofit/>
           </a:bodyPr>
           <a:p>
-            <a:pPr>
-              <a:lnSpc>
-                <a:spcPct val="90000"/>
-              </a:lnSpc>
-              <a:spcBef>
-                <a:spcPts val="1417"/>
-              </a:spcBef>
-              <a:buNone/>
-            </a:pPr>
-            <a:endParaRPr b="0" lang="pt-BR" sz="2800" spc="-1" strike="noStrike">
-              <a:solidFill>
-                <a:srgbClr val="000000"/>
-              </a:solidFill>
+            <a:endParaRPr b="0" lang="pt-BR" sz="3200" spc="-1" strike="noStrike">
               <a:latin typeface="Arial"/>
             </a:endParaRPr>
           </a:p>
@@ -1851,10 +1824,10 @@
             <a:noAutofit/>
           </a:bodyPr>
           <a:p>
-            <a:endParaRPr b="0" lang="pt-BR" sz="1800" spc="-1" strike="noStrike">
-              <a:solidFill>
-                <a:srgbClr val="000000"/>
-              </a:solidFill>
+            <a:pPr algn="ctr">
+              <a:buNone/>
+            </a:pPr>
+            <a:endParaRPr b="0" lang="pt-BR" sz="4400" spc="-1" strike="noStrike">
               <a:latin typeface="Arial"/>
             </a:endParaRPr>
           </a:p>
@@ -1888,19 +1861,7 @@
             <a:normAutofit/>
           </a:bodyPr>
           <a:p>
-            <a:pPr>
-              <a:lnSpc>
-                <a:spcPct val="90000"/>
-              </a:lnSpc>
-              <a:spcBef>
-                <a:spcPts val="1417"/>
-              </a:spcBef>
-              <a:buNone/>
-            </a:pPr>
-            <a:endParaRPr b="0" lang="pt-BR" sz="2800" spc="-1" strike="noStrike">
-              <a:solidFill>
-                <a:srgbClr val="000000"/>
-              </a:solidFill>
+            <a:endParaRPr b="0" lang="pt-BR" sz="3200" spc="-1" strike="noStrike">
               <a:latin typeface="Arial"/>
             </a:endParaRPr>
           </a:p>
@@ -1934,19 +1895,7 @@
             <a:normAutofit/>
           </a:bodyPr>
           <a:p>
-            <a:pPr>
-              <a:lnSpc>
-                <a:spcPct val="90000"/>
-              </a:lnSpc>
-              <a:spcBef>
-                <a:spcPts val="1417"/>
-              </a:spcBef>
-              <a:buNone/>
-            </a:pPr>
-            <a:endParaRPr b="0" lang="pt-BR" sz="2800" spc="-1" strike="noStrike">
-              <a:solidFill>
-                <a:srgbClr val="000000"/>
-              </a:solidFill>
+            <a:endParaRPr b="0" lang="pt-BR" sz="3200" spc="-1" strike="noStrike">
               <a:latin typeface="Arial"/>
             </a:endParaRPr>
           </a:p>
@@ -1980,19 +1929,7 @@
             <a:normAutofit/>
           </a:bodyPr>
           <a:p>
-            <a:pPr>
-              <a:lnSpc>
-                <a:spcPct val="90000"/>
-              </a:lnSpc>
-              <a:spcBef>
-                <a:spcPts val="1417"/>
-              </a:spcBef>
-              <a:buNone/>
-            </a:pPr>
-            <a:endParaRPr b="0" lang="pt-BR" sz="2800" spc="-1" strike="noStrike">
-              <a:solidFill>
-                <a:srgbClr val="000000"/>
-              </a:solidFill>
+            <a:endParaRPr b="0" lang="pt-BR" sz="3200" spc="-1" strike="noStrike">
               <a:latin typeface="Arial"/>
             </a:endParaRPr>
           </a:p>
@@ -2026,19 +1963,7 @@
             <a:normAutofit/>
           </a:bodyPr>
           <a:p>
-            <a:pPr>
-              <a:lnSpc>
-                <a:spcPct val="90000"/>
-              </a:lnSpc>
-              <a:spcBef>
-                <a:spcPts val="1417"/>
-              </a:spcBef>
-              <a:buNone/>
-            </a:pPr>
-            <a:endParaRPr b="0" lang="pt-BR" sz="2800" spc="-1" strike="noStrike">
-              <a:solidFill>
-                <a:srgbClr val="000000"/>
-              </a:solidFill>
+            <a:endParaRPr b="0" lang="pt-BR" sz="3200" spc="-1" strike="noStrike">
               <a:latin typeface="Arial"/>
             </a:endParaRPr>
           </a:p>
@@ -2094,10 +2019,10 @@
             <a:noAutofit/>
           </a:bodyPr>
           <a:p>
-            <a:endParaRPr b="0" lang="pt-BR" sz="1800" spc="-1" strike="noStrike">
-              <a:solidFill>
-                <a:srgbClr val="000000"/>
-              </a:solidFill>
+            <a:pPr algn="ctr">
+              <a:buNone/>
+            </a:pPr>
+            <a:endParaRPr b="0" lang="pt-BR" sz="4400" spc="-1" strike="noStrike">
               <a:latin typeface="Arial"/>
             </a:endParaRPr>
           </a:p>
@@ -2131,19 +2056,7 @@
             <a:normAutofit/>
           </a:bodyPr>
           <a:p>
-            <a:pPr>
-              <a:lnSpc>
-                <a:spcPct val="90000"/>
-              </a:lnSpc>
-              <a:spcBef>
-                <a:spcPts val="1417"/>
-              </a:spcBef>
-              <a:buNone/>
-            </a:pPr>
-            <a:endParaRPr b="0" lang="pt-BR" sz="2800" spc="-1" strike="noStrike">
-              <a:solidFill>
-                <a:srgbClr val="000000"/>
-              </a:solidFill>
+            <a:endParaRPr b="0" lang="pt-BR" sz="3200" spc="-1" strike="noStrike">
               <a:latin typeface="Arial"/>
             </a:endParaRPr>
           </a:p>
@@ -2177,19 +2090,7 @@
             <a:normAutofit/>
           </a:bodyPr>
           <a:p>
-            <a:pPr>
-              <a:lnSpc>
-                <a:spcPct val="90000"/>
-              </a:lnSpc>
-              <a:spcBef>
-                <a:spcPts val="1417"/>
-              </a:spcBef>
-              <a:buNone/>
-            </a:pPr>
-            <a:endParaRPr b="0" lang="pt-BR" sz="2800" spc="-1" strike="noStrike">
-              <a:solidFill>
-                <a:srgbClr val="000000"/>
-              </a:solidFill>
+            <a:endParaRPr b="0" lang="pt-BR" sz="3200" spc="-1" strike="noStrike">
               <a:latin typeface="Arial"/>
             </a:endParaRPr>
           </a:p>
@@ -2223,19 +2124,7 @@
             <a:normAutofit/>
           </a:bodyPr>
           <a:p>
-            <a:pPr>
-              <a:lnSpc>
-                <a:spcPct val="90000"/>
-              </a:lnSpc>
-              <a:spcBef>
-                <a:spcPts val="1417"/>
-              </a:spcBef>
-              <a:buNone/>
-            </a:pPr>
-            <a:endParaRPr b="0" lang="pt-BR" sz="2800" spc="-1" strike="noStrike">
-              <a:solidFill>
-                <a:srgbClr val="000000"/>
-              </a:solidFill>
+            <a:endParaRPr b="0" lang="pt-BR" sz="3200" spc="-1" strike="noStrike">
               <a:latin typeface="Arial"/>
             </a:endParaRPr>
           </a:p>
@@ -2269,19 +2158,7 @@
             <a:normAutofit/>
           </a:bodyPr>
           <a:p>
-            <a:pPr>
-              <a:lnSpc>
-                <a:spcPct val="90000"/>
-              </a:lnSpc>
-              <a:spcBef>
-                <a:spcPts val="1417"/>
-              </a:spcBef>
-              <a:buNone/>
-            </a:pPr>
-            <a:endParaRPr b="0" lang="pt-BR" sz="2800" spc="-1" strike="noStrike">
-              <a:solidFill>
-                <a:srgbClr val="000000"/>
-              </a:solidFill>
+            <a:endParaRPr b="0" lang="pt-BR" sz="3200" spc="-1" strike="noStrike">
               <a:latin typeface="Arial"/>
             </a:endParaRPr>
           </a:p>
@@ -2315,19 +2192,7 @@
             <a:normAutofit/>
           </a:bodyPr>
           <a:p>
-            <a:pPr>
-              <a:lnSpc>
-                <a:spcPct val="90000"/>
-              </a:lnSpc>
-              <a:spcBef>
-                <a:spcPts val="1417"/>
-              </a:spcBef>
-              <a:buNone/>
-            </a:pPr>
-            <a:endParaRPr b="0" lang="pt-BR" sz="2800" spc="-1" strike="noStrike">
-              <a:solidFill>
-                <a:srgbClr val="000000"/>
-              </a:solidFill>
+            <a:endParaRPr b="0" lang="pt-BR" sz="3200" spc="-1" strike="noStrike">
               <a:latin typeface="Arial"/>
             </a:endParaRPr>
           </a:p>
@@ -2361,19 +2226,7 @@
             <a:normAutofit/>
           </a:bodyPr>
           <a:p>
-            <a:pPr>
-              <a:lnSpc>
-                <a:spcPct val="90000"/>
-              </a:lnSpc>
-              <a:spcBef>
-                <a:spcPts val="1417"/>
-              </a:spcBef>
-              <a:buNone/>
-            </a:pPr>
-            <a:endParaRPr b="0" lang="pt-BR" sz="2800" spc="-1" strike="noStrike">
-              <a:solidFill>
-                <a:srgbClr val="000000"/>
-              </a:solidFill>
+            <a:endParaRPr b="0" lang="pt-BR" sz="3200" spc="-1" strike="noStrike">
               <a:latin typeface="Arial"/>
             </a:endParaRPr>
           </a:p>
@@ -2451,10 +2304,10 @@
             <a:noAutofit/>
           </a:bodyPr>
           <a:p>
-            <a:endParaRPr b="0" lang="pt-BR" sz="1800" spc="-1" strike="noStrike">
-              <a:solidFill>
-                <a:srgbClr val="000000"/>
-              </a:solidFill>
+            <a:pPr algn="ctr">
+              <a:buNone/>
+            </a:pPr>
+            <a:endParaRPr b="0" lang="pt-BR" sz="4400" spc="-1" strike="noStrike">
               <a:latin typeface="Arial"/>
             </a:endParaRPr>
           </a:p>
@@ -2547,10 +2400,10 @@
             <a:noAutofit/>
           </a:bodyPr>
           <a:p>
-            <a:endParaRPr b="0" lang="pt-BR" sz="1800" spc="-1" strike="noStrike">
-              <a:solidFill>
-                <a:srgbClr val="000000"/>
-              </a:solidFill>
+            <a:pPr algn="ctr">
+              <a:buNone/>
+            </a:pPr>
+            <a:endParaRPr b="0" lang="pt-BR" sz="4400" spc="-1" strike="noStrike">
               <a:latin typeface="Arial"/>
             </a:endParaRPr>
           </a:p>
@@ -2584,19 +2437,7 @@
             <a:normAutofit/>
           </a:bodyPr>
           <a:p>
-            <a:pPr>
-              <a:lnSpc>
-                <a:spcPct val="90000"/>
-              </a:lnSpc>
-              <a:spcBef>
-                <a:spcPts val="1417"/>
-              </a:spcBef>
-              <a:buNone/>
-            </a:pPr>
-            <a:endParaRPr b="0" lang="pt-BR" sz="2800" spc="-1" strike="noStrike">
-              <a:solidFill>
-                <a:srgbClr val="000000"/>
-              </a:solidFill>
+            <a:endParaRPr b="0" lang="pt-BR" sz="3200" spc="-1" strike="noStrike">
               <a:latin typeface="Arial"/>
             </a:endParaRPr>
           </a:p>
@@ -2652,10 +2493,10 @@
             <a:noAutofit/>
           </a:bodyPr>
           <a:p>
-            <a:endParaRPr b="0" lang="pt-BR" sz="1800" spc="-1" strike="noStrike">
-              <a:solidFill>
-                <a:srgbClr val="000000"/>
-              </a:solidFill>
+            <a:pPr algn="ctr">
+              <a:buNone/>
+            </a:pPr>
+            <a:endParaRPr b="0" lang="pt-BR" sz="4400" spc="-1" strike="noStrike">
               <a:latin typeface="Arial"/>
             </a:endParaRPr>
           </a:p>
@@ -2689,19 +2530,7 @@
             <a:normAutofit/>
           </a:bodyPr>
           <a:p>
-            <a:pPr>
-              <a:lnSpc>
-                <a:spcPct val="90000"/>
-              </a:lnSpc>
-              <a:spcBef>
-                <a:spcPts val="1417"/>
-              </a:spcBef>
-              <a:buNone/>
-            </a:pPr>
-            <a:endParaRPr b="0" lang="pt-BR" sz="2800" spc="-1" strike="noStrike">
-              <a:solidFill>
-                <a:srgbClr val="000000"/>
-              </a:solidFill>
+            <a:endParaRPr b="0" lang="pt-BR" sz="3200" spc="-1" strike="noStrike">
               <a:latin typeface="Arial"/>
             </a:endParaRPr>
           </a:p>
@@ -2735,19 +2564,7 @@
             <a:normAutofit/>
           </a:bodyPr>
           <a:p>
-            <a:pPr>
-              <a:lnSpc>
-                <a:spcPct val="90000"/>
-              </a:lnSpc>
-              <a:spcBef>
-                <a:spcPts val="1417"/>
-              </a:spcBef>
-              <a:buNone/>
-            </a:pPr>
-            <a:endParaRPr b="0" lang="pt-BR" sz="2800" spc="-1" strike="noStrike">
-              <a:solidFill>
-                <a:srgbClr val="000000"/>
-              </a:solidFill>
+            <a:endParaRPr b="0" lang="pt-BR" sz="3200" spc="-1" strike="noStrike">
               <a:latin typeface="Arial"/>
             </a:endParaRPr>
           </a:p>
@@ -2803,10 +2620,10 @@
             <a:noAutofit/>
           </a:bodyPr>
           <a:p>
-            <a:endParaRPr b="0" lang="pt-BR" sz="1800" spc="-1" strike="noStrike">
-              <a:solidFill>
-                <a:srgbClr val="000000"/>
-              </a:solidFill>
+            <a:pPr algn="ctr">
+              <a:buNone/>
+            </a:pPr>
+            <a:endParaRPr b="0" lang="pt-BR" sz="4400" spc="-1" strike="noStrike">
               <a:latin typeface="Arial"/>
             </a:endParaRPr>
           </a:p>
@@ -2921,10 +2738,10 @@
             <a:noAutofit/>
           </a:bodyPr>
           <a:p>
-            <a:endParaRPr b="0" lang="pt-BR" sz="1800" spc="-1" strike="noStrike">
-              <a:solidFill>
-                <a:srgbClr val="000000"/>
-              </a:solidFill>
+            <a:pPr algn="ctr">
+              <a:buNone/>
+            </a:pPr>
+            <a:endParaRPr b="0" lang="pt-BR" sz="4400" spc="-1" strike="noStrike">
               <a:latin typeface="Arial"/>
             </a:endParaRPr>
           </a:p>
@@ -2958,19 +2775,7 @@
             <a:normAutofit/>
           </a:bodyPr>
           <a:p>
-            <a:pPr>
-              <a:lnSpc>
-                <a:spcPct val="90000"/>
-              </a:lnSpc>
-              <a:spcBef>
-                <a:spcPts val="1417"/>
-              </a:spcBef>
-              <a:buNone/>
-            </a:pPr>
-            <a:endParaRPr b="0" lang="pt-BR" sz="2800" spc="-1" strike="noStrike">
-              <a:solidFill>
-                <a:srgbClr val="000000"/>
-              </a:solidFill>
+            <a:endParaRPr b="0" lang="pt-BR" sz="3200" spc="-1" strike="noStrike">
               <a:latin typeface="Arial"/>
             </a:endParaRPr>
           </a:p>
@@ -3004,19 +2809,7 @@
             <a:normAutofit/>
           </a:bodyPr>
           <a:p>
-            <a:pPr>
-              <a:lnSpc>
-                <a:spcPct val="90000"/>
-              </a:lnSpc>
-              <a:spcBef>
-                <a:spcPts val="1417"/>
-              </a:spcBef>
-              <a:buNone/>
-            </a:pPr>
-            <a:endParaRPr b="0" lang="pt-BR" sz="2800" spc="-1" strike="noStrike">
-              <a:solidFill>
-                <a:srgbClr val="000000"/>
-              </a:solidFill>
+            <a:endParaRPr b="0" lang="pt-BR" sz="3200" spc="-1" strike="noStrike">
               <a:latin typeface="Arial"/>
             </a:endParaRPr>
           </a:p>
@@ -3050,19 +2843,7 @@
             <a:normAutofit/>
           </a:bodyPr>
           <a:p>
-            <a:pPr>
-              <a:lnSpc>
-                <a:spcPct val="90000"/>
-              </a:lnSpc>
-              <a:spcBef>
-                <a:spcPts val="1417"/>
-              </a:spcBef>
-              <a:buNone/>
-            </a:pPr>
-            <a:endParaRPr b="0" lang="pt-BR" sz="2800" spc="-1" strike="noStrike">
-              <a:solidFill>
-                <a:srgbClr val="000000"/>
-              </a:solidFill>
+            <a:endParaRPr b="0" lang="pt-BR" sz="3200" spc="-1" strike="noStrike">
               <a:latin typeface="Arial"/>
             </a:endParaRPr>
           </a:p>
@@ -3118,10 +2899,10 @@
             <a:noAutofit/>
           </a:bodyPr>
           <a:p>
-            <a:endParaRPr b="0" lang="pt-BR" sz="1800" spc="-1" strike="noStrike">
-              <a:solidFill>
-                <a:srgbClr val="000000"/>
-              </a:solidFill>
+            <a:pPr algn="ctr">
+              <a:buNone/>
+            </a:pPr>
+            <a:endParaRPr b="0" lang="pt-BR" sz="4400" spc="-1" strike="noStrike">
               <a:latin typeface="Arial"/>
             </a:endParaRPr>
           </a:p>
@@ -3214,10 +2995,10 @@
             <a:noAutofit/>
           </a:bodyPr>
           <a:p>
-            <a:endParaRPr b="0" lang="pt-BR" sz="1800" spc="-1" strike="noStrike">
-              <a:solidFill>
-                <a:srgbClr val="000000"/>
-              </a:solidFill>
+            <a:pPr algn="ctr">
+              <a:buNone/>
+            </a:pPr>
+            <a:endParaRPr b="0" lang="pt-BR" sz="4400" spc="-1" strike="noStrike">
               <a:latin typeface="Arial"/>
             </a:endParaRPr>
           </a:p>
@@ -3251,19 +3032,7 @@
             <a:normAutofit/>
           </a:bodyPr>
           <a:p>
-            <a:pPr>
-              <a:lnSpc>
-                <a:spcPct val="90000"/>
-              </a:lnSpc>
-              <a:spcBef>
-                <a:spcPts val="1417"/>
-              </a:spcBef>
-              <a:buNone/>
-            </a:pPr>
-            <a:endParaRPr b="0" lang="pt-BR" sz="2800" spc="-1" strike="noStrike">
-              <a:solidFill>
-                <a:srgbClr val="000000"/>
-              </a:solidFill>
+            <a:endParaRPr b="0" lang="pt-BR" sz="3200" spc="-1" strike="noStrike">
               <a:latin typeface="Arial"/>
             </a:endParaRPr>
           </a:p>
@@ -3297,19 +3066,7 @@
             <a:normAutofit/>
           </a:bodyPr>
           <a:p>
-            <a:pPr>
-              <a:lnSpc>
-                <a:spcPct val="90000"/>
-              </a:lnSpc>
-              <a:spcBef>
-                <a:spcPts val="1417"/>
-              </a:spcBef>
-              <a:buNone/>
-            </a:pPr>
-            <a:endParaRPr b="0" lang="pt-BR" sz="2800" spc="-1" strike="noStrike">
-              <a:solidFill>
-                <a:srgbClr val="000000"/>
-              </a:solidFill>
+            <a:endParaRPr b="0" lang="pt-BR" sz="3200" spc="-1" strike="noStrike">
               <a:latin typeface="Arial"/>
             </a:endParaRPr>
           </a:p>
@@ -3343,19 +3100,7 @@
             <a:normAutofit/>
           </a:bodyPr>
           <a:p>
-            <a:pPr>
-              <a:lnSpc>
-                <a:spcPct val="90000"/>
-              </a:lnSpc>
-              <a:spcBef>
-                <a:spcPts val="1417"/>
-              </a:spcBef>
-              <a:buNone/>
-            </a:pPr>
-            <a:endParaRPr b="0" lang="pt-BR" sz="2800" spc="-1" strike="noStrike">
-              <a:solidFill>
-                <a:srgbClr val="000000"/>
-              </a:solidFill>
+            <a:endParaRPr b="0" lang="pt-BR" sz="3200" spc="-1" strike="noStrike">
               <a:latin typeface="Arial"/>
             </a:endParaRPr>
           </a:p>
@@ -3411,10 +3156,10 @@
             <a:noAutofit/>
           </a:bodyPr>
           <a:p>
-            <a:endParaRPr b="0" lang="pt-BR" sz="1800" spc="-1" strike="noStrike">
-              <a:solidFill>
-                <a:srgbClr val="000000"/>
-              </a:solidFill>
+            <a:pPr algn="ctr">
+              <a:buNone/>
+            </a:pPr>
+            <a:endParaRPr b="0" lang="pt-BR" sz="4400" spc="-1" strike="noStrike">
               <a:latin typeface="Arial"/>
             </a:endParaRPr>
           </a:p>
@@ -3448,19 +3193,7 @@
             <a:normAutofit/>
           </a:bodyPr>
           <a:p>
-            <a:pPr>
-              <a:lnSpc>
-                <a:spcPct val="90000"/>
-              </a:lnSpc>
-              <a:spcBef>
-                <a:spcPts val="1417"/>
-              </a:spcBef>
-              <a:buNone/>
-            </a:pPr>
-            <a:endParaRPr b="0" lang="pt-BR" sz="2800" spc="-1" strike="noStrike">
-              <a:solidFill>
-                <a:srgbClr val="000000"/>
-              </a:solidFill>
+            <a:endParaRPr b="0" lang="pt-BR" sz="3200" spc="-1" strike="noStrike">
               <a:latin typeface="Arial"/>
             </a:endParaRPr>
           </a:p>
@@ -3494,19 +3227,7 @@
             <a:normAutofit/>
           </a:bodyPr>
           <a:p>
-            <a:pPr>
-              <a:lnSpc>
-                <a:spcPct val="90000"/>
-              </a:lnSpc>
-              <a:spcBef>
-                <a:spcPts val="1417"/>
-              </a:spcBef>
-              <a:buNone/>
-            </a:pPr>
-            <a:endParaRPr b="0" lang="pt-BR" sz="2800" spc="-1" strike="noStrike">
-              <a:solidFill>
-                <a:srgbClr val="000000"/>
-              </a:solidFill>
+            <a:endParaRPr b="0" lang="pt-BR" sz="3200" spc="-1" strike="noStrike">
               <a:latin typeface="Arial"/>
             </a:endParaRPr>
           </a:p>
@@ -3540,19 +3261,7 @@
             <a:normAutofit/>
           </a:bodyPr>
           <a:p>
-            <a:pPr>
-              <a:lnSpc>
-                <a:spcPct val="90000"/>
-              </a:lnSpc>
-              <a:spcBef>
-                <a:spcPts val="1417"/>
-              </a:spcBef>
-              <a:buNone/>
-            </a:pPr>
-            <a:endParaRPr b="0" lang="pt-BR" sz="2800" spc="-1" strike="noStrike">
-              <a:solidFill>
-                <a:srgbClr val="000000"/>
-              </a:solidFill>
+            <a:endParaRPr b="0" lang="pt-BR" sz="3200" spc="-1" strike="noStrike">
               <a:latin typeface="Arial"/>
             </a:endParaRPr>
           </a:p>
@@ -3608,10 +3317,10 @@
             <a:noAutofit/>
           </a:bodyPr>
           <a:p>
-            <a:endParaRPr b="0" lang="pt-BR" sz="1800" spc="-1" strike="noStrike">
-              <a:solidFill>
-                <a:srgbClr val="000000"/>
-              </a:solidFill>
+            <a:pPr algn="ctr">
+              <a:buNone/>
+            </a:pPr>
+            <a:endParaRPr b="0" lang="pt-BR" sz="4400" spc="-1" strike="noStrike">
               <a:latin typeface="Arial"/>
             </a:endParaRPr>
           </a:p>
@@ -3645,19 +3354,7 @@
             <a:normAutofit/>
           </a:bodyPr>
           <a:p>
-            <a:pPr>
-              <a:lnSpc>
-                <a:spcPct val="90000"/>
-              </a:lnSpc>
-              <a:spcBef>
-                <a:spcPts val="1417"/>
-              </a:spcBef>
-              <a:buNone/>
-            </a:pPr>
-            <a:endParaRPr b="0" lang="pt-BR" sz="2800" spc="-1" strike="noStrike">
-              <a:solidFill>
-                <a:srgbClr val="000000"/>
-              </a:solidFill>
+            <a:endParaRPr b="0" lang="pt-BR" sz="3200" spc="-1" strike="noStrike">
               <a:latin typeface="Arial"/>
             </a:endParaRPr>
           </a:p>
@@ -3691,19 +3388,7 @@
             <a:normAutofit/>
           </a:bodyPr>
           <a:p>
-            <a:pPr>
-              <a:lnSpc>
-                <a:spcPct val="90000"/>
-              </a:lnSpc>
-              <a:spcBef>
-                <a:spcPts val="1417"/>
-              </a:spcBef>
-              <a:buNone/>
-            </a:pPr>
-            <a:endParaRPr b="0" lang="pt-BR" sz="2800" spc="-1" strike="noStrike">
-              <a:solidFill>
-                <a:srgbClr val="000000"/>
-              </a:solidFill>
+            <a:endParaRPr b="0" lang="pt-BR" sz="3200" spc="-1" strike="noStrike">
               <a:latin typeface="Arial"/>
             </a:endParaRPr>
           </a:p>
@@ -3759,10 +3444,10 @@
             <a:noAutofit/>
           </a:bodyPr>
           <a:p>
-            <a:endParaRPr b="0" lang="pt-BR" sz="1800" spc="-1" strike="noStrike">
-              <a:solidFill>
-                <a:srgbClr val="000000"/>
-              </a:solidFill>
+            <a:pPr algn="ctr">
+              <a:buNone/>
+            </a:pPr>
+            <a:endParaRPr b="0" lang="pt-BR" sz="4400" spc="-1" strike="noStrike">
               <a:latin typeface="Arial"/>
             </a:endParaRPr>
           </a:p>
@@ -3796,19 +3481,7 @@
             <a:normAutofit/>
           </a:bodyPr>
           <a:p>
-            <a:pPr>
-              <a:lnSpc>
-                <a:spcPct val="90000"/>
-              </a:lnSpc>
-              <a:spcBef>
-                <a:spcPts val="1417"/>
-              </a:spcBef>
-              <a:buNone/>
-            </a:pPr>
-            <a:endParaRPr b="0" lang="pt-BR" sz="2800" spc="-1" strike="noStrike">
-              <a:solidFill>
-                <a:srgbClr val="000000"/>
-              </a:solidFill>
+            <a:endParaRPr b="0" lang="pt-BR" sz="3200" spc="-1" strike="noStrike">
               <a:latin typeface="Arial"/>
             </a:endParaRPr>
           </a:p>
@@ -3842,19 +3515,7 @@
             <a:normAutofit/>
           </a:bodyPr>
           <a:p>
-            <a:pPr>
-              <a:lnSpc>
-                <a:spcPct val="90000"/>
-              </a:lnSpc>
-              <a:spcBef>
-                <a:spcPts val="1417"/>
-              </a:spcBef>
-              <a:buNone/>
-            </a:pPr>
-            <a:endParaRPr b="0" lang="pt-BR" sz="2800" spc="-1" strike="noStrike">
-              <a:solidFill>
-                <a:srgbClr val="000000"/>
-              </a:solidFill>
+            <a:endParaRPr b="0" lang="pt-BR" sz="3200" spc="-1" strike="noStrike">
               <a:latin typeface="Arial"/>
             </a:endParaRPr>
           </a:p>
@@ -3888,19 +3549,7 @@
             <a:normAutofit/>
           </a:bodyPr>
           <a:p>
-            <a:pPr>
-              <a:lnSpc>
-                <a:spcPct val="90000"/>
-              </a:lnSpc>
-              <a:spcBef>
-                <a:spcPts val="1417"/>
-              </a:spcBef>
-              <a:buNone/>
-            </a:pPr>
-            <a:endParaRPr b="0" lang="pt-BR" sz="2800" spc="-1" strike="noStrike">
-              <a:solidFill>
-                <a:srgbClr val="000000"/>
-              </a:solidFill>
+            <a:endParaRPr b="0" lang="pt-BR" sz="3200" spc="-1" strike="noStrike">
               <a:latin typeface="Arial"/>
             </a:endParaRPr>
           </a:p>
@@ -3934,19 +3583,7 @@
             <a:normAutofit/>
           </a:bodyPr>
           <a:p>
-            <a:pPr>
-              <a:lnSpc>
-                <a:spcPct val="90000"/>
-              </a:lnSpc>
-              <a:spcBef>
-                <a:spcPts val="1417"/>
-              </a:spcBef>
-              <a:buNone/>
-            </a:pPr>
-            <a:endParaRPr b="0" lang="pt-BR" sz="2800" spc="-1" strike="noStrike">
-              <a:solidFill>
-                <a:srgbClr val="000000"/>
-              </a:solidFill>
+            <a:endParaRPr b="0" lang="pt-BR" sz="3200" spc="-1" strike="noStrike">
               <a:latin typeface="Arial"/>
             </a:endParaRPr>
           </a:p>
@@ -4002,10 +3639,10 @@
             <a:noAutofit/>
           </a:bodyPr>
           <a:p>
-            <a:endParaRPr b="0" lang="pt-BR" sz="1800" spc="-1" strike="noStrike">
-              <a:solidFill>
-                <a:srgbClr val="000000"/>
-              </a:solidFill>
+            <a:pPr algn="ctr">
+              <a:buNone/>
+            </a:pPr>
+            <a:endParaRPr b="0" lang="pt-BR" sz="4400" spc="-1" strike="noStrike">
               <a:latin typeface="Arial"/>
             </a:endParaRPr>
           </a:p>
@@ -4039,19 +3676,7 @@
             <a:normAutofit/>
           </a:bodyPr>
           <a:p>
-            <a:pPr>
-              <a:lnSpc>
-                <a:spcPct val="90000"/>
-              </a:lnSpc>
-              <a:spcBef>
-                <a:spcPts val="1417"/>
-              </a:spcBef>
-              <a:buNone/>
-            </a:pPr>
-            <a:endParaRPr b="0" lang="pt-BR" sz="2800" spc="-1" strike="noStrike">
-              <a:solidFill>
-                <a:srgbClr val="000000"/>
-              </a:solidFill>
+            <a:endParaRPr b="0" lang="pt-BR" sz="3200" spc="-1" strike="noStrike">
               <a:latin typeface="Arial"/>
             </a:endParaRPr>
           </a:p>
@@ -4085,19 +3710,7 @@
             <a:normAutofit/>
           </a:bodyPr>
           <a:p>
-            <a:pPr>
-              <a:lnSpc>
-                <a:spcPct val="90000"/>
-              </a:lnSpc>
-              <a:spcBef>
-                <a:spcPts val="1417"/>
-              </a:spcBef>
-              <a:buNone/>
-            </a:pPr>
-            <a:endParaRPr b="0" lang="pt-BR" sz="2800" spc="-1" strike="noStrike">
-              <a:solidFill>
-                <a:srgbClr val="000000"/>
-              </a:solidFill>
+            <a:endParaRPr b="0" lang="pt-BR" sz="3200" spc="-1" strike="noStrike">
               <a:latin typeface="Arial"/>
             </a:endParaRPr>
           </a:p>
@@ -4131,19 +3744,7 @@
             <a:normAutofit/>
           </a:bodyPr>
           <a:p>
-            <a:pPr>
-              <a:lnSpc>
-                <a:spcPct val="90000"/>
-              </a:lnSpc>
-              <a:spcBef>
-                <a:spcPts val="1417"/>
-              </a:spcBef>
-              <a:buNone/>
-            </a:pPr>
-            <a:endParaRPr b="0" lang="pt-BR" sz="2800" spc="-1" strike="noStrike">
-              <a:solidFill>
-                <a:srgbClr val="000000"/>
-              </a:solidFill>
+            <a:endParaRPr b="0" lang="pt-BR" sz="3200" spc="-1" strike="noStrike">
               <a:latin typeface="Arial"/>
             </a:endParaRPr>
           </a:p>
@@ -4177,19 +3778,7 @@
             <a:normAutofit/>
           </a:bodyPr>
           <a:p>
-            <a:pPr>
-              <a:lnSpc>
-                <a:spcPct val="90000"/>
-              </a:lnSpc>
-              <a:spcBef>
-                <a:spcPts val="1417"/>
-              </a:spcBef>
-              <a:buNone/>
-            </a:pPr>
-            <a:endParaRPr b="0" lang="pt-BR" sz="2800" spc="-1" strike="noStrike">
-              <a:solidFill>
-                <a:srgbClr val="000000"/>
-              </a:solidFill>
+            <a:endParaRPr b="0" lang="pt-BR" sz="3200" spc="-1" strike="noStrike">
               <a:latin typeface="Arial"/>
             </a:endParaRPr>
           </a:p>
@@ -4223,19 +3812,7 @@
             <a:normAutofit/>
           </a:bodyPr>
           <a:p>
-            <a:pPr>
-              <a:lnSpc>
-                <a:spcPct val="90000"/>
-              </a:lnSpc>
-              <a:spcBef>
-                <a:spcPts val="1417"/>
-              </a:spcBef>
-              <a:buNone/>
-            </a:pPr>
-            <a:endParaRPr b="0" lang="pt-BR" sz="2800" spc="-1" strike="noStrike">
-              <a:solidFill>
-                <a:srgbClr val="000000"/>
-              </a:solidFill>
+            <a:endParaRPr b="0" lang="pt-BR" sz="3200" spc="-1" strike="noStrike">
               <a:latin typeface="Arial"/>
             </a:endParaRPr>
           </a:p>
@@ -4269,19 +3846,7 @@
             <a:normAutofit/>
           </a:bodyPr>
           <a:p>
-            <a:pPr>
-              <a:lnSpc>
-                <a:spcPct val="90000"/>
-              </a:lnSpc>
-              <a:spcBef>
-                <a:spcPts val="1417"/>
-              </a:spcBef>
-              <a:buNone/>
-            </a:pPr>
-            <a:endParaRPr b="0" lang="pt-BR" sz="2800" spc="-1" strike="noStrike">
-              <a:solidFill>
-                <a:srgbClr val="000000"/>
-              </a:solidFill>
+            <a:endParaRPr b="0" lang="pt-BR" sz="3200" spc="-1" strike="noStrike">
               <a:latin typeface="Arial"/>
             </a:endParaRPr>
           </a:p>
@@ -4337,10 +3902,10 @@
             <a:noAutofit/>
           </a:bodyPr>
           <a:p>
-            <a:endParaRPr b="0" lang="pt-BR" sz="1800" spc="-1" strike="noStrike">
-              <a:solidFill>
-                <a:srgbClr val="000000"/>
-              </a:solidFill>
+            <a:pPr algn="ctr">
+              <a:buNone/>
+            </a:pPr>
+            <a:endParaRPr b="0" lang="pt-BR" sz="4400" spc="-1" strike="noStrike">
               <a:latin typeface="Arial"/>
             </a:endParaRPr>
           </a:p>
@@ -4374,19 +3939,7 @@
             <a:normAutofit/>
           </a:bodyPr>
           <a:p>
-            <a:pPr>
-              <a:lnSpc>
-                <a:spcPct val="90000"/>
-              </a:lnSpc>
-              <a:spcBef>
-                <a:spcPts val="1417"/>
-              </a:spcBef>
-              <a:buNone/>
-            </a:pPr>
-            <a:endParaRPr b="0" lang="pt-BR" sz="2800" spc="-1" strike="noStrike">
-              <a:solidFill>
-                <a:srgbClr val="000000"/>
-              </a:solidFill>
+            <a:endParaRPr b="0" lang="pt-BR" sz="3200" spc="-1" strike="noStrike">
               <a:latin typeface="Arial"/>
             </a:endParaRPr>
           </a:p>
@@ -4442,10 +3995,10 @@
             <a:noAutofit/>
           </a:bodyPr>
           <a:p>
-            <a:endParaRPr b="0" lang="pt-BR" sz="1800" spc="-1" strike="noStrike">
-              <a:solidFill>
-                <a:srgbClr val="000000"/>
-              </a:solidFill>
+            <a:pPr algn="ctr">
+              <a:buNone/>
+            </a:pPr>
+            <a:endParaRPr b="0" lang="pt-BR" sz="4400" spc="-1" strike="noStrike">
               <a:latin typeface="Arial"/>
             </a:endParaRPr>
           </a:p>
@@ -4479,19 +4032,7 @@
             <a:normAutofit/>
           </a:bodyPr>
           <a:p>
-            <a:pPr>
-              <a:lnSpc>
-                <a:spcPct val="90000"/>
-              </a:lnSpc>
-              <a:spcBef>
-                <a:spcPts val="1417"/>
-              </a:spcBef>
-              <a:buNone/>
-            </a:pPr>
-            <a:endParaRPr b="0" lang="pt-BR" sz="2800" spc="-1" strike="noStrike">
-              <a:solidFill>
-                <a:srgbClr val="000000"/>
-              </a:solidFill>
+            <a:endParaRPr b="0" lang="pt-BR" sz="3200" spc="-1" strike="noStrike">
               <a:latin typeface="Arial"/>
             </a:endParaRPr>
           </a:p>
@@ -4525,19 +4066,7 @@
             <a:normAutofit/>
           </a:bodyPr>
           <a:p>
-            <a:pPr>
-              <a:lnSpc>
-                <a:spcPct val="90000"/>
-              </a:lnSpc>
-              <a:spcBef>
-                <a:spcPts val="1417"/>
-              </a:spcBef>
-              <a:buNone/>
-            </a:pPr>
-            <a:endParaRPr b="0" lang="pt-BR" sz="2800" spc="-1" strike="noStrike">
-              <a:solidFill>
-                <a:srgbClr val="000000"/>
-              </a:solidFill>
+            <a:endParaRPr b="0" lang="pt-BR" sz="3200" spc="-1" strike="noStrike">
               <a:latin typeface="Arial"/>
             </a:endParaRPr>
           </a:p>
@@ -4593,10 +4122,10 @@
             <a:noAutofit/>
           </a:bodyPr>
           <a:p>
-            <a:endParaRPr b="0" lang="pt-BR" sz="1800" spc="-1" strike="noStrike">
-              <a:solidFill>
-                <a:srgbClr val="000000"/>
-              </a:solidFill>
+            <a:pPr algn="ctr">
+              <a:buNone/>
+            </a:pPr>
+            <a:endParaRPr b="0" lang="pt-BR" sz="4400" spc="-1" strike="noStrike">
               <a:latin typeface="Arial"/>
             </a:endParaRPr>
           </a:p>
@@ -4711,10 +4240,10 @@
             <a:noAutofit/>
           </a:bodyPr>
           <a:p>
-            <a:endParaRPr b="0" lang="pt-BR" sz="1800" spc="-1" strike="noStrike">
-              <a:solidFill>
-                <a:srgbClr val="000000"/>
-              </a:solidFill>
+            <a:pPr algn="ctr">
+              <a:buNone/>
+            </a:pPr>
+            <a:endParaRPr b="0" lang="pt-BR" sz="4400" spc="-1" strike="noStrike">
               <a:latin typeface="Arial"/>
             </a:endParaRPr>
           </a:p>
@@ -4748,19 +4277,7 @@
             <a:normAutofit/>
           </a:bodyPr>
           <a:p>
-            <a:pPr>
-              <a:lnSpc>
-                <a:spcPct val="90000"/>
-              </a:lnSpc>
-              <a:spcBef>
-                <a:spcPts val="1417"/>
-              </a:spcBef>
-              <a:buNone/>
-            </a:pPr>
-            <a:endParaRPr b="0" lang="pt-BR" sz="2800" spc="-1" strike="noStrike">
-              <a:solidFill>
-                <a:srgbClr val="000000"/>
-              </a:solidFill>
+            <a:endParaRPr b="0" lang="pt-BR" sz="3200" spc="-1" strike="noStrike">
               <a:latin typeface="Arial"/>
             </a:endParaRPr>
           </a:p>
@@ -4794,19 +4311,7 @@
             <a:normAutofit/>
           </a:bodyPr>
           <a:p>
-            <a:pPr>
-              <a:lnSpc>
-                <a:spcPct val="90000"/>
-              </a:lnSpc>
-              <a:spcBef>
-                <a:spcPts val="1417"/>
-              </a:spcBef>
-              <a:buNone/>
-            </a:pPr>
-            <a:endParaRPr b="0" lang="pt-BR" sz="2800" spc="-1" strike="noStrike">
-              <a:solidFill>
-                <a:srgbClr val="000000"/>
-              </a:solidFill>
+            <a:endParaRPr b="0" lang="pt-BR" sz="3200" spc="-1" strike="noStrike">
               <a:latin typeface="Arial"/>
             </a:endParaRPr>
           </a:p>
@@ -4840,19 +4345,7 @@
             <a:normAutofit/>
           </a:bodyPr>
           <a:p>
-            <a:pPr>
-              <a:lnSpc>
-                <a:spcPct val="90000"/>
-              </a:lnSpc>
-              <a:spcBef>
-                <a:spcPts val="1417"/>
-              </a:spcBef>
-              <a:buNone/>
-            </a:pPr>
-            <a:endParaRPr b="0" lang="pt-BR" sz="2800" spc="-1" strike="noStrike">
-              <a:solidFill>
-                <a:srgbClr val="000000"/>
-              </a:solidFill>
+            <a:endParaRPr b="0" lang="pt-BR" sz="3200" spc="-1" strike="noStrike">
               <a:latin typeface="Arial"/>
             </a:endParaRPr>
           </a:p>
@@ -4908,10 +4401,10 @@
             <a:noAutofit/>
           </a:bodyPr>
           <a:p>
-            <a:endParaRPr b="0" lang="pt-BR" sz="1800" spc="-1" strike="noStrike">
-              <a:solidFill>
-                <a:srgbClr val="000000"/>
-              </a:solidFill>
+            <a:pPr algn="ctr">
+              <a:buNone/>
+            </a:pPr>
+            <a:endParaRPr b="0" lang="pt-BR" sz="4400" spc="-1" strike="noStrike">
               <a:latin typeface="Arial"/>
             </a:endParaRPr>
           </a:p>
@@ -4945,19 +4438,7 @@
             <a:normAutofit/>
           </a:bodyPr>
           <a:p>
-            <a:pPr>
-              <a:lnSpc>
-                <a:spcPct val="90000"/>
-              </a:lnSpc>
-              <a:spcBef>
-                <a:spcPts val="1417"/>
-              </a:spcBef>
-              <a:buNone/>
-            </a:pPr>
-            <a:endParaRPr b="0" lang="pt-BR" sz="2800" spc="-1" strike="noStrike">
-              <a:solidFill>
-                <a:srgbClr val="000000"/>
-              </a:solidFill>
+            <a:endParaRPr b="0" lang="pt-BR" sz="3200" spc="-1" strike="noStrike">
               <a:latin typeface="Arial"/>
             </a:endParaRPr>
           </a:p>
@@ -4991,19 +4472,7 @@
             <a:normAutofit/>
           </a:bodyPr>
           <a:p>
-            <a:pPr>
-              <a:lnSpc>
-                <a:spcPct val="90000"/>
-              </a:lnSpc>
-              <a:spcBef>
-                <a:spcPts val="1417"/>
-              </a:spcBef>
-              <a:buNone/>
-            </a:pPr>
-            <a:endParaRPr b="0" lang="pt-BR" sz="2800" spc="-1" strike="noStrike">
-              <a:solidFill>
-                <a:srgbClr val="000000"/>
-              </a:solidFill>
+            <a:endParaRPr b="0" lang="pt-BR" sz="3200" spc="-1" strike="noStrike">
               <a:latin typeface="Arial"/>
             </a:endParaRPr>
           </a:p>
@@ -5037,19 +4506,7 @@
             <a:normAutofit/>
           </a:bodyPr>
           <a:p>
-            <a:pPr>
-              <a:lnSpc>
-                <a:spcPct val="90000"/>
-              </a:lnSpc>
-              <a:spcBef>
-                <a:spcPts val="1417"/>
-              </a:spcBef>
-              <a:buNone/>
-            </a:pPr>
-            <a:endParaRPr b="0" lang="pt-BR" sz="2800" spc="-1" strike="noStrike">
-              <a:solidFill>
-                <a:srgbClr val="000000"/>
-              </a:solidFill>
+            <a:endParaRPr b="0" lang="pt-BR" sz="3200" spc="-1" strike="noStrike">
               <a:latin typeface="Arial"/>
             </a:endParaRPr>
           </a:p>
@@ -5105,10 +4562,10 @@
             <a:noAutofit/>
           </a:bodyPr>
           <a:p>
-            <a:endParaRPr b="0" lang="pt-BR" sz="1800" spc="-1" strike="noStrike">
-              <a:solidFill>
-                <a:srgbClr val="000000"/>
-              </a:solidFill>
+            <a:pPr algn="ctr">
+              <a:buNone/>
+            </a:pPr>
+            <a:endParaRPr b="0" lang="pt-BR" sz="4400" spc="-1" strike="noStrike">
               <a:latin typeface="Arial"/>
             </a:endParaRPr>
           </a:p>
@@ -5142,19 +4599,7 @@
             <a:normAutofit/>
           </a:bodyPr>
           <a:p>
-            <a:pPr>
-              <a:lnSpc>
-                <a:spcPct val="90000"/>
-              </a:lnSpc>
-              <a:spcBef>
-                <a:spcPts val="1417"/>
-              </a:spcBef>
-              <a:buNone/>
-            </a:pPr>
-            <a:endParaRPr b="0" lang="pt-BR" sz="2800" spc="-1" strike="noStrike">
-              <a:solidFill>
-                <a:srgbClr val="000000"/>
-              </a:solidFill>
+            <a:endParaRPr b="0" lang="pt-BR" sz="3200" spc="-1" strike="noStrike">
               <a:latin typeface="Arial"/>
             </a:endParaRPr>
           </a:p>
@@ -5188,19 +4633,7 @@
             <a:normAutofit/>
           </a:bodyPr>
           <a:p>
-            <a:pPr>
-              <a:lnSpc>
-                <a:spcPct val="90000"/>
-              </a:lnSpc>
-              <a:spcBef>
-                <a:spcPts val="1417"/>
-              </a:spcBef>
-              <a:buNone/>
-            </a:pPr>
-            <a:endParaRPr b="0" lang="pt-BR" sz="2800" spc="-1" strike="noStrike">
-              <a:solidFill>
-                <a:srgbClr val="000000"/>
-              </a:solidFill>
+            <a:endParaRPr b="0" lang="pt-BR" sz="3200" spc="-1" strike="noStrike">
               <a:latin typeface="Arial"/>
             </a:endParaRPr>
           </a:p>
@@ -5234,19 +4667,7 @@
             <a:normAutofit/>
           </a:bodyPr>
           <a:p>
-            <a:pPr>
-              <a:lnSpc>
-                <a:spcPct val="90000"/>
-              </a:lnSpc>
-              <a:spcBef>
-                <a:spcPts val="1417"/>
-              </a:spcBef>
-              <a:buNone/>
-            </a:pPr>
-            <a:endParaRPr b="0" lang="pt-BR" sz="2800" spc="-1" strike="noStrike">
-              <a:solidFill>
-                <a:srgbClr val="000000"/>
-              </a:solidFill>
+            <a:endParaRPr b="0" lang="pt-BR" sz="3200" spc="-1" strike="noStrike">
               <a:latin typeface="Arial"/>
             </a:endParaRPr>
           </a:p>
@@ -5290,7 +4711,7 @@
         <p:spPr>
           <a:xfrm>
             <a:off x="0" y="3150000"/>
-            <a:ext cx="9716040" cy="1256040"/>
+            <a:ext cx="9715680" cy="1255680"/>
           </a:xfrm>
           <a:prstGeom prst="rect">
             <a:avLst/>
@@ -5337,19 +4758,16 @@
             <a:noAutofit/>
           </a:bodyPr>
           <a:p>
+            <a:pPr algn="ctr">
+              <a:buNone/>
+            </a:pPr>
             <a:r>
-              <a:rPr b="0" lang="pt-BR" sz="1800" spc="-1" strike="noStrike">
-                <a:solidFill>
-                  <a:srgbClr val="000000"/>
-                </a:solidFill>
+              <a:rPr b="0" lang="pt-BR" sz="4400" spc="-1" strike="noStrike">
                 <a:latin typeface="Arial"/>
               </a:rPr>
-              <a:t>Click to edit the title text format</a:t>
+              <a:t>Clique para editar o formato do texto do título</a:t>
             </a:r>
-            <a:endParaRPr b="0" lang="pt-BR" sz="1800" spc="-1" strike="noStrike">
-              <a:solidFill>
-                <a:srgbClr val="000000"/>
-              </a:solidFill>
+            <a:endParaRPr b="0" lang="pt-BR" sz="4400" spc="-1" strike="noStrike">
               <a:latin typeface="Arial"/>
             </a:endParaRPr>
           </a:p>
@@ -5384,9 +4802,6 @@
           </a:bodyPr>
           <a:p>
             <a:pPr marL="432000" indent="-324000">
-              <a:lnSpc>
-                <a:spcPct val="90000"/>
-              </a:lnSpc>
               <a:spcBef>
                 <a:spcPts val="1417"/>
               </a:spcBef>
@@ -5398,26 +4813,17 @@
               <a:buChar char=""/>
             </a:pPr>
             <a:r>
-              <a:rPr b="0" lang="pt-BR" sz="2800" spc="-1" strike="noStrike">
-                <a:solidFill>
-                  <a:srgbClr val="000000"/>
-                </a:solidFill>
+              <a:rPr b="0" lang="pt-BR" sz="3200" spc="-1" strike="noStrike">
                 <a:latin typeface="Arial"/>
               </a:rPr>
-              <a:t>Click to edit the outline text format</a:t>
+              <a:t>Clique para editar o formato do texto da estrutura de tópicos</a:t>
             </a:r>
-            <a:endParaRPr b="0" lang="pt-BR" sz="2800" spc="-1" strike="noStrike">
-              <a:solidFill>
-                <a:srgbClr val="000000"/>
-              </a:solidFill>
+            <a:endParaRPr b="0" lang="pt-BR" sz="3200" spc="-1" strike="noStrike">
               <a:latin typeface="Arial"/>
             </a:endParaRPr>
           </a:p>
           <a:p>
             <a:pPr lvl="1" marL="864000" indent="-324000">
-              <a:lnSpc>
-                <a:spcPct val="90000"/>
-              </a:lnSpc>
               <a:spcBef>
                 <a:spcPts val="1134"/>
               </a:spcBef>
@@ -5429,26 +4835,17 @@
               <a:buChar char=""/>
             </a:pPr>
             <a:r>
-              <a:rPr b="0" lang="pt-BR" sz="2000" spc="-1" strike="noStrike">
-                <a:solidFill>
-                  <a:srgbClr val="000000"/>
-                </a:solidFill>
+              <a:rPr b="0" lang="pt-BR" sz="2800" spc="-1" strike="noStrike">
                 <a:latin typeface="Arial"/>
               </a:rPr>
-              <a:t>Second Outline Level</a:t>
+              <a:t>2.º nível da estrutura de tópicos</a:t>
             </a:r>
-            <a:endParaRPr b="0" lang="pt-BR" sz="2000" spc="-1" strike="noStrike">
-              <a:solidFill>
-                <a:srgbClr val="000000"/>
-              </a:solidFill>
+            <a:endParaRPr b="0" lang="pt-BR" sz="2800" spc="-1" strike="noStrike">
               <a:latin typeface="Arial"/>
             </a:endParaRPr>
           </a:p>
           <a:p>
             <a:pPr lvl="2" marL="1296000" indent="-288000">
-              <a:lnSpc>
-                <a:spcPct val="90000"/>
-              </a:lnSpc>
               <a:spcBef>
                 <a:spcPts val="850"/>
               </a:spcBef>
@@ -5460,26 +4857,17 @@
               <a:buChar char=""/>
             </a:pPr>
             <a:r>
-              <a:rPr b="0" lang="pt-BR" sz="1800" spc="-1" strike="noStrike">
-                <a:solidFill>
-                  <a:srgbClr val="000000"/>
-                </a:solidFill>
+              <a:rPr b="0" lang="pt-BR" sz="2400" spc="-1" strike="noStrike">
                 <a:latin typeface="Arial"/>
               </a:rPr>
-              <a:t>Third Outline Level</a:t>
+              <a:t>3.º nível da estrutura de tópicos</a:t>
             </a:r>
-            <a:endParaRPr b="0" lang="pt-BR" sz="1800" spc="-1" strike="noStrike">
-              <a:solidFill>
-                <a:srgbClr val="000000"/>
-              </a:solidFill>
+            <a:endParaRPr b="0" lang="pt-BR" sz="2400" spc="-1" strike="noStrike">
               <a:latin typeface="Arial"/>
             </a:endParaRPr>
           </a:p>
           <a:p>
             <a:pPr lvl="3" marL="1728000" indent="-216000">
-              <a:lnSpc>
-                <a:spcPct val="90000"/>
-              </a:lnSpc>
               <a:spcBef>
                 <a:spcPts val="567"/>
               </a:spcBef>
@@ -5491,26 +4879,17 @@
               <a:buChar char=""/>
             </a:pPr>
             <a:r>
-              <a:rPr b="0" lang="pt-BR" sz="1800" spc="-1" strike="noStrike">
-                <a:solidFill>
-                  <a:srgbClr val="000000"/>
-                </a:solidFill>
+              <a:rPr b="0" lang="pt-BR" sz="2000" spc="-1" strike="noStrike">
                 <a:latin typeface="Arial"/>
               </a:rPr>
-              <a:t>Fourth Outline Level</a:t>
+              <a:t>4.º nível da estrutura de tópicos</a:t>
             </a:r>
-            <a:endParaRPr b="0" lang="pt-BR" sz="1800" spc="-1" strike="noStrike">
-              <a:solidFill>
-                <a:srgbClr val="000000"/>
-              </a:solidFill>
+            <a:endParaRPr b="0" lang="pt-BR" sz="2000" spc="-1" strike="noStrike">
               <a:latin typeface="Arial"/>
             </a:endParaRPr>
           </a:p>
           <a:p>
             <a:pPr lvl="4" marL="2160000" indent="-216000">
-              <a:lnSpc>
-                <a:spcPct val="90000"/>
-              </a:lnSpc>
               <a:spcBef>
                 <a:spcPts val="283"/>
               </a:spcBef>
@@ -5523,25 +4902,16 @@
             </a:pPr>
             <a:r>
               <a:rPr b="0" lang="pt-BR" sz="2000" spc="-1" strike="noStrike">
-                <a:solidFill>
-                  <a:srgbClr val="000000"/>
-                </a:solidFill>
                 <a:latin typeface="Arial"/>
               </a:rPr>
-              <a:t>Fifth Outline Level</a:t>
+              <a:t>5.º nível da estrutura de tópicos</a:t>
             </a:r>
             <a:endParaRPr b="0" lang="pt-BR" sz="2000" spc="-1" strike="noStrike">
-              <a:solidFill>
-                <a:srgbClr val="000000"/>
-              </a:solidFill>
               <a:latin typeface="Arial"/>
             </a:endParaRPr>
           </a:p>
           <a:p>
             <a:pPr lvl="5" marL="2592000" indent="-216000">
-              <a:lnSpc>
-                <a:spcPct val="90000"/>
-              </a:lnSpc>
               <a:spcBef>
                 <a:spcPts val="283"/>
               </a:spcBef>
@@ -5554,25 +4924,16 @@
             </a:pPr>
             <a:r>
               <a:rPr b="0" lang="pt-BR" sz="2000" spc="-1" strike="noStrike">
-                <a:solidFill>
-                  <a:srgbClr val="000000"/>
-                </a:solidFill>
                 <a:latin typeface="Arial"/>
               </a:rPr>
-              <a:t>Sixth Outline Level</a:t>
+              <a:t>6.º nível da estrutura de tópicos</a:t>
             </a:r>
             <a:endParaRPr b="0" lang="pt-BR" sz="2000" spc="-1" strike="noStrike">
-              <a:solidFill>
-                <a:srgbClr val="000000"/>
-              </a:solidFill>
               <a:latin typeface="Arial"/>
             </a:endParaRPr>
           </a:p>
           <a:p>
             <a:pPr lvl="6" marL="3024000" indent="-216000">
-              <a:lnSpc>
-                <a:spcPct val="90000"/>
-              </a:lnSpc>
               <a:spcBef>
                 <a:spcPts val="283"/>
               </a:spcBef>
@@ -5585,17 +4946,11 @@
             </a:pPr>
             <a:r>
               <a:rPr b="0" lang="pt-BR" sz="2000" spc="-1" strike="noStrike">
-                <a:solidFill>
-                  <a:srgbClr val="000000"/>
-                </a:solidFill>
                 <a:latin typeface="Arial"/>
               </a:rPr>
-              <a:t>Seventh Outline Level</a:t>
+              <a:t>7.º nível da estrutura de tópicos</a:t>
             </a:r>
             <a:endParaRPr b="0" lang="pt-BR" sz="2000" spc="-1" strike="noStrike">
-              <a:solidFill>
-                <a:srgbClr val="000000"/>
-              </a:solidFill>
               <a:latin typeface="Arial"/>
             </a:endParaRPr>
           </a:p>
@@ -5654,7 +5009,7 @@
         <p:spPr>
           <a:xfrm>
             <a:off x="0" y="180000"/>
-            <a:ext cx="9716040" cy="1256040"/>
+            <a:ext cx="9715680" cy="1255680"/>
           </a:xfrm>
           <a:prstGeom prst="rect">
             <a:avLst/>
@@ -5682,7 +5037,7 @@
         <p:spPr>
           <a:xfrm>
             <a:off x="7560000" y="6840000"/>
-            <a:ext cx="2516040" cy="536040"/>
+            <a:ext cx="2515680" cy="535680"/>
           </a:xfrm>
           <a:prstGeom prst="rect">
             <a:avLst/>
@@ -5710,7 +5065,7 @@
         <p:spPr>
           <a:xfrm>
             <a:off x="900000" y="6840000"/>
-            <a:ext cx="6476040" cy="536040"/>
+            <a:ext cx="6475680" cy="535680"/>
           </a:xfrm>
           <a:prstGeom prst="rect">
             <a:avLst/>
@@ -5738,7 +5093,7 @@
         <p:spPr>
           <a:xfrm>
             <a:off x="180000" y="6840000"/>
-            <a:ext cx="536040" cy="536040"/>
+            <a:ext cx="535680" cy="535680"/>
           </a:xfrm>
           <a:prstGeom prst="rect">
             <a:avLst/>
@@ -5783,19 +5138,16 @@
             <a:noAutofit/>
           </a:bodyPr>
           <a:p>
+            <a:pPr algn="ctr">
+              <a:buNone/>
+            </a:pPr>
             <a:r>
-              <a:rPr b="0" lang="pt-BR" sz="1800" spc="-1" strike="noStrike">
-                <a:solidFill>
-                  <a:srgbClr val="000000"/>
-                </a:solidFill>
+              <a:rPr b="0" lang="pt-BR" sz="4400" spc="-1" strike="noStrike">
                 <a:latin typeface="Arial"/>
               </a:rPr>
-              <a:t>Click to edit the title text format</a:t>
+              <a:t>Clique para editar o formato do texto do título</a:t>
             </a:r>
-            <a:endParaRPr b="0" lang="pt-BR" sz="1800" spc="-1" strike="noStrike">
-              <a:solidFill>
-                <a:srgbClr val="000000"/>
-              </a:solidFill>
+            <a:endParaRPr b="0" lang="pt-BR" sz="4400" spc="-1" strike="noStrike">
               <a:latin typeface="Arial"/>
             </a:endParaRPr>
           </a:p>
@@ -5830,9 +5182,6 @@
           </a:bodyPr>
           <a:p>
             <a:pPr marL="432000" indent="-324000">
-              <a:lnSpc>
-                <a:spcPct val="90000"/>
-              </a:lnSpc>
               <a:spcBef>
                 <a:spcPts val="1417"/>
               </a:spcBef>
@@ -5844,26 +5193,17 @@
               <a:buChar char=""/>
             </a:pPr>
             <a:r>
-              <a:rPr b="0" lang="pt-BR" sz="2800" spc="-1" strike="noStrike">
-                <a:solidFill>
-                  <a:srgbClr val="000000"/>
-                </a:solidFill>
+              <a:rPr b="0" lang="pt-BR" sz="3200" spc="-1" strike="noStrike">
                 <a:latin typeface="Arial"/>
               </a:rPr>
-              <a:t>Click to edit the outline text format</a:t>
+              <a:t>Clique para editar o formato do texto da estrutura de tópicos</a:t>
             </a:r>
-            <a:endParaRPr b="0" lang="pt-BR" sz="2800" spc="-1" strike="noStrike">
-              <a:solidFill>
-                <a:srgbClr val="000000"/>
-              </a:solidFill>
+            <a:endParaRPr b="0" lang="pt-BR" sz="3200" spc="-1" strike="noStrike">
               <a:latin typeface="Arial"/>
             </a:endParaRPr>
           </a:p>
           <a:p>
             <a:pPr lvl="1" marL="864000" indent="-324000">
-              <a:lnSpc>
-                <a:spcPct val="90000"/>
-              </a:lnSpc>
               <a:spcBef>
                 <a:spcPts val="1134"/>
               </a:spcBef>
@@ -5875,26 +5215,17 @@
               <a:buChar char=""/>
             </a:pPr>
             <a:r>
-              <a:rPr b="0" lang="pt-BR" sz="2000" spc="-1" strike="noStrike">
-                <a:solidFill>
-                  <a:srgbClr val="000000"/>
-                </a:solidFill>
+              <a:rPr b="0" lang="pt-BR" sz="2800" spc="-1" strike="noStrike">
                 <a:latin typeface="Arial"/>
               </a:rPr>
-              <a:t>Second Outline Level</a:t>
+              <a:t>2.º nível da estrutura de tópicos</a:t>
             </a:r>
-            <a:endParaRPr b="0" lang="pt-BR" sz="2000" spc="-1" strike="noStrike">
-              <a:solidFill>
-                <a:srgbClr val="000000"/>
-              </a:solidFill>
+            <a:endParaRPr b="0" lang="pt-BR" sz="2800" spc="-1" strike="noStrike">
               <a:latin typeface="Arial"/>
             </a:endParaRPr>
           </a:p>
           <a:p>
             <a:pPr lvl="2" marL="1296000" indent="-288000">
-              <a:lnSpc>
-                <a:spcPct val="90000"/>
-              </a:lnSpc>
               <a:spcBef>
                 <a:spcPts val="850"/>
               </a:spcBef>
@@ -5906,26 +5237,17 @@
               <a:buChar char=""/>
             </a:pPr>
             <a:r>
-              <a:rPr b="0" lang="pt-BR" sz="1800" spc="-1" strike="noStrike">
-                <a:solidFill>
-                  <a:srgbClr val="000000"/>
-                </a:solidFill>
+              <a:rPr b="0" lang="pt-BR" sz="2400" spc="-1" strike="noStrike">
                 <a:latin typeface="Arial"/>
               </a:rPr>
-              <a:t>Third Outline Level</a:t>
+              <a:t>3.º nível da estrutura de tópicos</a:t>
             </a:r>
-            <a:endParaRPr b="0" lang="pt-BR" sz="1800" spc="-1" strike="noStrike">
-              <a:solidFill>
-                <a:srgbClr val="000000"/>
-              </a:solidFill>
+            <a:endParaRPr b="0" lang="pt-BR" sz="2400" spc="-1" strike="noStrike">
               <a:latin typeface="Arial"/>
             </a:endParaRPr>
           </a:p>
           <a:p>
             <a:pPr lvl="3" marL="1728000" indent="-216000">
-              <a:lnSpc>
-                <a:spcPct val="90000"/>
-              </a:lnSpc>
               <a:spcBef>
                 <a:spcPts val="567"/>
               </a:spcBef>
@@ -5937,26 +5259,17 @@
               <a:buChar char=""/>
             </a:pPr>
             <a:r>
-              <a:rPr b="0" lang="pt-BR" sz="1800" spc="-1" strike="noStrike">
-                <a:solidFill>
-                  <a:srgbClr val="000000"/>
-                </a:solidFill>
+              <a:rPr b="0" lang="pt-BR" sz="2000" spc="-1" strike="noStrike">
                 <a:latin typeface="Arial"/>
               </a:rPr>
-              <a:t>Fourth Outline Level</a:t>
+              <a:t>4.º nível da estrutura de tópicos</a:t>
             </a:r>
-            <a:endParaRPr b="0" lang="pt-BR" sz="1800" spc="-1" strike="noStrike">
-              <a:solidFill>
-                <a:srgbClr val="000000"/>
-              </a:solidFill>
+            <a:endParaRPr b="0" lang="pt-BR" sz="2000" spc="-1" strike="noStrike">
               <a:latin typeface="Arial"/>
             </a:endParaRPr>
           </a:p>
           <a:p>
             <a:pPr lvl="4" marL="2160000" indent="-216000">
-              <a:lnSpc>
-                <a:spcPct val="90000"/>
-              </a:lnSpc>
               <a:spcBef>
                 <a:spcPts val="283"/>
               </a:spcBef>
@@ -5969,25 +5282,16 @@
             </a:pPr>
             <a:r>
               <a:rPr b="0" lang="pt-BR" sz="2000" spc="-1" strike="noStrike">
-                <a:solidFill>
-                  <a:srgbClr val="000000"/>
-                </a:solidFill>
                 <a:latin typeface="Arial"/>
               </a:rPr>
-              <a:t>Fifth Outline Level</a:t>
+              <a:t>5.º nível da estrutura de tópicos</a:t>
             </a:r>
             <a:endParaRPr b="0" lang="pt-BR" sz="2000" spc="-1" strike="noStrike">
-              <a:solidFill>
-                <a:srgbClr val="000000"/>
-              </a:solidFill>
               <a:latin typeface="Arial"/>
             </a:endParaRPr>
           </a:p>
           <a:p>
             <a:pPr lvl="5" marL="2592000" indent="-216000">
-              <a:lnSpc>
-                <a:spcPct val="90000"/>
-              </a:lnSpc>
               <a:spcBef>
                 <a:spcPts val="283"/>
               </a:spcBef>
@@ -6000,25 +5304,16 @@
             </a:pPr>
             <a:r>
               <a:rPr b="0" lang="pt-BR" sz="2000" spc="-1" strike="noStrike">
-                <a:solidFill>
-                  <a:srgbClr val="000000"/>
-                </a:solidFill>
                 <a:latin typeface="Arial"/>
               </a:rPr>
-              <a:t>Sixth Outline Level</a:t>
+              <a:t>6.º nível da estrutura de tópicos</a:t>
             </a:r>
             <a:endParaRPr b="0" lang="pt-BR" sz="2000" spc="-1" strike="noStrike">
-              <a:solidFill>
-                <a:srgbClr val="000000"/>
-              </a:solidFill>
               <a:latin typeface="Arial"/>
             </a:endParaRPr>
           </a:p>
           <a:p>
             <a:pPr lvl="6" marL="3024000" indent="-216000">
-              <a:lnSpc>
-                <a:spcPct val="90000"/>
-              </a:lnSpc>
               <a:spcBef>
                 <a:spcPts val="283"/>
               </a:spcBef>
@@ -6031,17 +5326,11 @@
             </a:pPr>
             <a:r>
               <a:rPr b="0" lang="pt-BR" sz="2000" spc="-1" strike="noStrike">
-                <a:solidFill>
-                  <a:srgbClr val="000000"/>
-                </a:solidFill>
                 <a:latin typeface="Arial"/>
               </a:rPr>
-              <a:t>Seventh Outline Level</a:t>
+              <a:t>7.º nível da estrutura de tópicos</a:t>
             </a:r>
             <a:endParaRPr b="0" lang="pt-BR" sz="2000" spc="-1" strike="noStrike">
-              <a:solidFill>
-                <a:srgbClr val="000000"/>
-              </a:solidFill>
               <a:latin typeface="Arial"/>
             </a:endParaRPr>
           </a:p>
@@ -6093,7 +5382,7 @@
         <p:spPr>
           <a:xfrm>
             <a:off x="360000" y="3330000"/>
-            <a:ext cx="9356040" cy="896040"/>
+            <a:ext cx="9355680" cy="895680"/>
           </a:xfrm>
           <a:prstGeom prst="rect">
             <a:avLst/>
@@ -6145,7 +5434,7 @@
         <p:spPr>
           <a:xfrm>
             <a:off x="540000" y="4680000"/>
-            <a:ext cx="9176040" cy="2516040"/>
+            <a:ext cx="9175680" cy="2515680"/>
           </a:xfrm>
           <a:prstGeom prst="rect">
             <a:avLst/>
@@ -6350,7 +5639,7 @@
         <p:spPr>
           <a:xfrm>
             <a:off x="360000" y="360000"/>
-            <a:ext cx="9356040" cy="896040"/>
+            <a:ext cx="9355680" cy="895680"/>
           </a:xfrm>
           <a:prstGeom prst="rect">
             <a:avLst/>
@@ -6402,7 +5691,7 @@
         <p:spPr>
           <a:xfrm>
             <a:off x="540000" y="1980000"/>
-            <a:ext cx="9176040" cy="4676040"/>
+            <a:ext cx="9175680" cy="4675680"/>
           </a:xfrm>
           <a:prstGeom prst="rect">
             <a:avLst/>
@@ -6478,7 +5767,7 @@
         <p:spPr>
           <a:xfrm>
             <a:off x="897120" y="6886080"/>
-            <a:ext cx="6443280" cy="361080"/>
+            <a:ext cx="6442920" cy="360720"/>
           </a:xfrm>
           <a:prstGeom prst="rect">
             <a:avLst/>
@@ -6530,7 +5819,7 @@
         <p:spPr>
           <a:xfrm>
             <a:off x="7608600" y="6886080"/>
-            <a:ext cx="2281320" cy="361080"/>
+            <a:ext cx="2280960" cy="360720"/>
           </a:xfrm>
           <a:prstGeom prst="rect">
             <a:avLst/>
@@ -6612,7 +5901,7 @@
         <p:spPr>
           <a:xfrm>
             <a:off x="360000" y="360000"/>
-            <a:ext cx="9356040" cy="896040"/>
+            <a:ext cx="9355680" cy="895680"/>
           </a:xfrm>
           <a:prstGeom prst="rect">
             <a:avLst/>
@@ -6664,7 +5953,7 @@
         <p:spPr>
           <a:xfrm>
             <a:off x="897120" y="6886080"/>
-            <a:ext cx="6443280" cy="361080"/>
+            <a:ext cx="6442920" cy="360720"/>
           </a:xfrm>
           <a:prstGeom prst="rect">
             <a:avLst/>
@@ -6716,7 +6005,7 @@
         <p:spPr>
           <a:xfrm>
             <a:off x="7608600" y="6886080"/>
-            <a:ext cx="2281320" cy="361080"/>
+            <a:ext cx="2280960" cy="360720"/>
           </a:xfrm>
           <a:prstGeom prst="rect">
             <a:avLst/>
@@ -6768,7 +6057,7 @@
         <p:spPr>
           <a:xfrm>
             <a:off x="360000" y="1980000"/>
-            <a:ext cx="9176040" cy="4676040"/>
+            <a:ext cx="9175680" cy="4675680"/>
           </a:xfrm>
           <a:prstGeom prst="rect">
             <a:avLst/>
@@ -6948,7 +6237,7 @@
         <p:spPr>
           <a:xfrm>
             <a:off x="2340000" y="4195080"/>
-            <a:ext cx="6220080" cy="2104920"/>
+            <a:ext cx="6219720" cy="2104560"/>
           </a:xfrm>
           <a:prstGeom prst="rect">
             <a:avLst/>
@@ -6997,7 +6286,7 @@
         <p:spPr>
           <a:xfrm>
             <a:off x="360000" y="360000"/>
-            <a:ext cx="9356040" cy="896040"/>
+            <a:ext cx="9355680" cy="895680"/>
           </a:xfrm>
           <a:prstGeom prst="rect">
             <a:avLst/>
@@ -7049,7 +6338,7 @@
         <p:spPr>
           <a:xfrm>
             <a:off x="540000" y="1980000"/>
-            <a:ext cx="9176040" cy="4676040"/>
+            <a:ext cx="9175680" cy="4675680"/>
           </a:xfrm>
           <a:prstGeom prst="rect">
             <a:avLst/>
@@ -7181,7 +6470,7 @@
         <p:spPr>
           <a:xfrm>
             <a:off x="897120" y="6886080"/>
-            <a:ext cx="6443280" cy="361080"/>
+            <a:ext cx="6442920" cy="360720"/>
           </a:xfrm>
           <a:prstGeom prst="rect">
             <a:avLst/>
@@ -7233,7 +6522,7 @@
         <p:spPr>
           <a:xfrm>
             <a:off x="7608600" y="6886080"/>
-            <a:ext cx="2281320" cy="361080"/>
+            <a:ext cx="2280960" cy="360720"/>
           </a:xfrm>
           <a:prstGeom prst="rect">
             <a:avLst/>
@@ -7289,7 +6578,7 @@
         <p:spPr>
           <a:xfrm>
             <a:off x="1918080" y="3503880"/>
-            <a:ext cx="6762240" cy="2619000"/>
+            <a:ext cx="6761880" cy="2618640"/>
           </a:xfrm>
           <a:prstGeom prst="rect">
             <a:avLst/>
@@ -7338,7 +6627,7 @@
         <p:spPr>
           <a:xfrm>
             <a:off x="360000" y="360000"/>
-            <a:ext cx="9356040" cy="896040"/>
+            <a:ext cx="9355680" cy="895680"/>
           </a:xfrm>
           <a:prstGeom prst="rect">
             <a:avLst/>
@@ -7390,7 +6679,7 @@
         <p:spPr>
           <a:xfrm>
             <a:off x="540000" y="1980000"/>
-            <a:ext cx="9176040" cy="4676040"/>
+            <a:ext cx="9175680" cy="4675680"/>
           </a:xfrm>
           <a:prstGeom prst="rect">
             <a:avLst/>
@@ -7489,7 +6778,7 @@
         <p:spPr>
           <a:xfrm>
             <a:off x="897120" y="6886080"/>
-            <a:ext cx="6443280" cy="361080"/>
+            <a:ext cx="6442920" cy="360720"/>
           </a:xfrm>
           <a:prstGeom prst="rect">
             <a:avLst/>
@@ -7541,7 +6830,7 @@
         <p:spPr>
           <a:xfrm>
             <a:off x="7608600" y="6886080"/>
-            <a:ext cx="2281320" cy="361080"/>
+            <a:ext cx="2280960" cy="360720"/>
           </a:xfrm>
           <a:prstGeom prst="rect">
             <a:avLst/>
@@ -7597,7 +6886,7 @@
         <p:spPr>
           <a:xfrm>
             <a:off x="2134440" y="1828080"/>
-            <a:ext cx="5807520" cy="5818320"/>
+            <a:ext cx="5807160" cy="5817960"/>
           </a:xfrm>
           <a:prstGeom prst="rect">
             <a:avLst/>
@@ -7646,7 +6935,7 @@
         <p:spPr>
           <a:xfrm>
             <a:off x="360000" y="360000"/>
-            <a:ext cx="9356040" cy="896040"/>
+            <a:ext cx="9355680" cy="895680"/>
           </a:xfrm>
           <a:prstGeom prst="rect">
             <a:avLst/>
@@ -7698,7 +6987,7 @@
         <p:spPr>
           <a:xfrm>
             <a:off x="540000" y="1980000"/>
-            <a:ext cx="9176040" cy="4676040"/>
+            <a:ext cx="9175680" cy="4675680"/>
           </a:xfrm>
           <a:prstGeom prst="rect">
             <a:avLst/>
@@ -7826,7 +7115,7 @@
         <p:spPr>
           <a:xfrm>
             <a:off x="897120" y="6886080"/>
-            <a:ext cx="6443280" cy="361080"/>
+            <a:ext cx="6442920" cy="360720"/>
           </a:xfrm>
           <a:prstGeom prst="rect">
             <a:avLst/>
@@ -7878,7 +7167,7 @@
         <p:spPr>
           <a:xfrm>
             <a:off x="7608600" y="6886080"/>
-            <a:ext cx="2281320" cy="361080"/>
+            <a:ext cx="2280960" cy="360720"/>
           </a:xfrm>
           <a:prstGeom prst="rect">
             <a:avLst/>
@@ -7934,7 +7223,7 @@
         <p:spPr>
           <a:xfrm>
             <a:off x="727560" y="3055680"/>
-            <a:ext cx="6782400" cy="3372120"/>
+            <a:ext cx="6782040" cy="3371760"/>
           </a:xfrm>
           <a:prstGeom prst="rect">
             <a:avLst/>
@@ -7983,7 +7272,7 @@
         <p:spPr>
           <a:xfrm>
             <a:off x="360000" y="360000"/>
-            <a:ext cx="9356040" cy="896040"/>
+            <a:ext cx="9355680" cy="895680"/>
           </a:xfrm>
           <a:prstGeom prst="rect">
             <a:avLst/>
@@ -8035,7 +7324,7 @@
         <p:spPr>
           <a:xfrm>
             <a:off x="540000" y="1980000"/>
-            <a:ext cx="9176040" cy="4676040"/>
+            <a:ext cx="9175680" cy="4675680"/>
           </a:xfrm>
           <a:prstGeom prst="rect">
             <a:avLst/>
@@ -8138,7 +7427,7 @@
         <p:spPr>
           <a:xfrm>
             <a:off x="897120" y="6886080"/>
-            <a:ext cx="6443280" cy="361080"/>
+            <a:ext cx="6442920" cy="360720"/>
           </a:xfrm>
           <a:prstGeom prst="rect">
             <a:avLst/>
@@ -8190,7 +7479,7 @@
         <p:spPr>
           <a:xfrm>
             <a:off x="7608600" y="6886080"/>
-            <a:ext cx="2281320" cy="361080"/>
+            <a:ext cx="2280960" cy="360720"/>
           </a:xfrm>
           <a:prstGeom prst="rect">
             <a:avLst/>
@@ -8246,7 +7535,7 @@
         <p:spPr>
           <a:xfrm>
             <a:off x="806760" y="3070080"/>
-            <a:ext cx="6801480" cy="3200400"/>
+            <a:ext cx="6801120" cy="3200040"/>
           </a:xfrm>
           <a:prstGeom prst="rect">
             <a:avLst/>
@@ -8295,7 +7584,7 @@
         <p:spPr>
           <a:xfrm>
             <a:off x="360000" y="360000"/>
-            <a:ext cx="9356040" cy="896040"/>
+            <a:ext cx="9355680" cy="895680"/>
           </a:xfrm>
           <a:prstGeom prst="rect">
             <a:avLst/>
@@ -8347,7 +7636,7 @@
         <p:spPr>
           <a:xfrm>
             <a:off x="540000" y="1980000"/>
-            <a:ext cx="9176040" cy="4676040"/>
+            <a:ext cx="9175680" cy="4675680"/>
           </a:xfrm>
           <a:prstGeom prst="rect">
             <a:avLst/>
@@ -8500,7 +7789,7 @@
         <p:spPr>
           <a:xfrm>
             <a:off x="897120" y="6886080"/>
-            <a:ext cx="6443280" cy="361080"/>
+            <a:ext cx="6442920" cy="360720"/>
           </a:xfrm>
           <a:prstGeom prst="rect">
             <a:avLst/>
@@ -8552,7 +7841,7 @@
         <p:spPr>
           <a:xfrm>
             <a:off x="7608600" y="6886080"/>
-            <a:ext cx="2281320" cy="361080"/>
+            <a:ext cx="2280960" cy="360720"/>
           </a:xfrm>
           <a:prstGeom prst="rect">
             <a:avLst/>
@@ -8608,7 +7897,7 @@
         <p:spPr>
           <a:xfrm>
             <a:off x="713160" y="3112920"/>
-            <a:ext cx="6810840" cy="3257640"/>
+            <a:ext cx="6810480" cy="3257280"/>
           </a:xfrm>
           <a:prstGeom prst="rect">
             <a:avLst/>
@@ -8657,7 +7946,7 @@
         <p:spPr>
           <a:xfrm>
             <a:off x="360000" y="360000"/>
-            <a:ext cx="9356040" cy="896040"/>
+            <a:ext cx="9355680" cy="895680"/>
           </a:xfrm>
           <a:prstGeom prst="rect">
             <a:avLst/>
@@ -8709,7 +7998,7 @@
         <p:spPr>
           <a:xfrm>
             <a:off x="540000" y="1980000"/>
-            <a:ext cx="9176040" cy="4676040"/>
+            <a:ext cx="9175680" cy="4675680"/>
           </a:xfrm>
           <a:prstGeom prst="rect">
             <a:avLst/>
@@ -8837,7 +8126,7 @@
         <p:spPr>
           <a:xfrm>
             <a:off x="897120" y="6886080"/>
-            <a:ext cx="6443280" cy="361080"/>
+            <a:ext cx="6442920" cy="360720"/>
           </a:xfrm>
           <a:prstGeom prst="rect">
             <a:avLst/>
@@ -8889,7 +8178,7 @@
         <p:spPr>
           <a:xfrm>
             <a:off x="7608600" y="6886080"/>
-            <a:ext cx="2281320" cy="361080"/>
+            <a:ext cx="2280960" cy="360720"/>
           </a:xfrm>
           <a:prstGeom prst="rect">
             <a:avLst/>
@@ -8945,7 +8234,7 @@
         <p:spPr>
           <a:xfrm>
             <a:off x="684720" y="2836440"/>
-            <a:ext cx="6868080" cy="3657600"/>
+            <a:ext cx="6867720" cy="3657240"/>
           </a:xfrm>
           <a:prstGeom prst="rect">
             <a:avLst/>
@@ -8994,7 +8283,7 @@
         <p:spPr>
           <a:xfrm>
             <a:off x="360000" y="360000"/>
-            <a:ext cx="9356040" cy="896040"/>
+            <a:ext cx="9355680" cy="895680"/>
           </a:xfrm>
           <a:prstGeom prst="rect">
             <a:avLst/>
@@ -9046,7 +8335,7 @@
         <p:spPr>
           <a:xfrm>
             <a:off x="540000" y="1980000"/>
-            <a:ext cx="9176040" cy="4676040"/>
+            <a:ext cx="9175680" cy="4675680"/>
           </a:xfrm>
           <a:prstGeom prst="rect">
             <a:avLst/>
@@ -9085,7 +8374,7 @@
                 <a:latin typeface="Latin Modern Sans"/>
                 <a:ea typeface="DejaVu Sans"/>
               </a:rPr>
-              <a:t>Gaussian Distribution based</a:t>
+              <a:t>Gaussian Distribution based (spacial and pixel intensity)</a:t>
             </a:r>
             <a:endParaRPr b="0" lang="pt-BR" sz="2400" spc="-1" strike="noStrike">
               <a:latin typeface="Arial"/>
@@ -9174,7 +8463,7 @@
         <p:spPr>
           <a:xfrm>
             <a:off x="897120" y="6886080"/>
-            <a:ext cx="6443280" cy="361080"/>
+            <a:ext cx="6442920" cy="360720"/>
           </a:xfrm>
           <a:prstGeom prst="rect">
             <a:avLst/>
@@ -9226,7 +8515,7 @@
         <p:spPr>
           <a:xfrm>
             <a:off x="7608600" y="6886080"/>
-            <a:ext cx="2281320" cy="361080"/>
+            <a:ext cx="2280960" cy="360720"/>
           </a:xfrm>
           <a:prstGeom prst="rect">
             <a:avLst/>
@@ -9282,7 +8571,7 @@
         <p:spPr>
           <a:xfrm>
             <a:off x="684720" y="2836440"/>
-            <a:ext cx="6868080" cy="3657600"/>
+            <a:ext cx="6867720" cy="3657240"/>
           </a:xfrm>
           <a:prstGeom prst="rect">
             <a:avLst/>

--- a/ComputerVision/Lecture 02 - Image Filtering/Lecture 02 - Image Filtering.pptx
+++ b/ComputerVision/Lecture 02 - Image Filtering/Lecture 02 - Image Filtering.pptx
@@ -74,12 +74,12 @@
               <a:buNone/>
             </a:pPr>
             <a:r>
-              <a:rPr b="0" lang="pt-BR" sz="4400" spc="-1" strike="noStrike">
+              <a:rPr b="0" lang="en-US" sz="4400" spc="-1" strike="noStrike">
                 <a:latin typeface="Arial"/>
               </a:rPr>
-              <a:t>Clique para mover o slide</a:t>
+              <a:t>Click to move the slide</a:t>
             </a:r>
-            <a:endParaRPr b="0" lang="pt-BR" sz="4400" spc="-1" strike="noStrike">
+            <a:endParaRPr b="0" lang="en-US" sz="4400" spc="-1" strike="noStrike">
               <a:latin typeface="Arial"/>
             </a:endParaRPr>
           </a:p>
@@ -114,12 +114,12 @@
           </a:bodyPr>
           <a:p>
             <a:r>
-              <a:rPr b="0" lang="pt-BR" sz="2000" spc="-1" strike="noStrike">
+              <a:rPr b="0" lang="en-US" sz="2000" spc="-1" strike="noStrike">
                 <a:latin typeface="Arial"/>
               </a:rPr>
-              <a:t>Clique para editar o formato de notas</a:t>
+              <a:t>Click to edit the notes format</a:t>
             </a:r>
-            <a:endParaRPr b="0" lang="pt-BR" sz="2000" spc="-1" strike="noStrike">
+            <a:endParaRPr b="0" lang="en-US" sz="2000" spc="-1" strike="noStrike">
               <a:latin typeface="Arial"/>
             </a:endParaRPr>
           </a:p>
@@ -154,12 +154,12 @@
           </a:bodyPr>
           <a:p>
             <a:r>
-              <a:rPr b="0" lang="pt-BR" sz="1400" spc="-1" strike="noStrike">
+              <a:rPr b="0" lang="en-US" sz="1400" spc="-1" strike="noStrike">
                 <a:latin typeface="Times New Roman"/>
               </a:rPr>
-              <a:t>&lt;cabeçalho&gt;</a:t>
+              <a:t>&lt;header&gt;</a:t>
             </a:r>
-            <a:endParaRPr b="0" lang="pt-BR" sz="1400" spc="-1" strike="noStrike">
+            <a:endParaRPr b="0" lang="en-US" sz="1400" spc="-1" strike="noStrike">
               <a:latin typeface="Times New Roman"/>
             </a:endParaRPr>
           </a:p>
@@ -195,7 +195,7 @@
           <a:lstStyle>
             <a:lvl1pPr algn="r">
               <a:buNone/>
-              <a:defRPr b="0" lang="pt-BR" sz="1400" spc="-1" strike="noStrike">
+              <a:defRPr b="0" lang="en-US" sz="1400" spc="-1" strike="noStrike">
                 <a:latin typeface="Times New Roman"/>
               </a:defRPr>
             </a:lvl1pPr>
@@ -205,12 +205,12 @@
               <a:buNone/>
             </a:pPr>
             <a:r>
-              <a:rPr b="0" lang="pt-BR" sz="1400" spc="-1" strike="noStrike">
+              <a:rPr b="0" lang="en-US" sz="1400" spc="-1" strike="noStrike">
                 <a:latin typeface="Times New Roman"/>
               </a:rPr>
-              <a:t>&lt;data/hora&gt;</a:t>
+              <a:t>&lt;date/time&gt;</a:t>
             </a:r>
-            <a:endParaRPr b="0" lang="pt-BR" sz="1400" spc="-1" strike="noStrike">
+            <a:endParaRPr b="0" lang="en-US" sz="1400" spc="-1" strike="noStrike">
               <a:latin typeface="Times New Roman"/>
             </a:endParaRPr>
           </a:p>
@@ -245,19 +245,19 @@
           </a:bodyPr>
           <a:lstStyle>
             <a:lvl1pPr>
-              <a:defRPr b="0" lang="pt-BR" sz="1400" spc="-1" strike="noStrike">
+              <a:defRPr b="0" lang="en-US" sz="1400" spc="-1" strike="noStrike">
                 <a:latin typeface="Times New Roman"/>
               </a:defRPr>
             </a:lvl1pPr>
           </a:lstStyle>
           <a:p>
             <a:r>
-              <a:rPr b="0" lang="pt-BR" sz="1400" spc="-1" strike="noStrike">
+              <a:rPr b="0" lang="en-US" sz="1400" spc="-1" strike="noStrike">
                 <a:latin typeface="Times New Roman"/>
               </a:rPr>
-              <a:t>&lt;rodapé&gt;</a:t>
+              <a:t>&lt;footer&gt;</a:t>
             </a:r>
-            <a:endParaRPr b="0" lang="pt-BR" sz="1400" spc="-1" strike="noStrike">
+            <a:endParaRPr b="0" lang="en-US" sz="1400" spc="-1" strike="noStrike">
               <a:latin typeface="Times New Roman"/>
             </a:endParaRPr>
           </a:p>
@@ -293,7 +293,7 @@
           <a:lstStyle>
             <a:lvl1pPr algn="r">
               <a:buNone/>
-              <a:defRPr b="0" lang="pt-BR" sz="1400" spc="-1" strike="noStrike">
+              <a:defRPr b="0" lang="en-US" sz="1400" spc="-1" strike="noStrike">
                 <a:latin typeface="Times New Roman"/>
               </a:defRPr>
             </a:lvl1pPr>
@@ -302,13 +302,13 @@
             <a:pPr algn="r">
               <a:buNone/>
             </a:pPr>
-            <a:fld id="{1F0533C5-54FD-4B18-99E4-202288A3C912}" type="slidenum">
-              <a:rPr b="0" lang="pt-BR" sz="1400" spc="-1" strike="noStrike">
+            <a:fld id="{A9C0D7E0-C718-470E-9006-D320247DECB1}" type="slidenum">
+              <a:rPr b="0" lang="en-US" sz="1400" spc="-1" strike="noStrike">
                 <a:latin typeface="Times New Roman"/>
               </a:rPr>
-              <a:t>&lt;número&gt;</a:t>
+              <a:t>&lt;number&gt;</a:t>
             </a:fld>
-            <a:endParaRPr b="0" lang="pt-BR" sz="1400" spc="-1" strike="noStrike">
+            <a:endParaRPr b="0" lang="en-US" sz="1400" spc="-1" strike="noStrike">
               <a:latin typeface="Times New Roman"/>
             </a:endParaRPr>
           </a:p>
@@ -350,7 +350,7 @@
         <p:spPr>
           <a:xfrm>
             <a:off x="1376280" y="1336680"/>
-            <a:ext cx="4803120" cy="3602880"/>
+            <a:ext cx="4802760" cy="3602520"/>
           </a:xfrm>
           <a:prstGeom prst="rect">
             <a:avLst/>
@@ -373,7 +373,7 @@
         <p:spPr>
           <a:xfrm>
             <a:off x="756000" y="5145120"/>
-            <a:ext cx="6043320" cy="4205520"/>
+            <a:ext cx="6042960" cy="4205160"/>
           </a:xfrm>
           <a:prstGeom prst="rect">
             <a:avLst/>
@@ -388,7 +388,7 @@
             <a:noAutofit/>
           </a:bodyPr>
           <a:p>
-            <a:endParaRPr b="0" lang="pt-BR" sz="2000" spc="-1" strike="noStrike">
+            <a:endParaRPr b="0" lang="en-US" sz="2000" spc="-1" strike="noStrike">
               <a:latin typeface="Arial"/>
             </a:endParaRPr>
           </a:p>
@@ -403,7 +403,7 @@
         <p:spPr>
           <a:xfrm>
             <a:off x="0" y="10155240"/>
-            <a:ext cx="3271680" cy="532080"/>
+            <a:ext cx="3271320" cy="531720"/>
           </a:xfrm>
           <a:prstGeom prst="rect">
             <a:avLst/>
@@ -440,7 +440,7 @@
               </a:rPr>
               <a:t>Prof. André Hochuli</a:t>
             </a:r>
-            <a:endParaRPr b="0" lang="pt-BR" sz="1200" spc="-1" strike="noStrike">
+            <a:endParaRPr b="0" lang="en-US" sz="1200" spc="-1" strike="noStrike">
               <a:latin typeface="Arial"/>
             </a:endParaRPr>
           </a:p>
@@ -481,7 +481,7 @@
         <p:spPr>
           <a:xfrm>
             <a:off x="1376280" y="1336680"/>
-            <a:ext cx="4803120" cy="3602880"/>
+            <a:ext cx="4802760" cy="3602520"/>
           </a:xfrm>
           <a:prstGeom prst="rect">
             <a:avLst/>
@@ -504,7 +504,7 @@
         <p:spPr>
           <a:xfrm>
             <a:off x="756000" y="5145120"/>
-            <a:ext cx="6043320" cy="4205520"/>
+            <a:ext cx="6042960" cy="4205160"/>
           </a:xfrm>
           <a:prstGeom prst="rect">
             <a:avLst/>
@@ -519,7 +519,7 @@
             <a:noAutofit/>
           </a:bodyPr>
           <a:p>
-            <a:endParaRPr b="0" lang="pt-BR" sz="2000" spc="-1" strike="noStrike">
+            <a:endParaRPr b="0" lang="en-US" sz="2000" spc="-1" strike="noStrike">
               <a:latin typeface="Arial"/>
             </a:endParaRPr>
           </a:p>
@@ -534,7 +534,7 @@
         <p:spPr>
           <a:xfrm>
             <a:off x="0" y="10155240"/>
-            <a:ext cx="3271680" cy="532080"/>
+            <a:ext cx="3271320" cy="531720"/>
           </a:xfrm>
           <a:prstGeom prst="rect">
             <a:avLst/>
@@ -571,7 +571,7 @@
               </a:rPr>
               <a:t>Prof. André Hochuli</a:t>
             </a:r>
-            <a:endParaRPr b="0" lang="pt-BR" sz="1200" spc="-1" strike="noStrike">
+            <a:endParaRPr b="0" lang="en-US" sz="1200" spc="-1" strike="noStrike">
               <a:latin typeface="Arial"/>
             </a:endParaRPr>
           </a:p>
@@ -612,7 +612,7 @@
         <p:spPr>
           <a:xfrm>
             <a:off x="1376280" y="1336680"/>
-            <a:ext cx="4803120" cy="3602880"/>
+            <a:ext cx="4802760" cy="3602520"/>
           </a:xfrm>
           <a:prstGeom prst="rect">
             <a:avLst/>
@@ -635,7 +635,7 @@
         <p:spPr>
           <a:xfrm>
             <a:off x="756000" y="5145120"/>
-            <a:ext cx="6043320" cy="4205520"/>
+            <a:ext cx="6042960" cy="4205160"/>
           </a:xfrm>
           <a:prstGeom prst="rect">
             <a:avLst/>
@@ -650,7 +650,7 @@
             <a:noAutofit/>
           </a:bodyPr>
           <a:p>
-            <a:endParaRPr b="0" lang="pt-BR" sz="2000" spc="-1" strike="noStrike">
+            <a:endParaRPr b="0" lang="en-US" sz="2000" spc="-1" strike="noStrike">
               <a:latin typeface="Arial"/>
             </a:endParaRPr>
           </a:p>
@@ -665,7 +665,7 @@
         <p:spPr>
           <a:xfrm>
             <a:off x="0" y="10155240"/>
-            <a:ext cx="3271680" cy="532080"/>
+            <a:ext cx="3271320" cy="531720"/>
           </a:xfrm>
           <a:prstGeom prst="rect">
             <a:avLst/>
@@ -702,7 +702,7 @@
               </a:rPr>
               <a:t>Prof. André Hochuli</a:t>
             </a:r>
-            <a:endParaRPr b="0" lang="pt-BR" sz="1200" spc="-1" strike="noStrike">
+            <a:endParaRPr b="0" lang="en-US" sz="1200" spc="-1" strike="noStrike">
               <a:latin typeface="Arial"/>
             </a:endParaRPr>
           </a:p>
@@ -743,7 +743,7 @@
         <p:spPr>
           <a:xfrm>
             <a:off x="1376280" y="1336680"/>
-            <a:ext cx="4803120" cy="3602880"/>
+            <a:ext cx="4802760" cy="3602520"/>
           </a:xfrm>
           <a:prstGeom prst="rect">
             <a:avLst/>
@@ -766,7 +766,7 @@
         <p:spPr>
           <a:xfrm>
             <a:off x="756000" y="5145120"/>
-            <a:ext cx="6043320" cy="4205520"/>
+            <a:ext cx="6042960" cy="4205160"/>
           </a:xfrm>
           <a:prstGeom prst="rect">
             <a:avLst/>
@@ -781,7 +781,7 @@
             <a:noAutofit/>
           </a:bodyPr>
           <a:p>
-            <a:endParaRPr b="0" lang="pt-BR" sz="2000" spc="-1" strike="noStrike">
+            <a:endParaRPr b="0" lang="en-US" sz="2000" spc="-1" strike="noStrike">
               <a:latin typeface="Arial"/>
             </a:endParaRPr>
           </a:p>
@@ -796,7 +796,7 @@
         <p:spPr>
           <a:xfrm>
             <a:off x="0" y="10155240"/>
-            <a:ext cx="3271680" cy="532080"/>
+            <a:ext cx="3271320" cy="531720"/>
           </a:xfrm>
           <a:prstGeom prst="rect">
             <a:avLst/>
@@ -833,7 +833,7 @@
               </a:rPr>
               <a:t>Prof. André Hochuli</a:t>
             </a:r>
-            <a:endParaRPr b="0" lang="pt-BR" sz="1200" spc="-1" strike="noStrike">
+            <a:endParaRPr b="0" lang="en-US" sz="1200" spc="-1" strike="noStrike">
               <a:latin typeface="Arial"/>
             </a:endParaRPr>
           </a:p>
@@ -874,7 +874,7 @@
         <p:spPr>
           <a:xfrm>
             <a:off x="1376280" y="1336680"/>
-            <a:ext cx="4803120" cy="3602880"/>
+            <a:ext cx="4802760" cy="3602520"/>
           </a:xfrm>
           <a:prstGeom prst="rect">
             <a:avLst/>
@@ -897,7 +897,7 @@
         <p:spPr>
           <a:xfrm>
             <a:off x="756000" y="5145120"/>
-            <a:ext cx="6043320" cy="4205520"/>
+            <a:ext cx="6042960" cy="4205160"/>
           </a:xfrm>
           <a:prstGeom prst="rect">
             <a:avLst/>
@@ -912,7 +912,7 @@
             <a:noAutofit/>
           </a:bodyPr>
           <a:p>
-            <a:endParaRPr b="0" lang="pt-BR" sz="2000" spc="-1" strike="noStrike">
+            <a:endParaRPr b="0" lang="en-US" sz="2000" spc="-1" strike="noStrike">
               <a:latin typeface="Arial"/>
             </a:endParaRPr>
           </a:p>
@@ -927,7 +927,7 @@
         <p:spPr>
           <a:xfrm>
             <a:off x="0" y="10155240"/>
-            <a:ext cx="3271680" cy="532080"/>
+            <a:ext cx="3271320" cy="531720"/>
           </a:xfrm>
           <a:prstGeom prst="rect">
             <a:avLst/>
@@ -964,7 +964,7 @@
               </a:rPr>
               <a:t>Prof. André Hochuli</a:t>
             </a:r>
-            <a:endParaRPr b="0" lang="pt-BR" sz="1200" spc="-1" strike="noStrike">
+            <a:endParaRPr b="0" lang="en-US" sz="1200" spc="-1" strike="noStrike">
               <a:latin typeface="Arial"/>
             </a:endParaRPr>
           </a:p>
@@ -1005,7 +1005,7 @@
         <p:spPr>
           <a:xfrm>
             <a:off x="1376280" y="1336680"/>
-            <a:ext cx="4803120" cy="3602880"/>
+            <a:ext cx="4802760" cy="3602520"/>
           </a:xfrm>
           <a:prstGeom prst="rect">
             <a:avLst/>
@@ -1028,7 +1028,7 @@
         <p:spPr>
           <a:xfrm>
             <a:off x="756000" y="5145120"/>
-            <a:ext cx="6043320" cy="4205520"/>
+            <a:ext cx="6042960" cy="4205160"/>
           </a:xfrm>
           <a:prstGeom prst="rect">
             <a:avLst/>
@@ -1043,7 +1043,7 @@
             <a:noAutofit/>
           </a:bodyPr>
           <a:p>
-            <a:endParaRPr b="0" lang="pt-BR" sz="2000" spc="-1" strike="noStrike">
+            <a:endParaRPr b="0" lang="en-US" sz="2000" spc="-1" strike="noStrike">
               <a:latin typeface="Arial"/>
             </a:endParaRPr>
           </a:p>
@@ -1058,7 +1058,7 @@
         <p:spPr>
           <a:xfrm>
             <a:off x="0" y="10155240"/>
-            <a:ext cx="3271680" cy="532080"/>
+            <a:ext cx="3271320" cy="531720"/>
           </a:xfrm>
           <a:prstGeom prst="rect">
             <a:avLst/>
@@ -1095,7 +1095,7 @@
               </a:rPr>
               <a:t>Prof. André Hochuli</a:t>
             </a:r>
-            <a:endParaRPr b="0" lang="pt-BR" sz="1200" spc="-1" strike="noStrike">
+            <a:endParaRPr b="0" lang="en-US" sz="1200" spc="-1" strike="noStrike">
               <a:latin typeface="Arial"/>
             </a:endParaRPr>
           </a:p>
@@ -1136,7 +1136,7 @@
         <p:spPr>
           <a:xfrm>
             <a:off x="1376280" y="1336680"/>
-            <a:ext cx="4803120" cy="3602880"/>
+            <a:ext cx="4802760" cy="3602520"/>
           </a:xfrm>
           <a:prstGeom prst="rect">
             <a:avLst/>
@@ -1159,7 +1159,7 @@
         <p:spPr>
           <a:xfrm>
             <a:off x="756000" y="5145120"/>
-            <a:ext cx="6043320" cy="4205520"/>
+            <a:ext cx="6042960" cy="4205160"/>
           </a:xfrm>
           <a:prstGeom prst="rect">
             <a:avLst/>
@@ -1174,7 +1174,7 @@
             <a:noAutofit/>
           </a:bodyPr>
           <a:p>
-            <a:endParaRPr b="0" lang="pt-BR" sz="2000" spc="-1" strike="noStrike">
+            <a:endParaRPr b="0" lang="en-US" sz="2000" spc="-1" strike="noStrike">
               <a:latin typeface="Arial"/>
             </a:endParaRPr>
           </a:p>
@@ -1189,7 +1189,7 @@
         <p:spPr>
           <a:xfrm>
             <a:off x="0" y="10155240"/>
-            <a:ext cx="3271680" cy="532080"/>
+            <a:ext cx="3271320" cy="531720"/>
           </a:xfrm>
           <a:prstGeom prst="rect">
             <a:avLst/>
@@ -1226,7 +1226,7 @@
               </a:rPr>
               <a:t>Prof. André Hochuli</a:t>
             </a:r>
-            <a:endParaRPr b="0" lang="pt-BR" sz="1200" spc="-1" strike="noStrike">
+            <a:endParaRPr b="0" lang="en-US" sz="1200" spc="-1" strike="noStrike">
               <a:latin typeface="Arial"/>
             </a:endParaRPr>
           </a:p>
@@ -1267,7 +1267,7 @@
         <p:spPr>
           <a:xfrm>
             <a:off x="1376280" y="1336680"/>
-            <a:ext cx="4803120" cy="3602880"/>
+            <a:ext cx="4802760" cy="3602520"/>
           </a:xfrm>
           <a:prstGeom prst="rect">
             <a:avLst/>
@@ -1290,7 +1290,7 @@
         <p:spPr>
           <a:xfrm>
             <a:off x="756000" y="5145120"/>
-            <a:ext cx="6043320" cy="4205520"/>
+            <a:ext cx="6042960" cy="4205160"/>
           </a:xfrm>
           <a:prstGeom prst="rect">
             <a:avLst/>
@@ -1305,7 +1305,7 @@
             <a:noAutofit/>
           </a:bodyPr>
           <a:p>
-            <a:endParaRPr b="0" lang="pt-BR" sz="2000" spc="-1" strike="noStrike">
+            <a:endParaRPr b="0" lang="en-US" sz="2000" spc="-1" strike="noStrike">
               <a:latin typeface="Arial"/>
             </a:endParaRPr>
           </a:p>
@@ -1320,7 +1320,7 @@
         <p:spPr>
           <a:xfrm>
             <a:off x="0" y="10155240"/>
-            <a:ext cx="3271680" cy="532080"/>
+            <a:ext cx="3271320" cy="531720"/>
           </a:xfrm>
           <a:prstGeom prst="rect">
             <a:avLst/>
@@ -1357,7 +1357,7 @@
               </a:rPr>
               <a:t>Prof. André Hochuli</a:t>
             </a:r>
-            <a:endParaRPr b="0" lang="pt-BR" sz="1200" spc="-1" strike="noStrike">
+            <a:endParaRPr b="0" lang="en-US" sz="1200" spc="-1" strike="noStrike">
               <a:latin typeface="Arial"/>
             </a:endParaRPr>
           </a:p>
@@ -1398,7 +1398,7 @@
         <p:spPr>
           <a:xfrm>
             <a:off x="1376280" y="1336680"/>
-            <a:ext cx="4803120" cy="3602880"/>
+            <a:ext cx="4802760" cy="3602520"/>
           </a:xfrm>
           <a:prstGeom prst="rect">
             <a:avLst/>
@@ -1421,7 +1421,7 @@
         <p:spPr>
           <a:xfrm>
             <a:off x="756000" y="5145120"/>
-            <a:ext cx="6043320" cy="4205520"/>
+            <a:ext cx="6042960" cy="4205160"/>
           </a:xfrm>
           <a:prstGeom prst="rect">
             <a:avLst/>
@@ -1436,7 +1436,7 @@
             <a:noAutofit/>
           </a:bodyPr>
           <a:p>
-            <a:endParaRPr b="0" lang="pt-BR" sz="2000" spc="-1" strike="noStrike">
+            <a:endParaRPr b="0" lang="en-US" sz="2000" spc="-1" strike="noStrike">
               <a:latin typeface="Arial"/>
             </a:endParaRPr>
           </a:p>
@@ -1451,7 +1451,7 @@
         <p:spPr>
           <a:xfrm>
             <a:off x="0" y="10155240"/>
-            <a:ext cx="3271680" cy="532080"/>
+            <a:ext cx="3271320" cy="531720"/>
           </a:xfrm>
           <a:prstGeom prst="rect">
             <a:avLst/>
@@ -1488,7 +1488,7 @@
               </a:rPr>
               <a:t>Prof. André Hochuli</a:t>
             </a:r>
-            <a:endParaRPr b="0" lang="pt-BR" sz="1200" spc="-1" strike="noStrike">
+            <a:endParaRPr b="0" lang="en-US" sz="1200" spc="-1" strike="noStrike">
               <a:latin typeface="Arial"/>
             </a:endParaRPr>
           </a:p>
@@ -1529,7 +1529,7 @@
         <p:spPr>
           <a:xfrm>
             <a:off x="1376280" y="1336680"/>
-            <a:ext cx="4803120" cy="3602880"/>
+            <a:ext cx="4802760" cy="3602520"/>
           </a:xfrm>
           <a:prstGeom prst="rect">
             <a:avLst/>
@@ -1552,7 +1552,7 @@
         <p:spPr>
           <a:xfrm>
             <a:off x="756000" y="5145120"/>
-            <a:ext cx="6043320" cy="4205520"/>
+            <a:ext cx="6042960" cy="4205160"/>
           </a:xfrm>
           <a:prstGeom prst="rect">
             <a:avLst/>
@@ -1567,7 +1567,7 @@
             <a:noAutofit/>
           </a:bodyPr>
           <a:p>
-            <a:endParaRPr b="0" lang="pt-BR" sz="2000" spc="-1" strike="noStrike">
+            <a:endParaRPr b="0" lang="en-US" sz="2000" spc="-1" strike="noStrike">
               <a:latin typeface="Arial"/>
             </a:endParaRPr>
           </a:p>
@@ -1582,7 +1582,7 @@
         <p:spPr>
           <a:xfrm>
             <a:off x="0" y="10155240"/>
-            <a:ext cx="3271680" cy="532080"/>
+            <a:ext cx="3271320" cy="531720"/>
           </a:xfrm>
           <a:prstGeom prst="rect">
             <a:avLst/>
@@ -1619,7 +1619,7 @@
               </a:rPr>
               <a:t>Prof. André Hochuli</a:t>
             </a:r>
-            <a:endParaRPr b="0" lang="pt-BR" sz="1200" spc="-1" strike="noStrike">
+            <a:endParaRPr b="0" lang="en-US" sz="1200" spc="-1" strike="noStrike">
               <a:latin typeface="Arial"/>
             </a:endParaRPr>
           </a:p>
@@ -1700,7 +1700,7 @@
             <a:pPr algn="ctr">
               <a:buNone/>
             </a:pPr>
-            <a:endParaRPr b="0" lang="pt-BR" sz="4400" spc="-1" strike="noStrike">
+            <a:endParaRPr b="0" lang="en-US" sz="4400" spc="-1" strike="noStrike">
               <a:latin typeface="Arial"/>
             </a:endParaRPr>
           </a:p>
@@ -1734,7 +1734,7 @@
             <a:normAutofit/>
           </a:bodyPr>
           <a:p>
-            <a:endParaRPr b="0" lang="pt-BR" sz="3200" spc="-1" strike="noStrike">
+            <a:endParaRPr b="0" lang="en-US" sz="3200" spc="-1" strike="noStrike">
               <a:latin typeface="Arial"/>
             </a:endParaRPr>
           </a:p>
@@ -1768,7 +1768,7 @@
             <a:normAutofit/>
           </a:bodyPr>
           <a:p>
-            <a:endParaRPr b="0" lang="pt-BR" sz="3200" spc="-1" strike="noStrike">
+            <a:endParaRPr b="0" lang="en-US" sz="3200" spc="-1" strike="noStrike">
               <a:latin typeface="Arial"/>
             </a:endParaRPr>
           </a:p>
@@ -1827,7 +1827,7 @@
             <a:pPr algn="ctr">
               <a:buNone/>
             </a:pPr>
-            <a:endParaRPr b="0" lang="pt-BR" sz="4400" spc="-1" strike="noStrike">
+            <a:endParaRPr b="0" lang="en-US" sz="4400" spc="-1" strike="noStrike">
               <a:latin typeface="Arial"/>
             </a:endParaRPr>
           </a:p>
@@ -1861,7 +1861,7 @@
             <a:normAutofit/>
           </a:bodyPr>
           <a:p>
-            <a:endParaRPr b="0" lang="pt-BR" sz="3200" spc="-1" strike="noStrike">
+            <a:endParaRPr b="0" lang="en-US" sz="3200" spc="-1" strike="noStrike">
               <a:latin typeface="Arial"/>
             </a:endParaRPr>
           </a:p>
@@ -1895,7 +1895,7 @@
             <a:normAutofit/>
           </a:bodyPr>
           <a:p>
-            <a:endParaRPr b="0" lang="pt-BR" sz="3200" spc="-1" strike="noStrike">
+            <a:endParaRPr b="0" lang="en-US" sz="3200" spc="-1" strike="noStrike">
               <a:latin typeface="Arial"/>
             </a:endParaRPr>
           </a:p>
@@ -1929,7 +1929,7 @@
             <a:normAutofit/>
           </a:bodyPr>
           <a:p>
-            <a:endParaRPr b="0" lang="pt-BR" sz="3200" spc="-1" strike="noStrike">
+            <a:endParaRPr b="0" lang="en-US" sz="3200" spc="-1" strike="noStrike">
               <a:latin typeface="Arial"/>
             </a:endParaRPr>
           </a:p>
@@ -1963,7 +1963,7 @@
             <a:normAutofit/>
           </a:bodyPr>
           <a:p>
-            <a:endParaRPr b="0" lang="pt-BR" sz="3200" spc="-1" strike="noStrike">
+            <a:endParaRPr b="0" lang="en-US" sz="3200" spc="-1" strike="noStrike">
               <a:latin typeface="Arial"/>
             </a:endParaRPr>
           </a:p>
@@ -2022,7 +2022,7 @@
             <a:pPr algn="ctr">
               <a:buNone/>
             </a:pPr>
-            <a:endParaRPr b="0" lang="pt-BR" sz="4400" spc="-1" strike="noStrike">
+            <a:endParaRPr b="0" lang="en-US" sz="4400" spc="-1" strike="noStrike">
               <a:latin typeface="Arial"/>
             </a:endParaRPr>
           </a:p>
@@ -2056,7 +2056,7 @@
             <a:normAutofit/>
           </a:bodyPr>
           <a:p>
-            <a:endParaRPr b="0" lang="pt-BR" sz="3200" spc="-1" strike="noStrike">
+            <a:endParaRPr b="0" lang="en-US" sz="3200" spc="-1" strike="noStrike">
               <a:latin typeface="Arial"/>
             </a:endParaRPr>
           </a:p>
@@ -2090,7 +2090,7 @@
             <a:normAutofit/>
           </a:bodyPr>
           <a:p>
-            <a:endParaRPr b="0" lang="pt-BR" sz="3200" spc="-1" strike="noStrike">
+            <a:endParaRPr b="0" lang="en-US" sz="3200" spc="-1" strike="noStrike">
               <a:latin typeface="Arial"/>
             </a:endParaRPr>
           </a:p>
@@ -2124,7 +2124,7 @@
             <a:normAutofit/>
           </a:bodyPr>
           <a:p>
-            <a:endParaRPr b="0" lang="pt-BR" sz="3200" spc="-1" strike="noStrike">
+            <a:endParaRPr b="0" lang="en-US" sz="3200" spc="-1" strike="noStrike">
               <a:latin typeface="Arial"/>
             </a:endParaRPr>
           </a:p>
@@ -2158,7 +2158,7 @@
             <a:normAutofit/>
           </a:bodyPr>
           <a:p>
-            <a:endParaRPr b="0" lang="pt-BR" sz="3200" spc="-1" strike="noStrike">
+            <a:endParaRPr b="0" lang="en-US" sz="3200" spc="-1" strike="noStrike">
               <a:latin typeface="Arial"/>
             </a:endParaRPr>
           </a:p>
@@ -2192,7 +2192,7 @@
             <a:normAutofit/>
           </a:bodyPr>
           <a:p>
-            <a:endParaRPr b="0" lang="pt-BR" sz="3200" spc="-1" strike="noStrike">
+            <a:endParaRPr b="0" lang="en-US" sz="3200" spc="-1" strike="noStrike">
               <a:latin typeface="Arial"/>
             </a:endParaRPr>
           </a:p>
@@ -2226,7 +2226,7 @@
             <a:normAutofit/>
           </a:bodyPr>
           <a:p>
-            <a:endParaRPr b="0" lang="pt-BR" sz="3200" spc="-1" strike="noStrike">
+            <a:endParaRPr b="0" lang="en-US" sz="3200" spc="-1" strike="noStrike">
               <a:latin typeface="Arial"/>
             </a:endParaRPr>
           </a:p>
@@ -2307,7 +2307,7 @@
             <a:pPr algn="ctr">
               <a:buNone/>
             </a:pPr>
-            <a:endParaRPr b="0" lang="pt-BR" sz="4400" spc="-1" strike="noStrike">
+            <a:endParaRPr b="0" lang="en-US" sz="4400" spc="-1" strike="noStrike">
               <a:latin typeface="Arial"/>
             </a:endParaRPr>
           </a:p>
@@ -2344,7 +2344,7 @@
             <a:pPr algn="ctr">
               <a:buNone/>
             </a:pPr>
-            <a:endParaRPr b="0" lang="pt-BR" sz="3200" spc="-1" strike="noStrike">
+            <a:endParaRPr b="0" lang="en-US" sz="3200" spc="-1" strike="noStrike">
               <a:latin typeface="Arial"/>
             </a:endParaRPr>
           </a:p>
@@ -2403,7 +2403,7 @@
             <a:pPr algn="ctr">
               <a:buNone/>
             </a:pPr>
-            <a:endParaRPr b="0" lang="pt-BR" sz="4400" spc="-1" strike="noStrike">
+            <a:endParaRPr b="0" lang="en-US" sz="4400" spc="-1" strike="noStrike">
               <a:latin typeface="Arial"/>
             </a:endParaRPr>
           </a:p>
@@ -2437,7 +2437,7 @@
             <a:normAutofit/>
           </a:bodyPr>
           <a:p>
-            <a:endParaRPr b="0" lang="pt-BR" sz="3200" spc="-1" strike="noStrike">
+            <a:endParaRPr b="0" lang="en-US" sz="3200" spc="-1" strike="noStrike">
               <a:latin typeface="Arial"/>
             </a:endParaRPr>
           </a:p>
@@ -2496,7 +2496,7 @@
             <a:pPr algn="ctr">
               <a:buNone/>
             </a:pPr>
-            <a:endParaRPr b="0" lang="pt-BR" sz="4400" spc="-1" strike="noStrike">
+            <a:endParaRPr b="0" lang="en-US" sz="4400" spc="-1" strike="noStrike">
               <a:latin typeface="Arial"/>
             </a:endParaRPr>
           </a:p>
@@ -2530,7 +2530,7 @@
             <a:normAutofit/>
           </a:bodyPr>
           <a:p>
-            <a:endParaRPr b="0" lang="pt-BR" sz="3200" spc="-1" strike="noStrike">
+            <a:endParaRPr b="0" lang="en-US" sz="3200" spc="-1" strike="noStrike">
               <a:latin typeface="Arial"/>
             </a:endParaRPr>
           </a:p>
@@ -2564,7 +2564,7 @@
             <a:normAutofit/>
           </a:bodyPr>
           <a:p>
-            <a:endParaRPr b="0" lang="pt-BR" sz="3200" spc="-1" strike="noStrike">
+            <a:endParaRPr b="0" lang="en-US" sz="3200" spc="-1" strike="noStrike">
               <a:latin typeface="Arial"/>
             </a:endParaRPr>
           </a:p>
@@ -2623,7 +2623,7 @@
             <a:pPr algn="ctr">
               <a:buNone/>
             </a:pPr>
-            <a:endParaRPr b="0" lang="pt-BR" sz="4400" spc="-1" strike="noStrike">
+            <a:endParaRPr b="0" lang="en-US" sz="4400" spc="-1" strike="noStrike">
               <a:latin typeface="Arial"/>
             </a:endParaRPr>
           </a:p>
@@ -2682,7 +2682,7 @@
             <a:pPr algn="ctr">
               <a:buNone/>
             </a:pPr>
-            <a:endParaRPr b="0" lang="pt-BR" sz="3200" spc="-1" strike="noStrike">
+            <a:endParaRPr b="0" lang="en-US" sz="3200" spc="-1" strike="noStrike">
               <a:latin typeface="Arial"/>
             </a:endParaRPr>
           </a:p>
@@ -2741,7 +2741,7 @@
             <a:pPr algn="ctr">
               <a:buNone/>
             </a:pPr>
-            <a:endParaRPr b="0" lang="pt-BR" sz="4400" spc="-1" strike="noStrike">
+            <a:endParaRPr b="0" lang="en-US" sz="4400" spc="-1" strike="noStrike">
               <a:latin typeface="Arial"/>
             </a:endParaRPr>
           </a:p>
@@ -2775,7 +2775,7 @@
             <a:normAutofit/>
           </a:bodyPr>
           <a:p>
-            <a:endParaRPr b="0" lang="pt-BR" sz="3200" spc="-1" strike="noStrike">
+            <a:endParaRPr b="0" lang="en-US" sz="3200" spc="-1" strike="noStrike">
               <a:latin typeface="Arial"/>
             </a:endParaRPr>
           </a:p>
@@ -2809,7 +2809,7 @@
             <a:normAutofit/>
           </a:bodyPr>
           <a:p>
-            <a:endParaRPr b="0" lang="pt-BR" sz="3200" spc="-1" strike="noStrike">
+            <a:endParaRPr b="0" lang="en-US" sz="3200" spc="-1" strike="noStrike">
               <a:latin typeface="Arial"/>
             </a:endParaRPr>
           </a:p>
@@ -2843,7 +2843,7 @@
             <a:normAutofit/>
           </a:bodyPr>
           <a:p>
-            <a:endParaRPr b="0" lang="pt-BR" sz="3200" spc="-1" strike="noStrike">
+            <a:endParaRPr b="0" lang="en-US" sz="3200" spc="-1" strike="noStrike">
               <a:latin typeface="Arial"/>
             </a:endParaRPr>
           </a:p>
@@ -2902,7 +2902,7 @@
             <a:pPr algn="ctr">
               <a:buNone/>
             </a:pPr>
-            <a:endParaRPr b="0" lang="pt-BR" sz="4400" spc="-1" strike="noStrike">
+            <a:endParaRPr b="0" lang="en-US" sz="4400" spc="-1" strike="noStrike">
               <a:latin typeface="Arial"/>
             </a:endParaRPr>
           </a:p>
@@ -2939,7 +2939,7 @@
             <a:pPr algn="ctr">
               <a:buNone/>
             </a:pPr>
-            <a:endParaRPr b="0" lang="pt-BR" sz="3200" spc="-1" strike="noStrike">
+            <a:endParaRPr b="0" lang="en-US" sz="3200" spc="-1" strike="noStrike">
               <a:latin typeface="Arial"/>
             </a:endParaRPr>
           </a:p>
@@ -2998,7 +2998,7 @@
             <a:pPr algn="ctr">
               <a:buNone/>
             </a:pPr>
-            <a:endParaRPr b="0" lang="pt-BR" sz="4400" spc="-1" strike="noStrike">
+            <a:endParaRPr b="0" lang="en-US" sz="4400" spc="-1" strike="noStrike">
               <a:latin typeface="Arial"/>
             </a:endParaRPr>
           </a:p>
@@ -3032,7 +3032,7 @@
             <a:normAutofit/>
           </a:bodyPr>
           <a:p>
-            <a:endParaRPr b="0" lang="pt-BR" sz="3200" spc="-1" strike="noStrike">
+            <a:endParaRPr b="0" lang="en-US" sz="3200" spc="-1" strike="noStrike">
               <a:latin typeface="Arial"/>
             </a:endParaRPr>
           </a:p>
@@ -3066,7 +3066,7 @@
             <a:normAutofit/>
           </a:bodyPr>
           <a:p>
-            <a:endParaRPr b="0" lang="pt-BR" sz="3200" spc="-1" strike="noStrike">
+            <a:endParaRPr b="0" lang="en-US" sz="3200" spc="-1" strike="noStrike">
               <a:latin typeface="Arial"/>
             </a:endParaRPr>
           </a:p>
@@ -3100,7 +3100,7 @@
             <a:normAutofit/>
           </a:bodyPr>
           <a:p>
-            <a:endParaRPr b="0" lang="pt-BR" sz="3200" spc="-1" strike="noStrike">
+            <a:endParaRPr b="0" lang="en-US" sz="3200" spc="-1" strike="noStrike">
               <a:latin typeface="Arial"/>
             </a:endParaRPr>
           </a:p>
@@ -3159,7 +3159,7 @@
             <a:pPr algn="ctr">
               <a:buNone/>
             </a:pPr>
-            <a:endParaRPr b="0" lang="pt-BR" sz="4400" spc="-1" strike="noStrike">
+            <a:endParaRPr b="0" lang="en-US" sz="4400" spc="-1" strike="noStrike">
               <a:latin typeface="Arial"/>
             </a:endParaRPr>
           </a:p>
@@ -3193,7 +3193,7 @@
             <a:normAutofit/>
           </a:bodyPr>
           <a:p>
-            <a:endParaRPr b="0" lang="pt-BR" sz="3200" spc="-1" strike="noStrike">
+            <a:endParaRPr b="0" lang="en-US" sz="3200" spc="-1" strike="noStrike">
               <a:latin typeface="Arial"/>
             </a:endParaRPr>
           </a:p>
@@ -3227,7 +3227,7 @@
             <a:normAutofit/>
           </a:bodyPr>
           <a:p>
-            <a:endParaRPr b="0" lang="pt-BR" sz="3200" spc="-1" strike="noStrike">
+            <a:endParaRPr b="0" lang="en-US" sz="3200" spc="-1" strike="noStrike">
               <a:latin typeface="Arial"/>
             </a:endParaRPr>
           </a:p>
@@ -3261,7 +3261,7 @@
             <a:normAutofit/>
           </a:bodyPr>
           <a:p>
-            <a:endParaRPr b="0" lang="pt-BR" sz="3200" spc="-1" strike="noStrike">
+            <a:endParaRPr b="0" lang="en-US" sz="3200" spc="-1" strike="noStrike">
               <a:latin typeface="Arial"/>
             </a:endParaRPr>
           </a:p>
@@ -3320,7 +3320,7 @@
             <a:pPr algn="ctr">
               <a:buNone/>
             </a:pPr>
-            <a:endParaRPr b="0" lang="pt-BR" sz="4400" spc="-1" strike="noStrike">
+            <a:endParaRPr b="0" lang="en-US" sz="4400" spc="-1" strike="noStrike">
               <a:latin typeface="Arial"/>
             </a:endParaRPr>
           </a:p>
@@ -3354,7 +3354,7 @@
             <a:normAutofit/>
           </a:bodyPr>
           <a:p>
-            <a:endParaRPr b="0" lang="pt-BR" sz="3200" spc="-1" strike="noStrike">
+            <a:endParaRPr b="0" lang="en-US" sz="3200" spc="-1" strike="noStrike">
               <a:latin typeface="Arial"/>
             </a:endParaRPr>
           </a:p>
@@ -3388,7 +3388,7 @@
             <a:normAutofit/>
           </a:bodyPr>
           <a:p>
-            <a:endParaRPr b="0" lang="pt-BR" sz="3200" spc="-1" strike="noStrike">
+            <a:endParaRPr b="0" lang="en-US" sz="3200" spc="-1" strike="noStrike">
               <a:latin typeface="Arial"/>
             </a:endParaRPr>
           </a:p>
@@ -3447,7 +3447,7 @@
             <a:pPr algn="ctr">
               <a:buNone/>
             </a:pPr>
-            <a:endParaRPr b="0" lang="pt-BR" sz="4400" spc="-1" strike="noStrike">
+            <a:endParaRPr b="0" lang="en-US" sz="4400" spc="-1" strike="noStrike">
               <a:latin typeface="Arial"/>
             </a:endParaRPr>
           </a:p>
@@ -3481,7 +3481,7 @@
             <a:normAutofit/>
           </a:bodyPr>
           <a:p>
-            <a:endParaRPr b="0" lang="pt-BR" sz="3200" spc="-1" strike="noStrike">
+            <a:endParaRPr b="0" lang="en-US" sz="3200" spc="-1" strike="noStrike">
               <a:latin typeface="Arial"/>
             </a:endParaRPr>
           </a:p>
@@ -3515,7 +3515,7 @@
             <a:normAutofit/>
           </a:bodyPr>
           <a:p>
-            <a:endParaRPr b="0" lang="pt-BR" sz="3200" spc="-1" strike="noStrike">
+            <a:endParaRPr b="0" lang="en-US" sz="3200" spc="-1" strike="noStrike">
               <a:latin typeface="Arial"/>
             </a:endParaRPr>
           </a:p>
@@ -3549,7 +3549,7 @@
             <a:normAutofit/>
           </a:bodyPr>
           <a:p>
-            <a:endParaRPr b="0" lang="pt-BR" sz="3200" spc="-1" strike="noStrike">
+            <a:endParaRPr b="0" lang="en-US" sz="3200" spc="-1" strike="noStrike">
               <a:latin typeface="Arial"/>
             </a:endParaRPr>
           </a:p>
@@ -3583,7 +3583,7 @@
             <a:normAutofit/>
           </a:bodyPr>
           <a:p>
-            <a:endParaRPr b="0" lang="pt-BR" sz="3200" spc="-1" strike="noStrike">
+            <a:endParaRPr b="0" lang="en-US" sz="3200" spc="-1" strike="noStrike">
               <a:latin typeface="Arial"/>
             </a:endParaRPr>
           </a:p>
@@ -3642,7 +3642,7 @@
             <a:pPr algn="ctr">
               <a:buNone/>
             </a:pPr>
-            <a:endParaRPr b="0" lang="pt-BR" sz="4400" spc="-1" strike="noStrike">
+            <a:endParaRPr b="0" lang="en-US" sz="4400" spc="-1" strike="noStrike">
               <a:latin typeface="Arial"/>
             </a:endParaRPr>
           </a:p>
@@ -3676,7 +3676,7 @@
             <a:normAutofit/>
           </a:bodyPr>
           <a:p>
-            <a:endParaRPr b="0" lang="pt-BR" sz="3200" spc="-1" strike="noStrike">
+            <a:endParaRPr b="0" lang="en-US" sz="3200" spc="-1" strike="noStrike">
               <a:latin typeface="Arial"/>
             </a:endParaRPr>
           </a:p>
@@ -3710,7 +3710,7 @@
             <a:normAutofit/>
           </a:bodyPr>
           <a:p>
-            <a:endParaRPr b="0" lang="pt-BR" sz="3200" spc="-1" strike="noStrike">
+            <a:endParaRPr b="0" lang="en-US" sz="3200" spc="-1" strike="noStrike">
               <a:latin typeface="Arial"/>
             </a:endParaRPr>
           </a:p>
@@ -3744,7 +3744,7 @@
             <a:normAutofit/>
           </a:bodyPr>
           <a:p>
-            <a:endParaRPr b="0" lang="pt-BR" sz="3200" spc="-1" strike="noStrike">
+            <a:endParaRPr b="0" lang="en-US" sz="3200" spc="-1" strike="noStrike">
               <a:latin typeface="Arial"/>
             </a:endParaRPr>
           </a:p>
@@ -3778,7 +3778,7 @@
             <a:normAutofit/>
           </a:bodyPr>
           <a:p>
-            <a:endParaRPr b="0" lang="pt-BR" sz="3200" spc="-1" strike="noStrike">
+            <a:endParaRPr b="0" lang="en-US" sz="3200" spc="-1" strike="noStrike">
               <a:latin typeface="Arial"/>
             </a:endParaRPr>
           </a:p>
@@ -3812,7 +3812,7 @@
             <a:normAutofit/>
           </a:bodyPr>
           <a:p>
-            <a:endParaRPr b="0" lang="pt-BR" sz="3200" spc="-1" strike="noStrike">
+            <a:endParaRPr b="0" lang="en-US" sz="3200" spc="-1" strike="noStrike">
               <a:latin typeface="Arial"/>
             </a:endParaRPr>
           </a:p>
@@ -3846,7 +3846,7 @@
             <a:normAutofit/>
           </a:bodyPr>
           <a:p>
-            <a:endParaRPr b="0" lang="pt-BR" sz="3200" spc="-1" strike="noStrike">
+            <a:endParaRPr b="0" lang="en-US" sz="3200" spc="-1" strike="noStrike">
               <a:latin typeface="Arial"/>
             </a:endParaRPr>
           </a:p>
@@ -3905,7 +3905,7 @@
             <a:pPr algn="ctr">
               <a:buNone/>
             </a:pPr>
-            <a:endParaRPr b="0" lang="pt-BR" sz="4400" spc="-1" strike="noStrike">
+            <a:endParaRPr b="0" lang="en-US" sz="4400" spc="-1" strike="noStrike">
               <a:latin typeface="Arial"/>
             </a:endParaRPr>
           </a:p>
@@ -3939,7 +3939,7 @@
             <a:normAutofit/>
           </a:bodyPr>
           <a:p>
-            <a:endParaRPr b="0" lang="pt-BR" sz="3200" spc="-1" strike="noStrike">
+            <a:endParaRPr b="0" lang="en-US" sz="3200" spc="-1" strike="noStrike">
               <a:latin typeface="Arial"/>
             </a:endParaRPr>
           </a:p>
@@ -3998,7 +3998,7 @@
             <a:pPr algn="ctr">
               <a:buNone/>
             </a:pPr>
-            <a:endParaRPr b="0" lang="pt-BR" sz="4400" spc="-1" strike="noStrike">
+            <a:endParaRPr b="0" lang="en-US" sz="4400" spc="-1" strike="noStrike">
               <a:latin typeface="Arial"/>
             </a:endParaRPr>
           </a:p>
@@ -4032,7 +4032,7 @@
             <a:normAutofit/>
           </a:bodyPr>
           <a:p>
-            <a:endParaRPr b="0" lang="pt-BR" sz="3200" spc="-1" strike="noStrike">
+            <a:endParaRPr b="0" lang="en-US" sz="3200" spc="-1" strike="noStrike">
               <a:latin typeface="Arial"/>
             </a:endParaRPr>
           </a:p>
@@ -4066,7 +4066,7 @@
             <a:normAutofit/>
           </a:bodyPr>
           <a:p>
-            <a:endParaRPr b="0" lang="pt-BR" sz="3200" spc="-1" strike="noStrike">
+            <a:endParaRPr b="0" lang="en-US" sz="3200" spc="-1" strike="noStrike">
               <a:latin typeface="Arial"/>
             </a:endParaRPr>
           </a:p>
@@ -4125,7 +4125,7 @@
             <a:pPr algn="ctr">
               <a:buNone/>
             </a:pPr>
-            <a:endParaRPr b="0" lang="pt-BR" sz="4400" spc="-1" strike="noStrike">
+            <a:endParaRPr b="0" lang="en-US" sz="4400" spc="-1" strike="noStrike">
               <a:latin typeface="Arial"/>
             </a:endParaRPr>
           </a:p>
@@ -4184,7 +4184,7 @@
             <a:pPr algn="ctr">
               <a:buNone/>
             </a:pPr>
-            <a:endParaRPr b="0" lang="pt-BR" sz="3200" spc="-1" strike="noStrike">
+            <a:endParaRPr b="0" lang="en-US" sz="3200" spc="-1" strike="noStrike">
               <a:latin typeface="Arial"/>
             </a:endParaRPr>
           </a:p>
@@ -4243,7 +4243,7 @@
             <a:pPr algn="ctr">
               <a:buNone/>
             </a:pPr>
-            <a:endParaRPr b="0" lang="pt-BR" sz="4400" spc="-1" strike="noStrike">
+            <a:endParaRPr b="0" lang="en-US" sz="4400" spc="-1" strike="noStrike">
               <a:latin typeface="Arial"/>
             </a:endParaRPr>
           </a:p>
@@ -4277,7 +4277,7 @@
             <a:normAutofit/>
           </a:bodyPr>
           <a:p>
-            <a:endParaRPr b="0" lang="pt-BR" sz="3200" spc="-1" strike="noStrike">
+            <a:endParaRPr b="0" lang="en-US" sz="3200" spc="-1" strike="noStrike">
               <a:latin typeface="Arial"/>
             </a:endParaRPr>
           </a:p>
@@ -4311,7 +4311,7 @@
             <a:normAutofit/>
           </a:bodyPr>
           <a:p>
-            <a:endParaRPr b="0" lang="pt-BR" sz="3200" spc="-1" strike="noStrike">
+            <a:endParaRPr b="0" lang="en-US" sz="3200" spc="-1" strike="noStrike">
               <a:latin typeface="Arial"/>
             </a:endParaRPr>
           </a:p>
@@ -4345,7 +4345,7 @@
             <a:normAutofit/>
           </a:bodyPr>
           <a:p>
-            <a:endParaRPr b="0" lang="pt-BR" sz="3200" spc="-1" strike="noStrike">
+            <a:endParaRPr b="0" lang="en-US" sz="3200" spc="-1" strike="noStrike">
               <a:latin typeface="Arial"/>
             </a:endParaRPr>
           </a:p>
@@ -4404,7 +4404,7 @@
             <a:pPr algn="ctr">
               <a:buNone/>
             </a:pPr>
-            <a:endParaRPr b="0" lang="pt-BR" sz="4400" spc="-1" strike="noStrike">
+            <a:endParaRPr b="0" lang="en-US" sz="4400" spc="-1" strike="noStrike">
               <a:latin typeface="Arial"/>
             </a:endParaRPr>
           </a:p>
@@ -4438,7 +4438,7 @@
             <a:normAutofit/>
           </a:bodyPr>
           <a:p>
-            <a:endParaRPr b="0" lang="pt-BR" sz="3200" spc="-1" strike="noStrike">
+            <a:endParaRPr b="0" lang="en-US" sz="3200" spc="-1" strike="noStrike">
               <a:latin typeface="Arial"/>
             </a:endParaRPr>
           </a:p>
@@ -4472,7 +4472,7 @@
             <a:normAutofit/>
           </a:bodyPr>
           <a:p>
-            <a:endParaRPr b="0" lang="pt-BR" sz="3200" spc="-1" strike="noStrike">
+            <a:endParaRPr b="0" lang="en-US" sz="3200" spc="-1" strike="noStrike">
               <a:latin typeface="Arial"/>
             </a:endParaRPr>
           </a:p>
@@ -4506,7 +4506,7 @@
             <a:normAutofit/>
           </a:bodyPr>
           <a:p>
-            <a:endParaRPr b="0" lang="pt-BR" sz="3200" spc="-1" strike="noStrike">
+            <a:endParaRPr b="0" lang="en-US" sz="3200" spc="-1" strike="noStrike">
               <a:latin typeface="Arial"/>
             </a:endParaRPr>
           </a:p>
@@ -4565,7 +4565,7 @@
             <a:pPr algn="ctr">
               <a:buNone/>
             </a:pPr>
-            <a:endParaRPr b="0" lang="pt-BR" sz="4400" spc="-1" strike="noStrike">
+            <a:endParaRPr b="0" lang="en-US" sz="4400" spc="-1" strike="noStrike">
               <a:latin typeface="Arial"/>
             </a:endParaRPr>
           </a:p>
@@ -4599,7 +4599,7 @@
             <a:normAutofit/>
           </a:bodyPr>
           <a:p>
-            <a:endParaRPr b="0" lang="pt-BR" sz="3200" spc="-1" strike="noStrike">
+            <a:endParaRPr b="0" lang="en-US" sz="3200" spc="-1" strike="noStrike">
               <a:latin typeface="Arial"/>
             </a:endParaRPr>
           </a:p>
@@ -4633,7 +4633,7 @@
             <a:normAutofit/>
           </a:bodyPr>
           <a:p>
-            <a:endParaRPr b="0" lang="pt-BR" sz="3200" spc="-1" strike="noStrike">
+            <a:endParaRPr b="0" lang="en-US" sz="3200" spc="-1" strike="noStrike">
               <a:latin typeface="Arial"/>
             </a:endParaRPr>
           </a:p>
@@ -4667,7 +4667,7 @@
             <a:normAutofit/>
           </a:bodyPr>
           <a:p>
-            <a:endParaRPr b="0" lang="pt-BR" sz="3200" spc="-1" strike="noStrike">
+            <a:endParaRPr b="0" lang="en-US" sz="3200" spc="-1" strike="noStrike">
               <a:latin typeface="Arial"/>
             </a:endParaRPr>
           </a:p>
@@ -4711,7 +4711,7 @@
         <p:spPr>
           <a:xfrm>
             <a:off x="0" y="3150000"/>
-            <a:ext cx="9715680" cy="1255680"/>
+            <a:ext cx="9715320" cy="1255320"/>
           </a:xfrm>
           <a:prstGeom prst="rect">
             <a:avLst/>
@@ -4762,12 +4762,12 @@
               <a:buNone/>
             </a:pPr>
             <a:r>
-              <a:rPr b="0" lang="pt-BR" sz="4400" spc="-1" strike="noStrike">
+              <a:rPr b="0" lang="en-US" sz="4400" spc="-1" strike="noStrike">
                 <a:latin typeface="Arial"/>
               </a:rPr>
-              <a:t>Clique para editar o formato do texto do título</a:t>
+              <a:t>Click to edit the title text format</a:t>
             </a:r>
-            <a:endParaRPr b="0" lang="pt-BR" sz="4400" spc="-1" strike="noStrike">
+            <a:endParaRPr b="0" lang="en-US" sz="4400" spc="-1" strike="noStrike">
               <a:latin typeface="Arial"/>
             </a:endParaRPr>
           </a:p>
@@ -4813,12 +4813,12 @@
               <a:buChar char=""/>
             </a:pPr>
             <a:r>
-              <a:rPr b="0" lang="pt-BR" sz="3200" spc="-1" strike="noStrike">
+              <a:rPr b="0" lang="en-US" sz="3200" spc="-1" strike="noStrike">
                 <a:latin typeface="Arial"/>
               </a:rPr>
-              <a:t>Clique para editar o formato do texto da estrutura de tópicos</a:t>
+              <a:t>Click to edit the outline text format</a:t>
             </a:r>
-            <a:endParaRPr b="0" lang="pt-BR" sz="3200" spc="-1" strike="noStrike">
+            <a:endParaRPr b="0" lang="en-US" sz="3200" spc="-1" strike="noStrike">
               <a:latin typeface="Arial"/>
             </a:endParaRPr>
           </a:p>
@@ -4835,12 +4835,12 @@
               <a:buChar char=""/>
             </a:pPr>
             <a:r>
-              <a:rPr b="0" lang="pt-BR" sz="2800" spc="-1" strike="noStrike">
+              <a:rPr b="0" lang="en-US" sz="2800" spc="-1" strike="noStrike">
                 <a:latin typeface="Arial"/>
               </a:rPr>
-              <a:t>2.º nível da estrutura de tópicos</a:t>
+              <a:t>Second Outline Level</a:t>
             </a:r>
-            <a:endParaRPr b="0" lang="pt-BR" sz="2800" spc="-1" strike="noStrike">
+            <a:endParaRPr b="0" lang="en-US" sz="2800" spc="-1" strike="noStrike">
               <a:latin typeface="Arial"/>
             </a:endParaRPr>
           </a:p>
@@ -4857,12 +4857,12 @@
               <a:buChar char=""/>
             </a:pPr>
             <a:r>
-              <a:rPr b="0" lang="pt-BR" sz="2400" spc="-1" strike="noStrike">
+              <a:rPr b="0" lang="en-US" sz="2400" spc="-1" strike="noStrike">
                 <a:latin typeface="Arial"/>
               </a:rPr>
-              <a:t>3.º nível da estrutura de tópicos</a:t>
+              <a:t>Third Outline Level</a:t>
             </a:r>
-            <a:endParaRPr b="0" lang="pt-BR" sz="2400" spc="-1" strike="noStrike">
+            <a:endParaRPr b="0" lang="en-US" sz="2400" spc="-1" strike="noStrike">
               <a:latin typeface="Arial"/>
             </a:endParaRPr>
           </a:p>
@@ -4879,12 +4879,12 @@
               <a:buChar char=""/>
             </a:pPr>
             <a:r>
-              <a:rPr b="0" lang="pt-BR" sz="2000" spc="-1" strike="noStrike">
+              <a:rPr b="0" lang="en-US" sz="2000" spc="-1" strike="noStrike">
                 <a:latin typeface="Arial"/>
               </a:rPr>
-              <a:t>4.º nível da estrutura de tópicos</a:t>
+              <a:t>Fourth Outline Level</a:t>
             </a:r>
-            <a:endParaRPr b="0" lang="pt-BR" sz="2000" spc="-1" strike="noStrike">
+            <a:endParaRPr b="0" lang="en-US" sz="2000" spc="-1" strike="noStrike">
               <a:latin typeface="Arial"/>
             </a:endParaRPr>
           </a:p>
@@ -4901,12 +4901,12 @@
               <a:buChar char=""/>
             </a:pPr>
             <a:r>
-              <a:rPr b="0" lang="pt-BR" sz="2000" spc="-1" strike="noStrike">
+              <a:rPr b="0" lang="en-US" sz="2000" spc="-1" strike="noStrike">
                 <a:latin typeface="Arial"/>
               </a:rPr>
-              <a:t>5.º nível da estrutura de tópicos</a:t>
+              <a:t>Fifth Outline Level</a:t>
             </a:r>
-            <a:endParaRPr b="0" lang="pt-BR" sz="2000" spc="-1" strike="noStrike">
+            <a:endParaRPr b="0" lang="en-US" sz="2000" spc="-1" strike="noStrike">
               <a:latin typeface="Arial"/>
             </a:endParaRPr>
           </a:p>
@@ -4923,12 +4923,12 @@
               <a:buChar char=""/>
             </a:pPr>
             <a:r>
-              <a:rPr b="0" lang="pt-BR" sz="2000" spc="-1" strike="noStrike">
+              <a:rPr b="0" lang="en-US" sz="2000" spc="-1" strike="noStrike">
                 <a:latin typeface="Arial"/>
               </a:rPr>
-              <a:t>6.º nível da estrutura de tópicos</a:t>
+              <a:t>Sixth Outline Level</a:t>
             </a:r>
-            <a:endParaRPr b="0" lang="pt-BR" sz="2000" spc="-1" strike="noStrike">
+            <a:endParaRPr b="0" lang="en-US" sz="2000" spc="-1" strike="noStrike">
               <a:latin typeface="Arial"/>
             </a:endParaRPr>
           </a:p>
@@ -4945,12 +4945,12 @@
               <a:buChar char=""/>
             </a:pPr>
             <a:r>
-              <a:rPr b="0" lang="pt-BR" sz="2000" spc="-1" strike="noStrike">
+              <a:rPr b="0" lang="en-US" sz="2000" spc="-1" strike="noStrike">
                 <a:latin typeface="Arial"/>
               </a:rPr>
-              <a:t>7.º nível da estrutura de tópicos</a:t>
+              <a:t>Seventh Outline Level</a:t>
             </a:r>
-            <a:endParaRPr b="0" lang="pt-BR" sz="2000" spc="-1" strike="noStrike">
+            <a:endParaRPr b="0" lang="en-US" sz="2000" spc="-1" strike="noStrike">
               <a:latin typeface="Arial"/>
             </a:endParaRPr>
           </a:p>
@@ -5009,7 +5009,7 @@
         <p:spPr>
           <a:xfrm>
             <a:off x="0" y="180000"/>
-            <a:ext cx="9715680" cy="1255680"/>
+            <a:ext cx="9715320" cy="1255320"/>
           </a:xfrm>
           <a:prstGeom prst="rect">
             <a:avLst/>
@@ -5037,7 +5037,7 @@
         <p:spPr>
           <a:xfrm>
             <a:off x="7560000" y="6840000"/>
-            <a:ext cx="2515680" cy="535680"/>
+            <a:ext cx="2515320" cy="535320"/>
           </a:xfrm>
           <a:prstGeom prst="rect">
             <a:avLst/>
@@ -5065,7 +5065,7 @@
         <p:spPr>
           <a:xfrm>
             <a:off x="900000" y="6840000"/>
-            <a:ext cx="6475680" cy="535680"/>
+            <a:ext cx="6475320" cy="535320"/>
           </a:xfrm>
           <a:prstGeom prst="rect">
             <a:avLst/>
@@ -5093,7 +5093,7 @@
         <p:spPr>
           <a:xfrm>
             <a:off x="180000" y="6840000"/>
-            <a:ext cx="535680" cy="535680"/>
+            <a:ext cx="535320" cy="535320"/>
           </a:xfrm>
           <a:prstGeom prst="rect">
             <a:avLst/>
@@ -5142,12 +5142,12 @@
               <a:buNone/>
             </a:pPr>
             <a:r>
-              <a:rPr b="0" lang="pt-BR" sz="4400" spc="-1" strike="noStrike">
+              <a:rPr b="0" lang="en-US" sz="4400" spc="-1" strike="noStrike">
                 <a:latin typeface="Arial"/>
               </a:rPr>
-              <a:t>Clique para editar o formato do texto do título</a:t>
+              <a:t>Click to edit the title text format</a:t>
             </a:r>
-            <a:endParaRPr b="0" lang="pt-BR" sz="4400" spc="-1" strike="noStrike">
+            <a:endParaRPr b="0" lang="en-US" sz="4400" spc="-1" strike="noStrike">
               <a:latin typeface="Arial"/>
             </a:endParaRPr>
           </a:p>
@@ -5193,12 +5193,12 @@
               <a:buChar char=""/>
             </a:pPr>
             <a:r>
-              <a:rPr b="0" lang="pt-BR" sz="3200" spc="-1" strike="noStrike">
+              <a:rPr b="0" lang="en-US" sz="3200" spc="-1" strike="noStrike">
                 <a:latin typeface="Arial"/>
               </a:rPr>
-              <a:t>Clique para editar o formato do texto da estrutura de tópicos</a:t>
+              <a:t>Click to edit the outline text format</a:t>
             </a:r>
-            <a:endParaRPr b="0" lang="pt-BR" sz="3200" spc="-1" strike="noStrike">
+            <a:endParaRPr b="0" lang="en-US" sz="3200" spc="-1" strike="noStrike">
               <a:latin typeface="Arial"/>
             </a:endParaRPr>
           </a:p>
@@ -5215,12 +5215,12 @@
               <a:buChar char=""/>
             </a:pPr>
             <a:r>
-              <a:rPr b="0" lang="pt-BR" sz="2800" spc="-1" strike="noStrike">
+              <a:rPr b="0" lang="en-US" sz="2800" spc="-1" strike="noStrike">
                 <a:latin typeface="Arial"/>
               </a:rPr>
-              <a:t>2.º nível da estrutura de tópicos</a:t>
+              <a:t>Second Outline Level</a:t>
             </a:r>
-            <a:endParaRPr b="0" lang="pt-BR" sz="2800" spc="-1" strike="noStrike">
+            <a:endParaRPr b="0" lang="en-US" sz="2800" spc="-1" strike="noStrike">
               <a:latin typeface="Arial"/>
             </a:endParaRPr>
           </a:p>
@@ -5237,12 +5237,12 @@
               <a:buChar char=""/>
             </a:pPr>
             <a:r>
-              <a:rPr b="0" lang="pt-BR" sz="2400" spc="-1" strike="noStrike">
+              <a:rPr b="0" lang="en-US" sz="2400" spc="-1" strike="noStrike">
                 <a:latin typeface="Arial"/>
               </a:rPr>
-              <a:t>3.º nível da estrutura de tópicos</a:t>
+              <a:t>Third Outline Level</a:t>
             </a:r>
-            <a:endParaRPr b="0" lang="pt-BR" sz="2400" spc="-1" strike="noStrike">
+            <a:endParaRPr b="0" lang="en-US" sz="2400" spc="-1" strike="noStrike">
               <a:latin typeface="Arial"/>
             </a:endParaRPr>
           </a:p>
@@ -5259,12 +5259,12 @@
               <a:buChar char=""/>
             </a:pPr>
             <a:r>
-              <a:rPr b="0" lang="pt-BR" sz="2000" spc="-1" strike="noStrike">
+              <a:rPr b="0" lang="en-US" sz="2000" spc="-1" strike="noStrike">
                 <a:latin typeface="Arial"/>
               </a:rPr>
-              <a:t>4.º nível da estrutura de tópicos</a:t>
+              <a:t>Fourth Outline Level</a:t>
             </a:r>
-            <a:endParaRPr b="0" lang="pt-BR" sz="2000" spc="-1" strike="noStrike">
+            <a:endParaRPr b="0" lang="en-US" sz="2000" spc="-1" strike="noStrike">
               <a:latin typeface="Arial"/>
             </a:endParaRPr>
           </a:p>
@@ -5281,12 +5281,12 @@
               <a:buChar char=""/>
             </a:pPr>
             <a:r>
-              <a:rPr b="0" lang="pt-BR" sz="2000" spc="-1" strike="noStrike">
+              <a:rPr b="0" lang="en-US" sz="2000" spc="-1" strike="noStrike">
                 <a:latin typeface="Arial"/>
               </a:rPr>
-              <a:t>5.º nível da estrutura de tópicos</a:t>
+              <a:t>Fifth Outline Level</a:t>
             </a:r>
-            <a:endParaRPr b="0" lang="pt-BR" sz="2000" spc="-1" strike="noStrike">
+            <a:endParaRPr b="0" lang="en-US" sz="2000" spc="-1" strike="noStrike">
               <a:latin typeface="Arial"/>
             </a:endParaRPr>
           </a:p>
@@ -5303,12 +5303,12 @@
               <a:buChar char=""/>
             </a:pPr>
             <a:r>
-              <a:rPr b="0" lang="pt-BR" sz="2000" spc="-1" strike="noStrike">
+              <a:rPr b="0" lang="en-US" sz="2000" spc="-1" strike="noStrike">
                 <a:latin typeface="Arial"/>
               </a:rPr>
-              <a:t>6.º nível da estrutura de tópicos</a:t>
+              <a:t>Sixth Outline Level</a:t>
             </a:r>
-            <a:endParaRPr b="0" lang="pt-BR" sz="2000" spc="-1" strike="noStrike">
+            <a:endParaRPr b="0" lang="en-US" sz="2000" spc="-1" strike="noStrike">
               <a:latin typeface="Arial"/>
             </a:endParaRPr>
           </a:p>
@@ -5325,12 +5325,12 @@
               <a:buChar char=""/>
             </a:pPr>
             <a:r>
-              <a:rPr b="0" lang="pt-BR" sz="2000" spc="-1" strike="noStrike">
+              <a:rPr b="0" lang="en-US" sz="2000" spc="-1" strike="noStrike">
                 <a:latin typeface="Arial"/>
               </a:rPr>
-              <a:t>7.º nível da estrutura de tópicos</a:t>
+              <a:t>Seventh Outline Level</a:t>
             </a:r>
-            <a:endParaRPr b="0" lang="pt-BR" sz="2000" spc="-1" strike="noStrike">
+            <a:endParaRPr b="0" lang="en-US" sz="2000" spc="-1" strike="noStrike">
               <a:latin typeface="Arial"/>
             </a:endParaRPr>
           </a:p>
@@ -5382,7 +5382,7 @@
         <p:spPr>
           <a:xfrm>
             <a:off x="360000" y="3330000"/>
-            <a:ext cx="9355680" cy="895680"/>
+            <a:ext cx="9355320" cy="895320"/>
           </a:xfrm>
           <a:prstGeom prst="rect">
             <a:avLst/>
@@ -5419,7 +5419,7 @@
               </a:rPr>
               <a:t>Lecture 02 - Image Filtering</a:t>
             </a:r>
-            <a:endParaRPr b="0" lang="pt-BR" sz="3200" spc="-1" strike="noStrike">
+            <a:endParaRPr b="0" lang="en-US" sz="3200" spc="-1" strike="noStrike">
               <a:latin typeface="Arial"/>
             </a:endParaRPr>
           </a:p>
@@ -5434,7 +5434,7 @@
         <p:spPr>
           <a:xfrm>
             <a:off x="540000" y="4680000"/>
-            <a:ext cx="9175680" cy="2515680"/>
+            <a:ext cx="9175320" cy="2515320"/>
           </a:xfrm>
           <a:prstGeom prst="rect">
             <a:avLst/>
@@ -5471,7 +5471,7 @@
               </a:rPr>
               <a:t>Prof. André Gustavo Hochuli</a:t>
             </a:r>
-            <a:endParaRPr b="0" lang="pt-BR" sz="2200" spc="-1" strike="noStrike">
+            <a:endParaRPr b="0" lang="en-US" sz="2200" spc="-1" strike="noStrike">
               <a:latin typeface="Arial"/>
             </a:endParaRPr>
           </a:p>
@@ -5482,7 +5482,7 @@
               </a:lnSpc>
               <a:buNone/>
             </a:pPr>
-            <a:endParaRPr b="0" lang="pt-BR" sz="2200" spc="-1" strike="noStrike">
+            <a:endParaRPr b="0" lang="en-US" sz="2200" spc="-1" strike="noStrike">
               <a:latin typeface="Arial"/>
             </a:endParaRPr>
           </a:p>
@@ -5505,7 +5505,7 @@
               </a:rPr>
               <a:t>gustavo.hochuli@pucpr.br</a:t>
             </a:r>
-            <a:endParaRPr b="0" lang="pt-BR" sz="2200" spc="-1" strike="noStrike">
+            <a:endParaRPr b="0" lang="en-US" sz="2200" spc="-1" strike="noStrike">
               <a:latin typeface="Arial"/>
             </a:endParaRPr>
           </a:p>
@@ -5528,7 +5528,7 @@
               </a:rPr>
               <a:t>aghochuli@ppgia.pucpr.br</a:t>
             </a:r>
-            <a:endParaRPr b="0" lang="pt-BR" sz="2200" spc="-1" strike="noStrike">
+            <a:endParaRPr b="0" lang="en-US" sz="2200" spc="-1" strike="noStrike">
               <a:latin typeface="Arial"/>
             </a:endParaRPr>
           </a:p>
@@ -5539,7 +5539,7 @@
               </a:lnSpc>
               <a:buNone/>
             </a:pPr>
-            <a:endParaRPr b="0" lang="pt-BR" sz="2200" spc="-1" strike="noStrike">
+            <a:endParaRPr b="0" lang="en-US" sz="2200" spc="-1" strike="noStrike">
               <a:latin typeface="Arial"/>
             </a:endParaRPr>
           </a:p>
@@ -5550,7 +5550,7 @@
               </a:lnSpc>
               <a:buNone/>
             </a:pPr>
-            <a:endParaRPr b="0" lang="pt-BR" sz="2200" spc="-1" strike="noStrike">
+            <a:endParaRPr b="0" lang="en-US" sz="2200" spc="-1" strike="noStrike">
               <a:latin typeface="Arial"/>
             </a:endParaRPr>
           </a:p>
@@ -5561,7 +5561,7 @@
               </a:lnSpc>
               <a:buNone/>
             </a:pPr>
-            <a:endParaRPr b="0" lang="pt-BR" sz="2200" spc="-1" strike="noStrike">
+            <a:endParaRPr b="0" lang="en-US" sz="2200" spc="-1" strike="noStrike">
               <a:latin typeface="Arial"/>
             </a:endParaRPr>
           </a:p>
@@ -5572,7 +5572,7 @@
               </a:lnSpc>
               <a:buNone/>
             </a:pPr>
-            <a:endParaRPr b="0" lang="pt-BR" sz="2200" spc="-1" strike="noStrike">
+            <a:endParaRPr b="0" lang="en-US" sz="2200" spc="-1" strike="noStrike">
               <a:latin typeface="Arial"/>
             </a:endParaRPr>
           </a:p>
@@ -5583,7 +5583,7 @@
               </a:lnSpc>
               <a:buNone/>
             </a:pPr>
-            <a:endParaRPr b="0" lang="pt-BR" sz="2200" spc="-1" strike="noStrike">
+            <a:endParaRPr b="0" lang="en-US" sz="2200" spc="-1" strike="noStrike">
               <a:latin typeface="Arial"/>
             </a:endParaRPr>
           </a:p>
@@ -5594,7 +5594,7 @@
               </a:lnSpc>
               <a:buNone/>
             </a:pPr>
-            <a:endParaRPr b="0" lang="pt-BR" sz="2200" spc="-1" strike="noStrike">
+            <a:endParaRPr b="0" lang="en-US" sz="2200" spc="-1" strike="noStrike">
               <a:latin typeface="Arial"/>
             </a:endParaRPr>
           </a:p>
@@ -5639,7 +5639,7 @@
         <p:spPr>
           <a:xfrm>
             <a:off x="360000" y="360000"/>
-            <a:ext cx="9355680" cy="895680"/>
+            <a:ext cx="9355320" cy="895320"/>
           </a:xfrm>
           <a:prstGeom prst="rect">
             <a:avLst/>
@@ -5676,7 +5676,7 @@
               </a:rPr>
               <a:t>Practice</a:t>
             </a:r>
-            <a:endParaRPr b="0" lang="pt-BR" sz="3200" spc="-1" strike="noStrike">
+            <a:endParaRPr b="0" lang="en-US" sz="3200" spc="-1" strike="noStrike">
               <a:latin typeface="Arial"/>
             </a:endParaRPr>
           </a:p>
@@ -5691,7 +5691,7 @@
         <p:spPr>
           <a:xfrm>
             <a:off x="540000" y="1980000"/>
-            <a:ext cx="9175680" cy="4675680"/>
+            <a:ext cx="9175320" cy="4675320"/>
           </a:xfrm>
           <a:prstGeom prst="rect">
             <a:avLst/>
@@ -5730,7 +5730,7 @@
               </a:rPr>
               <a:t>Link: Practice 02</a:t>
             </a:r>
-            <a:endParaRPr b="0" lang="pt-BR" sz="2800" spc="-1" strike="noStrike">
+            <a:endParaRPr b="0" lang="en-US" sz="2800" spc="-1" strike="noStrike">
               <a:latin typeface="Arial"/>
             </a:endParaRPr>
           </a:p>
@@ -5741,7 +5741,7 @@
               </a:lnSpc>
               <a:buNone/>
             </a:pPr>
-            <a:endParaRPr b="0" lang="pt-BR" sz="2800" spc="-1" strike="noStrike">
+            <a:endParaRPr b="0" lang="en-US" sz="2800" spc="-1" strike="noStrike">
               <a:latin typeface="Arial"/>
             </a:endParaRPr>
           </a:p>
@@ -5752,7 +5752,7 @@
               </a:lnSpc>
               <a:buNone/>
             </a:pPr>
-            <a:endParaRPr b="0" lang="pt-BR" sz="2800" spc="-1" strike="noStrike">
+            <a:endParaRPr b="0" lang="en-US" sz="2800" spc="-1" strike="noStrike">
               <a:latin typeface="Arial"/>
             </a:endParaRPr>
           </a:p>
@@ -5767,7 +5767,7 @@
         <p:spPr>
           <a:xfrm>
             <a:off x="897120" y="6886080"/>
-            <a:ext cx="6442920" cy="360720"/>
+            <a:ext cx="6442560" cy="360360"/>
           </a:xfrm>
           <a:prstGeom prst="rect">
             <a:avLst/>
@@ -5804,7 +5804,7 @@
               </a:rPr>
               <a:t>Computer Vision - Prof. André Hochuli</a:t>
             </a:r>
-            <a:endParaRPr b="0" lang="pt-BR" sz="1800" spc="-1" strike="noStrike">
+            <a:endParaRPr b="0" lang="en-US" sz="1800" spc="-1" strike="noStrike">
               <a:latin typeface="Arial"/>
             </a:endParaRPr>
           </a:p>
@@ -5819,7 +5819,7 @@
         <p:spPr>
           <a:xfrm>
             <a:off x="7608600" y="6886080"/>
-            <a:ext cx="2280960" cy="360720"/>
+            <a:ext cx="2280600" cy="360360"/>
           </a:xfrm>
           <a:prstGeom prst="rect">
             <a:avLst/>
@@ -5856,7 +5856,7 @@
               </a:rPr>
               <a:t>Lecture 02</a:t>
             </a:r>
-            <a:endParaRPr b="0" lang="pt-BR" sz="1800" spc="-1" strike="noStrike">
+            <a:endParaRPr b="0" lang="en-US" sz="1800" spc="-1" strike="noStrike">
               <a:latin typeface="Arial"/>
             </a:endParaRPr>
           </a:p>
@@ -5901,7 +5901,7 @@
         <p:spPr>
           <a:xfrm>
             <a:off x="360000" y="360000"/>
-            <a:ext cx="9355680" cy="895680"/>
+            <a:ext cx="9355320" cy="895320"/>
           </a:xfrm>
           <a:prstGeom prst="rect">
             <a:avLst/>
@@ -5938,7 +5938,7 @@
               </a:rPr>
               <a:t>Topics</a:t>
             </a:r>
-            <a:endParaRPr b="0" lang="pt-BR" sz="3200" spc="-1" strike="noStrike">
+            <a:endParaRPr b="0" lang="en-US" sz="3200" spc="-1" strike="noStrike">
               <a:latin typeface="Arial"/>
             </a:endParaRPr>
           </a:p>
@@ -5953,7 +5953,7 @@
         <p:spPr>
           <a:xfrm>
             <a:off x="897120" y="6886080"/>
-            <a:ext cx="6442920" cy="360720"/>
+            <a:ext cx="6442560" cy="360360"/>
           </a:xfrm>
           <a:prstGeom prst="rect">
             <a:avLst/>
@@ -5990,7 +5990,7 @@
               </a:rPr>
               <a:t>Computer Vision - Prof. André Hochuli</a:t>
             </a:r>
-            <a:endParaRPr b="0" lang="pt-BR" sz="1800" spc="-1" strike="noStrike">
+            <a:endParaRPr b="0" lang="en-US" sz="1800" spc="-1" strike="noStrike">
               <a:latin typeface="Arial"/>
             </a:endParaRPr>
           </a:p>
@@ -6005,7 +6005,7 @@
         <p:spPr>
           <a:xfrm>
             <a:off x="7608600" y="6886080"/>
-            <a:ext cx="2280960" cy="360720"/>
+            <a:ext cx="2280600" cy="360360"/>
           </a:xfrm>
           <a:prstGeom prst="rect">
             <a:avLst/>
@@ -6042,7 +6042,7 @@
               </a:rPr>
               <a:t>Lecture 02</a:t>
             </a:r>
-            <a:endParaRPr b="0" lang="pt-BR" sz="1800" spc="-1" strike="noStrike">
+            <a:endParaRPr b="0" lang="en-US" sz="1800" spc="-1" strike="noStrike">
               <a:latin typeface="Arial"/>
             </a:endParaRPr>
           </a:p>
@@ -6057,7 +6057,7 @@
         <p:spPr>
           <a:xfrm>
             <a:off x="360000" y="1980000"/>
-            <a:ext cx="9175680" cy="4675680"/>
+            <a:ext cx="9175320" cy="4675320"/>
           </a:xfrm>
           <a:prstGeom prst="rect">
             <a:avLst/>
@@ -6102,7 +6102,7 @@
               </a:rPr>
               <a:t>Discussion of Practice 01</a:t>
             </a:r>
-            <a:endParaRPr b="0" lang="pt-BR" sz="2000" spc="-1" strike="noStrike">
+            <a:endParaRPr b="0" lang="en-US" sz="2000" spc="-1" strike="noStrike">
               <a:latin typeface="Arial"/>
             </a:endParaRPr>
           </a:p>
@@ -6131,7 +6131,7 @@
               </a:rPr>
               <a:t>Image Filtering</a:t>
             </a:r>
-            <a:endParaRPr b="0" lang="pt-BR" sz="2000" spc="-1" strike="noStrike">
+            <a:endParaRPr b="0" lang="en-US" sz="2000" spc="-1" strike="noStrike">
               <a:latin typeface="Arial"/>
             </a:endParaRPr>
           </a:p>
@@ -6160,7 +6160,7 @@
               </a:rPr>
               <a:t>Convolution</a:t>
             </a:r>
-            <a:endParaRPr b="0" lang="pt-BR" sz="2000" spc="-1" strike="noStrike">
+            <a:endParaRPr b="0" lang="en-US" sz="2000" spc="-1" strike="noStrike">
               <a:latin typeface="Arial"/>
             </a:endParaRPr>
           </a:p>
@@ -6189,7 +6189,7 @@
               </a:rPr>
               <a:t>Mean, Median, Gaussian Filters</a:t>
             </a:r>
-            <a:endParaRPr b="0" lang="pt-BR" sz="2000" spc="-1" strike="noStrike">
+            <a:endParaRPr b="0" lang="en-US" sz="2000" spc="-1" strike="noStrike">
               <a:latin typeface="Arial"/>
             </a:endParaRPr>
           </a:p>
@@ -6218,7 +6218,7 @@
               </a:rPr>
               <a:t>Practice</a:t>
             </a:r>
-            <a:endParaRPr b="0" lang="pt-BR" sz="2000" spc="-1" strike="noStrike">
+            <a:endParaRPr b="0" lang="en-US" sz="2000" spc="-1" strike="noStrike">
               <a:latin typeface="Arial"/>
             </a:endParaRPr>
           </a:p>
@@ -6237,7 +6237,7 @@
         <p:spPr>
           <a:xfrm>
             <a:off x="2340000" y="4195080"/>
-            <a:ext cx="6219720" cy="2104560"/>
+            <a:ext cx="6219360" cy="2104200"/>
           </a:xfrm>
           <a:prstGeom prst="rect">
             <a:avLst/>
@@ -6286,7 +6286,7 @@
         <p:spPr>
           <a:xfrm>
             <a:off x="360000" y="360000"/>
-            <a:ext cx="9355680" cy="895680"/>
+            <a:ext cx="9355320" cy="895320"/>
           </a:xfrm>
           <a:prstGeom prst="rect">
             <a:avLst/>
@@ -6323,7 +6323,7 @@
               </a:rPr>
               <a:t>Image Filtering</a:t>
             </a:r>
-            <a:endParaRPr b="0" lang="pt-BR" sz="3200" spc="-1" strike="noStrike">
+            <a:endParaRPr b="0" lang="en-US" sz="3200" spc="-1" strike="noStrike">
               <a:latin typeface="Arial"/>
             </a:endParaRPr>
           </a:p>
@@ -6338,7 +6338,7 @@
         <p:spPr>
           <a:xfrm>
             <a:off x="540000" y="1980000"/>
-            <a:ext cx="9175680" cy="4675680"/>
+            <a:ext cx="9175320" cy="4675320"/>
           </a:xfrm>
           <a:prstGeom prst="rect">
             <a:avLst/>
@@ -6383,7 +6383,7 @@
               </a:rPr>
               <a:t>Image Enhacement</a:t>
             </a:r>
-            <a:endParaRPr b="0" lang="pt-BR" sz="2800" spc="-1" strike="noStrike">
+            <a:endParaRPr b="0" lang="en-US" sz="2800" spc="-1" strike="noStrike">
               <a:latin typeface="Arial"/>
             </a:endParaRPr>
           </a:p>
@@ -6412,7 +6412,7 @@
               </a:rPr>
               <a:t>Noise Reduction</a:t>
             </a:r>
-            <a:endParaRPr b="0" lang="pt-BR" sz="2800" spc="-1" strike="noStrike">
+            <a:endParaRPr b="0" lang="en-US" sz="2800" spc="-1" strike="noStrike">
               <a:latin typeface="Arial"/>
             </a:endParaRPr>
           </a:p>
@@ -6441,7 +6441,7 @@
               </a:rPr>
               <a:t>Mathematical Operations</a:t>
             </a:r>
-            <a:endParaRPr b="0" lang="pt-BR" sz="2800" spc="-1" strike="noStrike">
+            <a:endParaRPr b="0" lang="en-US" sz="2800" spc="-1" strike="noStrike">
               <a:latin typeface="Arial"/>
             </a:endParaRPr>
           </a:p>
@@ -6455,7 +6455,7 @@
               </a:spcAft>
               <a:buNone/>
             </a:pPr>
-            <a:endParaRPr b="0" lang="pt-BR" sz="1600" spc="-1" strike="noStrike">
+            <a:endParaRPr b="0" lang="en-US" sz="1600" spc="-1" strike="noStrike">
               <a:latin typeface="Arial"/>
             </a:endParaRPr>
           </a:p>
@@ -6470,7 +6470,7 @@
         <p:spPr>
           <a:xfrm>
             <a:off x="897120" y="6886080"/>
-            <a:ext cx="6442920" cy="360720"/>
+            <a:ext cx="6442560" cy="360360"/>
           </a:xfrm>
           <a:prstGeom prst="rect">
             <a:avLst/>
@@ -6507,7 +6507,7 @@
               </a:rPr>
               <a:t>Computer Vision - Prof. André Hochuli</a:t>
             </a:r>
-            <a:endParaRPr b="0" lang="pt-BR" sz="1800" spc="-1" strike="noStrike">
+            <a:endParaRPr b="0" lang="en-US" sz="1800" spc="-1" strike="noStrike">
               <a:latin typeface="Arial"/>
             </a:endParaRPr>
           </a:p>
@@ -6522,7 +6522,7 @@
         <p:spPr>
           <a:xfrm>
             <a:off x="7608600" y="6886080"/>
-            <a:ext cx="2280960" cy="360720"/>
+            <a:ext cx="2280600" cy="360360"/>
           </a:xfrm>
           <a:prstGeom prst="rect">
             <a:avLst/>
@@ -6559,7 +6559,7 @@
               </a:rPr>
               <a:t>Lecture 02</a:t>
             </a:r>
-            <a:endParaRPr b="0" lang="pt-BR" sz="1800" spc="-1" strike="noStrike">
+            <a:endParaRPr b="0" lang="en-US" sz="1800" spc="-1" strike="noStrike">
               <a:latin typeface="Arial"/>
             </a:endParaRPr>
           </a:p>
@@ -6578,7 +6578,7 @@
         <p:spPr>
           <a:xfrm>
             <a:off x="1918080" y="3503880"/>
-            <a:ext cx="6761880" cy="2618640"/>
+            <a:ext cx="6761520" cy="2618280"/>
           </a:xfrm>
           <a:prstGeom prst="rect">
             <a:avLst/>
@@ -6627,7 +6627,7 @@
         <p:spPr>
           <a:xfrm>
             <a:off x="360000" y="360000"/>
-            <a:ext cx="9355680" cy="895680"/>
+            <a:ext cx="9355320" cy="895320"/>
           </a:xfrm>
           <a:prstGeom prst="rect">
             <a:avLst/>
@@ -6664,7 +6664,7 @@
               </a:rPr>
               <a:t>Convolution</a:t>
             </a:r>
-            <a:endParaRPr b="0" lang="pt-BR" sz="3200" spc="-1" strike="noStrike">
+            <a:endParaRPr b="0" lang="en-US" sz="3200" spc="-1" strike="noStrike">
               <a:latin typeface="Arial"/>
             </a:endParaRPr>
           </a:p>
@@ -6679,7 +6679,7 @@
         <p:spPr>
           <a:xfrm>
             <a:off x="540000" y="1980000"/>
-            <a:ext cx="9175680" cy="4675680"/>
+            <a:ext cx="9175320" cy="4675320"/>
           </a:xfrm>
           <a:prstGeom prst="rect">
             <a:avLst/>
@@ -6724,7 +6724,7 @@
               </a:rPr>
               <a:t>Slides a kernel (a.k.a convolution filter) in the entire image</a:t>
             </a:r>
-            <a:endParaRPr b="0" lang="pt-BR" sz="2800" spc="-1" strike="noStrike">
+            <a:endParaRPr b="0" lang="en-US" sz="2800" spc="-1" strike="noStrike">
               <a:latin typeface="Arial"/>
             </a:endParaRPr>
           </a:p>
@@ -6763,7 +6763,7 @@
               </a:rPr>
               <a:t>.</a:t>
             </a:r>
-            <a:endParaRPr b="0" lang="pt-BR" sz="1600" spc="-1" strike="noStrike">
+            <a:endParaRPr b="0" lang="en-US" sz="1600" spc="-1" strike="noStrike">
               <a:latin typeface="Arial"/>
             </a:endParaRPr>
           </a:p>
@@ -6778,7 +6778,7 @@
         <p:spPr>
           <a:xfrm>
             <a:off x="897120" y="6886080"/>
-            <a:ext cx="6442920" cy="360720"/>
+            <a:ext cx="6442560" cy="360360"/>
           </a:xfrm>
           <a:prstGeom prst="rect">
             <a:avLst/>
@@ -6815,7 +6815,7 @@
               </a:rPr>
               <a:t>Computer Vision - Prof. André Hochuli</a:t>
             </a:r>
-            <a:endParaRPr b="0" lang="pt-BR" sz="1800" spc="-1" strike="noStrike">
+            <a:endParaRPr b="0" lang="en-US" sz="1800" spc="-1" strike="noStrike">
               <a:latin typeface="Arial"/>
             </a:endParaRPr>
           </a:p>
@@ -6830,7 +6830,7 @@
         <p:spPr>
           <a:xfrm>
             <a:off x="7608600" y="6886080"/>
-            <a:ext cx="2280960" cy="360720"/>
+            <a:ext cx="2280600" cy="360360"/>
           </a:xfrm>
           <a:prstGeom prst="rect">
             <a:avLst/>
@@ -6867,7 +6867,7 @@
               </a:rPr>
               <a:t>Lecture 02</a:t>
             </a:r>
-            <a:endParaRPr b="0" lang="pt-BR" sz="1800" spc="-1" strike="noStrike">
+            <a:endParaRPr b="0" lang="en-US" sz="1800" spc="-1" strike="noStrike">
               <a:latin typeface="Arial"/>
             </a:endParaRPr>
           </a:p>
@@ -6886,7 +6886,7 @@
         <p:spPr>
           <a:xfrm>
             <a:off x="2134440" y="1828080"/>
-            <a:ext cx="5807160" cy="5817960"/>
+            <a:ext cx="5806800" cy="5817600"/>
           </a:xfrm>
           <a:prstGeom prst="rect">
             <a:avLst/>
@@ -6935,7 +6935,7 @@
         <p:spPr>
           <a:xfrm>
             <a:off x="360000" y="360000"/>
-            <a:ext cx="9355680" cy="895680"/>
+            <a:ext cx="9355320" cy="895320"/>
           </a:xfrm>
           <a:prstGeom prst="rect">
             <a:avLst/>
@@ -6972,7 +6972,7 @@
               </a:rPr>
               <a:t>Mean Filter</a:t>
             </a:r>
-            <a:endParaRPr b="0" lang="pt-BR" sz="3200" spc="-1" strike="noStrike">
+            <a:endParaRPr b="0" lang="en-US" sz="3200" spc="-1" strike="noStrike">
               <a:latin typeface="Arial"/>
             </a:endParaRPr>
           </a:p>
@@ -6987,7 +6987,7 @@
         <p:spPr>
           <a:xfrm>
             <a:off x="540000" y="1980000"/>
-            <a:ext cx="9175680" cy="4675680"/>
+            <a:ext cx="9175320" cy="4675320"/>
           </a:xfrm>
           <a:prstGeom prst="rect">
             <a:avLst/>
@@ -7028,7 +7028,7 @@
               </a:rPr>
               <a:t>Replaces the center pixel with the mean of its neighborhood</a:t>
             </a:r>
-            <a:endParaRPr b="0" lang="pt-BR" sz="2400" spc="-1" strike="noStrike">
+            <a:endParaRPr b="0" lang="en-US" sz="2400" spc="-1" strike="noStrike">
               <a:latin typeface="Arial"/>
             </a:endParaRPr>
           </a:p>
@@ -7053,7 +7053,7 @@
               </a:rPr>
               <a:t>Spreads the outlier value to its neighbors</a:t>
             </a:r>
-            <a:endParaRPr b="0" lang="pt-BR" sz="2400" spc="-1" strike="noStrike">
+            <a:endParaRPr b="0" lang="en-US" sz="2400" spc="-1" strike="noStrike">
               <a:latin typeface="Arial"/>
             </a:endParaRPr>
           </a:p>
@@ -7078,7 +7078,7 @@
               </a:rPr>
               <a:t>Details are smoothed</a:t>
             </a:r>
-            <a:endParaRPr b="0" lang="pt-BR" sz="2400" spc="-1" strike="noStrike">
+            <a:endParaRPr b="0" lang="en-US" sz="2400" spc="-1" strike="noStrike">
               <a:latin typeface="Arial"/>
             </a:endParaRPr>
           </a:p>
@@ -7089,7 +7089,7 @@
               </a:lnSpc>
               <a:buNone/>
             </a:pPr>
-            <a:endParaRPr b="0" lang="pt-BR" sz="2800" spc="-1" strike="noStrike">
+            <a:endParaRPr b="0" lang="en-US" sz="2800" spc="-1" strike="noStrike">
               <a:latin typeface="Arial"/>
             </a:endParaRPr>
           </a:p>
@@ -7100,7 +7100,7 @@
               </a:lnSpc>
               <a:buNone/>
             </a:pPr>
-            <a:endParaRPr b="0" lang="pt-BR" sz="2800" spc="-1" strike="noStrike">
+            <a:endParaRPr b="0" lang="en-US" sz="2800" spc="-1" strike="noStrike">
               <a:latin typeface="Arial"/>
             </a:endParaRPr>
           </a:p>
@@ -7115,7 +7115,7 @@
         <p:spPr>
           <a:xfrm>
             <a:off x="897120" y="6886080"/>
-            <a:ext cx="6442920" cy="360720"/>
+            <a:ext cx="6442560" cy="360360"/>
           </a:xfrm>
           <a:prstGeom prst="rect">
             <a:avLst/>
@@ -7152,7 +7152,7 @@
               </a:rPr>
               <a:t>Computer Vision - Prof. André Hochuli</a:t>
             </a:r>
-            <a:endParaRPr b="0" lang="pt-BR" sz="1800" spc="-1" strike="noStrike">
+            <a:endParaRPr b="0" lang="en-US" sz="1800" spc="-1" strike="noStrike">
               <a:latin typeface="Arial"/>
             </a:endParaRPr>
           </a:p>
@@ -7167,7 +7167,7 @@
         <p:spPr>
           <a:xfrm>
             <a:off x="7608600" y="6886080"/>
-            <a:ext cx="2280960" cy="360720"/>
+            <a:ext cx="2280600" cy="360360"/>
           </a:xfrm>
           <a:prstGeom prst="rect">
             <a:avLst/>
@@ -7204,7 +7204,7 @@
               </a:rPr>
               <a:t>Lecture 02</a:t>
             </a:r>
-            <a:endParaRPr b="0" lang="pt-BR" sz="1800" spc="-1" strike="noStrike">
+            <a:endParaRPr b="0" lang="en-US" sz="1800" spc="-1" strike="noStrike">
               <a:latin typeface="Arial"/>
             </a:endParaRPr>
           </a:p>
@@ -7223,7 +7223,7 @@
         <p:spPr>
           <a:xfrm>
             <a:off x="727560" y="3055680"/>
-            <a:ext cx="6782040" cy="3371760"/>
+            <a:ext cx="6781680" cy="3371400"/>
           </a:xfrm>
           <a:prstGeom prst="rect">
             <a:avLst/>
@@ -7272,7 +7272,7 @@
         <p:spPr>
           <a:xfrm>
             <a:off x="360000" y="360000"/>
-            <a:ext cx="9355680" cy="895680"/>
+            <a:ext cx="9355320" cy="895320"/>
           </a:xfrm>
           <a:prstGeom prst="rect">
             <a:avLst/>
@@ -7309,7 +7309,7 @@
               </a:rPr>
               <a:t>Median Filter</a:t>
             </a:r>
-            <a:endParaRPr b="0" lang="pt-BR" sz="3200" spc="-1" strike="noStrike">
+            <a:endParaRPr b="0" lang="en-US" sz="3200" spc="-1" strike="noStrike">
               <a:latin typeface="Arial"/>
             </a:endParaRPr>
           </a:p>
@@ -7324,7 +7324,7 @@
         <p:spPr>
           <a:xfrm>
             <a:off x="540000" y="1980000"/>
-            <a:ext cx="9175680" cy="4675680"/>
+            <a:ext cx="9175320" cy="4675320"/>
           </a:xfrm>
           <a:prstGeom prst="rect">
             <a:avLst/>
@@ -7365,7 +7365,7 @@
               </a:rPr>
               <a:t>Replaces the center pixel with by a median of its neighborhood</a:t>
             </a:r>
-            <a:endParaRPr b="0" lang="pt-BR" sz="2400" spc="-1" strike="noStrike">
+            <a:endParaRPr b="0" lang="en-US" sz="2400" spc="-1" strike="noStrike">
               <a:latin typeface="Arial"/>
             </a:endParaRPr>
           </a:p>
@@ -7390,7 +7390,7 @@
               </a:rPr>
               <a:t>Preserves more details when compared to the mean filter</a:t>
             </a:r>
-            <a:endParaRPr b="0" lang="pt-BR" sz="2400" spc="-1" strike="noStrike">
+            <a:endParaRPr b="0" lang="en-US" sz="2400" spc="-1" strike="noStrike">
               <a:latin typeface="Arial"/>
             </a:endParaRPr>
           </a:p>
@@ -7401,7 +7401,7 @@
               </a:lnSpc>
               <a:buNone/>
             </a:pPr>
-            <a:endParaRPr b="0" lang="pt-BR" sz="2800" spc="-1" strike="noStrike">
+            <a:endParaRPr b="0" lang="en-US" sz="2800" spc="-1" strike="noStrike">
               <a:latin typeface="Arial"/>
             </a:endParaRPr>
           </a:p>
@@ -7412,7 +7412,7 @@
               </a:lnSpc>
               <a:buNone/>
             </a:pPr>
-            <a:endParaRPr b="0" lang="pt-BR" sz="2800" spc="-1" strike="noStrike">
+            <a:endParaRPr b="0" lang="en-US" sz="2800" spc="-1" strike="noStrike">
               <a:latin typeface="Arial"/>
             </a:endParaRPr>
           </a:p>
@@ -7427,7 +7427,7 @@
         <p:spPr>
           <a:xfrm>
             <a:off x="897120" y="6886080"/>
-            <a:ext cx="6442920" cy="360720"/>
+            <a:ext cx="6442560" cy="360360"/>
           </a:xfrm>
           <a:prstGeom prst="rect">
             <a:avLst/>
@@ -7464,7 +7464,7 @@
               </a:rPr>
               <a:t>Computer Vision - Prof. André Hochuli</a:t>
             </a:r>
-            <a:endParaRPr b="0" lang="pt-BR" sz="1800" spc="-1" strike="noStrike">
+            <a:endParaRPr b="0" lang="en-US" sz="1800" spc="-1" strike="noStrike">
               <a:latin typeface="Arial"/>
             </a:endParaRPr>
           </a:p>
@@ -7479,7 +7479,7 @@
         <p:spPr>
           <a:xfrm>
             <a:off x="7608600" y="6886080"/>
-            <a:ext cx="2280960" cy="360720"/>
+            <a:ext cx="2280600" cy="360360"/>
           </a:xfrm>
           <a:prstGeom prst="rect">
             <a:avLst/>
@@ -7516,7 +7516,7 @@
               </a:rPr>
               <a:t>Lecture 02</a:t>
             </a:r>
-            <a:endParaRPr b="0" lang="pt-BR" sz="1800" spc="-1" strike="noStrike">
+            <a:endParaRPr b="0" lang="en-US" sz="1800" spc="-1" strike="noStrike">
               <a:latin typeface="Arial"/>
             </a:endParaRPr>
           </a:p>
@@ -7535,7 +7535,7 @@
         <p:spPr>
           <a:xfrm>
             <a:off x="806760" y="3070080"/>
-            <a:ext cx="6801120" cy="3200040"/>
+            <a:ext cx="6800760" cy="3199680"/>
           </a:xfrm>
           <a:prstGeom prst="rect">
             <a:avLst/>
@@ -7584,7 +7584,7 @@
         <p:spPr>
           <a:xfrm>
             <a:off x="360000" y="360000"/>
-            <a:ext cx="9355680" cy="895680"/>
+            <a:ext cx="9355320" cy="895320"/>
           </a:xfrm>
           <a:prstGeom prst="rect">
             <a:avLst/>
@@ -7621,7 +7621,7 @@
               </a:rPr>
               <a:t>Gaussian Filter</a:t>
             </a:r>
-            <a:endParaRPr b="0" lang="pt-BR" sz="3200" spc="-1" strike="noStrike">
+            <a:endParaRPr b="0" lang="en-US" sz="3200" spc="-1" strike="noStrike">
               <a:latin typeface="Arial"/>
             </a:endParaRPr>
           </a:p>
@@ -7636,7 +7636,7 @@
         <p:spPr>
           <a:xfrm>
             <a:off x="540000" y="1980000"/>
-            <a:ext cx="9175680" cy="4675680"/>
+            <a:ext cx="9175320" cy="4675320"/>
           </a:xfrm>
           <a:prstGeom prst="rect">
             <a:avLst/>
@@ -7677,7 +7677,7 @@
               </a:rPr>
               <a:t>Gaussian distribution of pixels</a:t>
             </a:r>
-            <a:endParaRPr b="0" lang="pt-BR" sz="2400" spc="-1" strike="noStrike">
+            <a:endParaRPr b="0" lang="en-US" sz="2400" spc="-1" strike="noStrike">
               <a:latin typeface="Arial"/>
             </a:endParaRPr>
           </a:p>
@@ -7702,7 +7702,7 @@
               </a:rPr>
               <a:t>The kernel is composed of probabilities</a:t>
             </a:r>
-            <a:endParaRPr b="0" lang="pt-BR" sz="2400" spc="-1" strike="noStrike">
+            <a:endParaRPr b="0" lang="en-US" sz="2400" spc="-1" strike="noStrike">
               <a:latin typeface="Arial"/>
             </a:endParaRPr>
           </a:p>
@@ -7727,7 +7727,7 @@
               </a:rPr>
               <a:t>Weighted Mean</a:t>
             </a:r>
-            <a:endParaRPr b="0" lang="pt-BR" sz="2400" spc="-1" strike="noStrike">
+            <a:endParaRPr b="0" lang="en-US" sz="2400" spc="-1" strike="noStrike">
               <a:latin typeface="Arial"/>
             </a:endParaRPr>
           </a:p>
@@ -7752,7 +7752,7 @@
               </a:rPr>
               <a:t>The standard deviation determines the blur degree</a:t>
             </a:r>
-            <a:endParaRPr b="0" lang="pt-BR" sz="2400" spc="-1" strike="noStrike">
+            <a:endParaRPr b="0" lang="en-US" sz="2400" spc="-1" strike="noStrike">
               <a:latin typeface="Arial"/>
             </a:endParaRPr>
           </a:p>
@@ -7763,7 +7763,7 @@
               </a:lnSpc>
               <a:buNone/>
             </a:pPr>
-            <a:endParaRPr b="0" lang="pt-BR" sz="2800" spc="-1" strike="noStrike">
+            <a:endParaRPr b="0" lang="en-US" sz="2800" spc="-1" strike="noStrike">
               <a:latin typeface="Arial"/>
             </a:endParaRPr>
           </a:p>
@@ -7774,7 +7774,7 @@
               </a:lnSpc>
               <a:buNone/>
             </a:pPr>
-            <a:endParaRPr b="0" lang="pt-BR" sz="2800" spc="-1" strike="noStrike">
+            <a:endParaRPr b="0" lang="en-US" sz="2800" spc="-1" strike="noStrike">
               <a:latin typeface="Arial"/>
             </a:endParaRPr>
           </a:p>
@@ -7789,7 +7789,7 @@
         <p:spPr>
           <a:xfrm>
             <a:off x="897120" y="6886080"/>
-            <a:ext cx="6442920" cy="360720"/>
+            <a:ext cx="6442560" cy="360360"/>
           </a:xfrm>
           <a:prstGeom prst="rect">
             <a:avLst/>
@@ -7826,7 +7826,7 @@
               </a:rPr>
               <a:t>Computer Vision - Prof. André Hochuli</a:t>
             </a:r>
-            <a:endParaRPr b="0" lang="pt-BR" sz="1800" spc="-1" strike="noStrike">
+            <a:endParaRPr b="0" lang="en-US" sz="1800" spc="-1" strike="noStrike">
               <a:latin typeface="Arial"/>
             </a:endParaRPr>
           </a:p>
@@ -7841,7 +7841,7 @@
         <p:spPr>
           <a:xfrm>
             <a:off x="7608600" y="6886080"/>
-            <a:ext cx="2280960" cy="360720"/>
+            <a:ext cx="2280600" cy="360360"/>
           </a:xfrm>
           <a:prstGeom prst="rect">
             <a:avLst/>
@@ -7878,7 +7878,7 @@
               </a:rPr>
               <a:t>Lecture 02</a:t>
             </a:r>
-            <a:endParaRPr b="0" lang="pt-BR" sz="1800" spc="-1" strike="noStrike">
+            <a:endParaRPr b="0" lang="en-US" sz="1800" spc="-1" strike="noStrike">
               <a:latin typeface="Arial"/>
             </a:endParaRPr>
           </a:p>
@@ -7897,7 +7897,7 @@
         <p:spPr>
           <a:xfrm>
             <a:off x="713160" y="3112920"/>
-            <a:ext cx="6810480" cy="3257280"/>
+            <a:ext cx="6810120" cy="3256920"/>
           </a:xfrm>
           <a:prstGeom prst="rect">
             <a:avLst/>
@@ -7946,7 +7946,7 @@
         <p:spPr>
           <a:xfrm>
             <a:off x="360000" y="360000"/>
-            <a:ext cx="9355680" cy="895680"/>
+            <a:ext cx="9355320" cy="895320"/>
           </a:xfrm>
           <a:prstGeom prst="rect">
             <a:avLst/>
@@ -7983,7 +7983,7 @@
               </a:rPr>
               <a:t>Bilateral Filter</a:t>
             </a:r>
-            <a:endParaRPr b="0" lang="pt-BR" sz="3200" spc="-1" strike="noStrike">
+            <a:endParaRPr b="0" lang="en-US" sz="3200" spc="-1" strike="noStrike">
               <a:latin typeface="Arial"/>
             </a:endParaRPr>
           </a:p>
@@ -7998,7 +7998,7 @@
         <p:spPr>
           <a:xfrm>
             <a:off x="540000" y="1980000"/>
-            <a:ext cx="9175680" cy="4675680"/>
+            <a:ext cx="9175320" cy="4675320"/>
           </a:xfrm>
           <a:prstGeom prst="rect">
             <a:avLst/>
@@ -8039,7 +8039,7 @@
               </a:rPr>
               <a:t>Gaussian Distribution based</a:t>
             </a:r>
-            <a:endParaRPr b="0" lang="pt-BR" sz="2400" spc="-1" strike="noStrike">
+            <a:endParaRPr b="0" lang="en-US" sz="2400" spc="-1" strike="noStrike">
               <a:latin typeface="Arial"/>
             </a:endParaRPr>
           </a:p>
@@ -8064,7 +8064,7 @@
               </a:rPr>
               <a:t>Add Normalization Factors and Range Weight</a:t>
             </a:r>
-            <a:endParaRPr b="0" lang="pt-BR" sz="2400" spc="-1" strike="noStrike">
+            <a:endParaRPr b="0" lang="en-US" sz="2400" spc="-1" strike="noStrike">
               <a:latin typeface="Arial"/>
             </a:endParaRPr>
           </a:p>
@@ -8089,7 +8089,7 @@
               </a:rPr>
               <a:t>Preserve details</a:t>
             </a:r>
-            <a:endParaRPr b="0" lang="pt-BR" sz="2400" spc="-1" strike="noStrike">
+            <a:endParaRPr b="0" lang="en-US" sz="2400" spc="-1" strike="noStrike">
               <a:latin typeface="Arial"/>
             </a:endParaRPr>
           </a:p>
@@ -8100,7 +8100,7 @@
               </a:lnSpc>
               <a:buNone/>
             </a:pPr>
-            <a:endParaRPr b="0" lang="pt-BR" sz="2800" spc="-1" strike="noStrike">
+            <a:endParaRPr b="0" lang="en-US" sz="2800" spc="-1" strike="noStrike">
               <a:latin typeface="Arial"/>
             </a:endParaRPr>
           </a:p>
@@ -8111,7 +8111,7 @@
               </a:lnSpc>
               <a:buNone/>
             </a:pPr>
-            <a:endParaRPr b="0" lang="pt-BR" sz="2800" spc="-1" strike="noStrike">
+            <a:endParaRPr b="0" lang="en-US" sz="2800" spc="-1" strike="noStrike">
               <a:latin typeface="Arial"/>
             </a:endParaRPr>
           </a:p>
@@ -8126,7 +8126,7 @@
         <p:spPr>
           <a:xfrm>
             <a:off x="897120" y="6886080"/>
-            <a:ext cx="6442920" cy="360720"/>
+            <a:ext cx="6442560" cy="360360"/>
           </a:xfrm>
           <a:prstGeom prst="rect">
             <a:avLst/>
@@ -8163,7 +8163,7 @@
               </a:rPr>
               <a:t>Computer Vision - Prof. André Hochuli</a:t>
             </a:r>
-            <a:endParaRPr b="0" lang="pt-BR" sz="1800" spc="-1" strike="noStrike">
+            <a:endParaRPr b="0" lang="en-US" sz="1800" spc="-1" strike="noStrike">
               <a:latin typeface="Arial"/>
             </a:endParaRPr>
           </a:p>
@@ -8178,7 +8178,7 @@
         <p:spPr>
           <a:xfrm>
             <a:off x="7608600" y="6886080"/>
-            <a:ext cx="2280960" cy="360720"/>
+            <a:ext cx="2280600" cy="360360"/>
           </a:xfrm>
           <a:prstGeom prst="rect">
             <a:avLst/>
@@ -8215,7 +8215,7 @@
               </a:rPr>
               <a:t>Lecture 02</a:t>
             </a:r>
-            <a:endParaRPr b="0" lang="pt-BR" sz="1800" spc="-1" strike="noStrike">
+            <a:endParaRPr b="0" lang="en-US" sz="1800" spc="-1" strike="noStrike">
               <a:latin typeface="Arial"/>
             </a:endParaRPr>
           </a:p>
@@ -8234,7 +8234,7 @@
         <p:spPr>
           <a:xfrm>
             <a:off x="684720" y="2836440"/>
-            <a:ext cx="6867720" cy="3657240"/>
+            <a:ext cx="6867360" cy="3656880"/>
           </a:xfrm>
           <a:prstGeom prst="rect">
             <a:avLst/>
@@ -8283,7 +8283,7 @@
         <p:spPr>
           <a:xfrm>
             <a:off x="360000" y="360000"/>
-            <a:ext cx="9355680" cy="895680"/>
+            <a:ext cx="9355320" cy="895320"/>
           </a:xfrm>
           <a:prstGeom prst="rect">
             <a:avLst/>
@@ -8320,7 +8320,7 @@
               </a:rPr>
               <a:t>Bilateral Filter</a:t>
             </a:r>
-            <a:endParaRPr b="0" lang="pt-BR" sz="3200" spc="-1" strike="noStrike">
+            <a:endParaRPr b="0" lang="en-US" sz="3200" spc="-1" strike="noStrike">
               <a:latin typeface="Arial"/>
             </a:endParaRPr>
           </a:p>
@@ -8335,7 +8335,7 @@
         <p:spPr>
           <a:xfrm>
             <a:off x="540000" y="1980000"/>
-            <a:ext cx="9175680" cy="4675680"/>
+            <a:ext cx="9175320" cy="4675320"/>
           </a:xfrm>
           <a:prstGeom prst="rect">
             <a:avLst/>
@@ -8376,7 +8376,7 @@
               </a:rPr>
               <a:t>Gaussian Distribution based (spacial and pixel intensity)</a:t>
             </a:r>
-            <a:endParaRPr b="0" lang="pt-BR" sz="2400" spc="-1" strike="noStrike">
+            <a:endParaRPr b="0" lang="en-US" sz="2400" spc="-1" strike="noStrike">
               <a:latin typeface="Arial"/>
             </a:endParaRPr>
           </a:p>
@@ -8401,7 +8401,7 @@
               </a:rPr>
               <a:t>Add Normalization Factors and Range Weight</a:t>
             </a:r>
-            <a:endParaRPr b="0" lang="pt-BR" sz="2400" spc="-1" strike="noStrike">
+            <a:endParaRPr b="0" lang="en-US" sz="2400" spc="-1" strike="noStrike">
               <a:latin typeface="Arial"/>
             </a:endParaRPr>
           </a:p>
@@ -8426,7 +8426,7 @@
               </a:rPr>
               <a:t>Preserve details</a:t>
             </a:r>
-            <a:endParaRPr b="0" lang="pt-BR" sz="2400" spc="-1" strike="noStrike">
+            <a:endParaRPr b="0" lang="en-US" sz="2400" spc="-1" strike="noStrike">
               <a:latin typeface="Arial"/>
             </a:endParaRPr>
           </a:p>
@@ -8437,7 +8437,7 @@
               </a:lnSpc>
               <a:buNone/>
             </a:pPr>
-            <a:endParaRPr b="0" lang="pt-BR" sz="2800" spc="-1" strike="noStrike">
+            <a:endParaRPr b="0" lang="en-US" sz="2800" spc="-1" strike="noStrike">
               <a:latin typeface="Arial"/>
             </a:endParaRPr>
           </a:p>
@@ -8448,7 +8448,7 @@
               </a:lnSpc>
               <a:buNone/>
             </a:pPr>
-            <a:endParaRPr b="0" lang="pt-BR" sz="2800" spc="-1" strike="noStrike">
+            <a:endParaRPr b="0" lang="en-US" sz="2800" spc="-1" strike="noStrike">
               <a:latin typeface="Arial"/>
             </a:endParaRPr>
           </a:p>
@@ -8463,7 +8463,7 @@
         <p:spPr>
           <a:xfrm>
             <a:off x="897120" y="6886080"/>
-            <a:ext cx="6442920" cy="360720"/>
+            <a:ext cx="6442560" cy="360360"/>
           </a:xfrm>
           <a:prstGeom prst="rect">
             <a:avLst/>
@@ -8500,7 +8500,7 @@
               </a:rPr>
               <a:t>Computer Vision - Prof. André Hochuli</a:t>
             </a:r>
-            <a:endParaRPr b="0" lang="pt-BR" sz="1800" spc="-1" strike="noStrike">
+            <a:endParaRPr b="0" lang="en-US" sz="1800" spc="-1" strike="noStrike">
               <a:latin typeface="Arial"/>
             </a:endParaRPr>
           </a:p>
@@ -8515,7 +8515,7 @@
         <p:spPr>
           <a:xfrm>
             <a:off x="7608600" y="6886080"/>
-            <a:ext cx="2280960" cy="360720"/>
+            <a:ext cx="2280600" cy="360360"/>
           </a:xfrm>
           <a:prstGeom prst="rect">
             <a:avLst/>
@@ -8552,7 +8552,7 @@
               </a:rPr>
               <a:t>Lecture 02</a:t>
             </a:r>
-            <a:endParaRPr b="0" lang="pt-BR" sz="1800" spc="-1" strike="noStrike">
+            <a:endParaRPr b="0" lang="en-US" sz="1800" spc="-1" strike="noStrike">
               <a:latin typeface="Arial"/>
             </a:endParaRPr>
           </a:p>
@@ -8571,7 +8571,7 @@
         <p:spPr>
           <a:xfrm>
             <a:off x="684720" y="2836440"/>
-            <a:ext cx="6867720" cy="3657240"/>
+            <a:ext cx="6867360" cy="3656880"/>
           </a:xfrm>
           <a:prstGeom prst="rect">
             <a:avLst/>

--- a/ComputerVision/Lecture 02 - Image Filtering/Lecture 02 - Image Filtering.pptx
+++ b/ComputerVision/Lecture 02 - Image Filtering/Lecture 02 - Image Filtering.pptx
@@ -1276,8 +1276,8 @@
         </p:nvSpPr>
         <p:spPr>
           <a:xfrm>
-            <a:off x="1376280" y="1336680"/>
-            <a:ext cx="4802760" cy="3602520"/>
+            <a:off x="1376363" y="1336675"/>
+            <a:ext cx="4802187" cy="3602038"/>
           </a:xfrm>
           <a:prstGeom prst="rect">
             <a:avLst/>
@@ -9060,27 +9060,142 @@
       </p:sp>
       <p:pic>
         <p:nvPicPr>
-          <p:cNvPr id="93" name="Picture 92"/>
-          <p:cNvPicPr/>
+          <p:cNvPr id="2" name="Picture 1">
+            <a:extLst>
+              <a:ext uri="{FF2B5EF4-FFF2-40B4-BE49-F238E27FC236}">
+                <a16:creationId xmlns:a16="http://schemas.microsoft.com/office/drawing/2014/main" id="{9D1E6E2C-D2AC-D1F4-8297-459B30360630}"/>
+              </a:ext>
+            </a:extLst>
+          </p:cNvPr>
+          <p:cNvPicPr>
+            <a:picLocks noChangeAspect="1"/>
+          </p:cNvPicPr>
           <p:nvPr/>
         </p:nvPicPr>
         <p:blipFill>
           <a:blip r:embed="rId3"/>
-          <a:stretch/>
+          <a:stretch>
+            <a:fillRect/>
+          </a:stretch>
         </p:blipFill>
         <p:spPr>
           <a:xfrm>
-            <a:off x="2340000" y="4195080"/>
-            <a:ext cx="6219360" cy="2104200"/>
-          </a:xfrm>
-          <a:prstGeom prst="rect">
-            <a:avLst/>
-          </a:prstGeom>
-          <a:ln w="0">
-            <a:noFill/>
-          </a:ln>
+            <a:off x="2808834" y="3779837"/>
+            <a:ext cx="5789485" cy="2757365"/>
+          </a:xfrm>
+          <a:prstGeom prst="rect">
+            <a:avLst/>
+          </a:prstGeom>
         </p:spPr>
       </p:pic>
+      <p:sp>
+        <p:nvSpPr>
+          <p:cNvPr id="3" name="Oval 2">
+            <a:extLst>
+              <a:ext uri="{FF2B5EF4-FFF2-40B4-BE49-F238E27FC236}">
+                <a16:creationId xmlns:a16="http://schemas.microsoft.com/office/drawing/2014/main" id="{BD23C71C-755A-73AC-F0A7-CC77D8D6BB92}"/>
+              </a:ext>
+            </a:extLst>
+          </p:cNvPr>
+          <p:cNvSpPr/>
+          <p:nvPr/>
+        </p:nvSpPr>
+        <p:spPr>
+          <a:xfrm>
+            <a:off x="3302365" y="6210025"/>
+            <a:ext cx="236823" cy="243401"/>
+          </a:xfrm>
+          <a:prstGeom prst="ellipse">
+            <a:avLst/>
+          </a:prstGeom>
+          <a:solidFill>
+            <a:srgbClr val="00B050"/>
+          </a:solidFill>
+          <a:ln>
+            <a:solidFill>
+              <a:srgbClr val="00B050"/>
+            </a:solidFill>
+          </a:ln>
+        </p:spPr>
+        <p:style>
+          <a:lnRef idx="2">
+            <a:schemeClr val="accent3">
+              <a:shade val="15000"/>
+            </a:schemeClr>
+          </a:lnRef>
+          <a:fillRef idx="1">
+            <a:schemeClr val="accent3"/>
+          </a:fillRef>
+          <a:effectRef idx="0">
+            <a:schemeClr val="accent3"/>
+          </a:effectRef>
+          <a:fontRef idx="minor">
+            <a:schemeClr val="lt1"/>
+          </a:fontRef>
+        </p:style>
+        <p:txBody>
+          <a:bodyPr rtlCol="0" anchor="ctr"/>
+          <a:lstStyle/>
+          <a:p>
+            <a:pPr algn="ctr"/>
+            <a:endParaRPr lang="en-BR"/>
+          </a:p>
+        </p:txBody>
+      </p:sp>
+      <p:sp>
+        <p:nvSpPr>
+          <p:cNvPr id="4" name="Oval 3">
+            <a:extLst>
+              <a:ext uri="{FF2B5EF4-FFF2-40B4-BE49-F238E27FC236}">
+                <a16:creationId xmlns:a16="http://schemas.microsoft.com/office/drawing/2014/main" id="{F908BCEE-FD79-88A9-A600-53B7F6E5777D}"/>
+              </a:ext>
+            </a:extLst>
+          </p:cNvPr>
+          <p:cNvSpPr/>
+          <p:nvPr/>
+        </p:nvSpPr>
+        <p:spPr>
+          <a:xfrm>
+            <a:off x="2904298" y="6201702"/>
+            <a:ext cx="236823" cy="243401"/>
+          </a:xfrm>
+          <a:prstGeom prst="ellipse">
+            <a:avLst/>
+          </a:prstGeom>
+          <a:solidFill>
+            <a:srgbClr val="00B050"/>
+          </a:solidFill>
+          <a:ln>
+            <a:solidFill>
+              <a:srgbClr val="00B050"/>
+            </a:solidFill>
+          </a:ln>
+        </p:spPr>
+        <p:style>
+          <a:lnRef idx="2">
+            <a:schemeClr val="accent3">
+              <a:shade val="15000"/>
+            </a:schemeClr>
+          </a:lnRef>
+          <a:fillRef idx="1">
+            <a:schemeClr val="accent3"/>
+          </a:fillRef>
+          <a:effectRef idx="0">
+            <a:schemeClr val="accent3"/>
+          </a:effectRef>
+          <a:fontRef idx="minor">
+            <a:schemeClr val="lt1"/>
+          </a:fontRef>
+        </p:style>
+        <p:txBody>
+          <a:bodyPr rtlCol="0" anchor="ctr"/>
+          <a:lstStyle/>
+          <a:p>
+            <a:pPr algn="ctr"/>
+            <a:endParaRPr lang="en-BR"/>
+          </a:p>
+        </p:txBody>
+      </p:sp>
     </p:spTree>
   </p:cSld>
   <p:clrMapOvr>

--- a/ComputerVision/Lecture 02 - Image Filtering/Lecture 02 - Image Filtering.pptx
+++ b/ComputerVision/Lecture 02 - Image Filtering/Lecture 02 - Image Filtering.pptx
@@ -9060,10 +9060,10 @@
       </p:sp>
       <p:pic>
         <p:nvPicPr>
-          <p:cNvPr id="2" name="Picture 1">
+          <p:cNvPr id="5" name="Picture 4">
             <a:extLst>
               <a:ext uri="{FF2B5EF4-FFF2-40B4-BE49-F238E27FC236}">
-                <a16:creationId xmlns:a16="http://schemas.microsoft.com/office/drawing/2014/main" id="{9D1E6E2C-D2AC-D1F4-8297-459B30360630}"/>
+                <a16:creationId xmlns:a16="http://schemas.microsoft.com/office/drawing/2014/main" id="{0989C5A7-0C7D-6187-CD79-DDB6B4B60FCD}"/>
               </a:ext>
             </a:extLst>
           </p:cNvPr>
@@ -9080,8 +9080,8 @@
         </p:blipFill>
         <p:spPr>
           <a:xfrm>
-            <a:off x="2808834" y="3779837"/>
-            <a:ext cx="5789485" cy="2757365"/>
+            <a:off x="2331633" y="3751382"/>
+            <a:ext cx="6622127" cy="3071447"/>
           </a:xfrm>
           <a:prstGeom prst="rect">
             <a:avLst/>
@@ -9090,10 +9090,10 @@
       </p:pic>
       <p:sp>
         <p:nvSpPr>
-          <p:cNvPr id="3" name="Oval 2">
+          <p:cNvPr id="6" name="Oval 5">
             <a:extLst>
               <a:ext uri="{FF2B5EF4-FFF2-40B4-BE49-F238E27FC236}">
-                <a16:creationId xmlns:a16="http://schemas.microsoft.com/office/drawing/2014/main" id="{BD23C71C-755A-73AC-F0A7-CC77D8D6BB92}"/>
+                <a16:creationId xmlns:a16="http://schemas.microsoft.com/office/drawing/2014/main" id="{431859D1-555E-D689-597D-D92A4D4400C7}"/>
               </a:ext>
             </a:extLst>
           </p:cNvPr>
@@ -9102,8 +9102,8 @@
         </p:nvSpPr>
         <p:spPr>
           <a:xfrm>
-            <a:off x="3302365" y="6210025"/>
-            <a:ext cx="236823" cy="243401"/>
+            <a:off x="2426677" y="6435966"/>
+            <a:ext cx="304800" cy="269631"/>
           </a:xfrm>
           <a:prstGeom prst="ellipse">
             <a:avLst/>
@@ -9111,23 +9111,18 @@
           <a:solidFill>
             <a:srgbClr val="00B050"/>
           </a:solidFill>
-          <a:ln>
-            <a:solidFill>
-              <a:srgbClr val="00B050"/>
-            </a:solidFill>
-          </a:ln>
         </p:spPr>
         <p:style>
           <a:lnRef idx="2">
-            <a:schemeClr val="accent3">
+            <a:schemeClr val="accent1">
               <a:shade val="15000"/>
             </a:schemeClr>
           </a:lnRef>
           <a:fillRef idx="1">
-            <a:schemeClr val="accent3"/>
+            <a:schemeClr val="accent1"/>
           </a:fillRef>
           <a:effectRef idx="0">
-            <a:schemeClr val="accent3"/>
+            <a:schemeClr val="accent1"/>
           </a:effectRef>
           <a:fontRef idx="minor">
             <a:schemeClr val="lt1"/>
@@ -9144,10 +9139,10 @@
       </p:sp>
       <p:sp>
         <p:nvSpPr>
-          <p:cNvPr id="4" name="Oval 3">
+          <p:cNvPr id="7" name="Oval 6">
             <a:extLst>
               <a:ext uri="{FF2B5EF4-FFF2-40B4-BE49-F238E27FC236}">
-                <a16:creationId xmlns:a16="http://schemas.microsoft.com/office/drawing/2014/main" id="{F908BCEE-FD79-88A9-A600-53B7F6E5777D}"/>
+                <a16:creationId xmlns:a16="http://schemas.microsoft.com/office/drawing/2014/main" id="{CFD7556D-23C4-DA2E-74A7-BCCBA2260000}"/>
               </a:ext>
             </a:extLst>
           </p:cNvPr>
@@ -9156,8 +9151,8 @@
         </p:nvSpPr>
         <p:spPr>
           <a:xfrm>
-            <a:off x="2904298" y="6201702"/>
-            <a:ext cx="236823" cy="243401"/>
+            <a:off x="2861690" y="6451701"/>
+            <a:ext cx="304800" cy="269631"/>
           </a:xfrm>
           <a:prstGeom prst="ellipse">
             <a:avLst/>
@@ -9165,23 +9160,18 @@
           <a:solidFill>
             <a:srgbClr val="00B050"/>
           </a:solidFill>
-          <a:ln>
-            <a:solidFill>
-              <a:srgbClr val="00B050"/>
-            </a:solidFill>
-          </a:ln>
         </p:spPr>
         <p:style>
           <a:lnRef idx="2">
-            <a:schemeClr val="accent3">
+            <a:schemeClr val="accent1">
               <a:shade val="15000"/>
             </a:schemeClr>
           </a:lnRef>
           <a:fillRef idx="1">
-            <a:schemeClr val="accent3"/>
+            <a:schemeClr val="accent1"/>
           </a:fillRef>
           <a:effectRef idx="0">
-            <a:schemeClr val="accent3"/>
+            <a:schemeClr val="accent1"/>
           </a:effectRef>
           <a:fontRef idx="minor">
             <a:schemeClr val="lt1"/>
